--- a/Vaadin.pptx
+++ b/Vaadin.pptx
@@ -27,23 +27,26 @@
     <p:sldId id="272" r:id="rId23"/>
     <p:sldId id="273" r:id="rId24"/>
     <p:sldId id="274" r:id="rId25"/>
+    <p:sldId id="275" r:id="rId26"/>
+    <p:sldId id="276" r:id="rId27"/>
+    <p:sldId id="277" r:id="rId28"/>
   </p:sldIdLst>
   <p:sldSz cy="5143500" cx="9144000"/>
   <p:notesSz cx="6858000" cy="9144000"/>
   <p:embeddedFontLst>
     <p:embeddedFont>
       <p:font typeface="Montserrat"/>
-      <p:regular r:id="rId26"/>
-      <p:bold r:id="rId27"/>
-      <p:italic r:id="rId28"/>
-      <p:boldItalic r:id="rId29"/>
+      <p:regular r:id="rId29"/>
+      <p:bold r:id="rId30"/>
+      <p:italic r:id="rId31"/>
+      <p:boldItalic r:id="rId32"/>
     </p:embeddedFont>
     <p:embeddedFont>
       <p:font typeface="Lato"/>
-      <p:regular r:id="rId30"/>
-      <p:bold r:id="rId31"/>
-      <p:italic r:id="rId32"/>
-      <p:boldItalic r:id="rId33"/>
+      <p:regular r:id="rId33"/>
+      <p:bold r:id="rId34"/>
+      <p:italic r:id="rId35"/>
+      <p:boldItalic r:id="rId36"/>
     </p:embeddedFont>
   </p:embeddedFontLst>
   <p:defaultTextStyle>
@@ -824,7 +827,7 @@
   <p:cSld>
     <p:spTree>
       <p:nvGrpSpPr>
-        <p:cNvPr id="262" name="Shape 262"/>
+        <p:cNvPr id="275" name="Shape 275"/>
         <p:cNvGrpSpPr/>
         <p:nvPr/>
       </p:nvGrpSpPr>
@@ -838,7 +841,7 @@
       </p:grpSpPr>
       <p:sp>
         <p:nvSpPr>
-          <p:cNvPr id="263" name="Google Shape;263;g2917c76c173_0_11:notes"/>
+          <p:cNvPr id="276" name="Google Shape;276;g2917c76c173_0_5:notes"/>
           <p:cNvSpPr/>
           <p:nvPr>
             <p:ph idx="2" type="sldImg"/>
@@ -873,7 +876,7 @@
       </p:sp>
       <p:sp>
         <p:nvSpPr>
-          <p:cNvPr id="264" name="Google Shape;264;g2917c76c173_0_11:notes"/>
+          <p:cNvPr id="277" name="Google Shape;277;g2917c76c173_0_5:notes"/>
           <p:cNvSpPr txBox="1"/>
           <p:nvPr>
             <p:ph idx="1" type="body"/>
@@ -923,7 +926,7 @@
   <p:cSld>
     <p:spTree>
       <p:nvGrpSpPr>
-        <p:cNvPr id="269" name="Shape 269"/>
+        <p:cNvPr id="282" name="Shape 282"/>
         <p:cNvGrpSpPr/>
         <p:nvPr/>
       </p:nvGrpSpPr>
@@ -937,7 +940,7 @@
       </p:grpSpPr>
       <p:sp>
         <p:nvSpPr>
-          <p:cNvPr id="270" name="Google Shape;270;g2917c76c173_0_17:notes"/>
+          <p:cNvPr id="283" name="Google Shape;283;g2917c76c173_0_11:notes"/>
           <p:cNvSpPr/>
           <p:nvPr>
             <p:ph idx="2" type="sldImg"/>
@@ -972,7 +975,7 @@
       </p:sp>
       <p:sp>
         <p:nvSpPr>
-          <p:cNvPr id="271" name="Google Shape;271;g2917c76c173_0_17:notes"/>
+          <p:cNvPr id="284" name="Google Shape;284;g2917c76c173_0_11:notes"/>
           <p:cNvSpPr txBox="1"/>
           <p:nvPr>
             <p:ph idx="1" type="body"/>
@@ -1022,7 +1025,7 @@
   <p:cSld>
     <p:spTree>
       <p:nvGrpSpPr>
-        <p:cNvPr id="278" name="Shape 278"/>
+        <p:cNvPr id="289" name="Shape 289"/>
         <p:cNvGrpSpPr/>
         <p:nvPr/>
       </p:nvGrpSpPr>
@@ -1036,7 +1039,7 @@
       </p:grpSpPr>
       <p:sp>
         <p:nvSpPr>
-          <p:cNvPr id="279" name="Google Shape;279;g291d59ecfd0_1_1:notes"/>
+          <p:cNvPr id="290" name="Google Shape;290;g2917c76c173_0_17:notes"/>
           <p:cNvSpPr/>
           <p:nvPr>
             <p:ph idx="2" type="sldImg"/>
@@ -1071,7 +1074,7 @@
       </p:sp>
       <p:sp>
         <p:nvSpPr>
-          <p:cNvPr id="280" name="Google Shape;280;g291d59ecfd0_1_1:notes"/>
+          <p:cNvPr id="291" name="Google Shape;291;g2917c76c173_0_17:notes"/>
           <p:cNvSpPr txBox="1"/>
           <p:nvPr>
             <p:ph idx="1" type="body"/>
@@ -1121,7 +1124,7 @@
   <p:cSld>
     <p:spTree>
       <p:nvGrpSpPr>
-        <p:cNvPr id="285" name="Shape 285"/>
+        <p:cNvPr id="298" name="Shape 298"/>
         <p:cNvGrpSpPr/>
         <p:nvPr/>
       </p:nvGrpSpPr>
@@ -1135,7 +1138,7 @@
       </p:grpSpPr>
       <p:sp>
         <p:nvSpPr>
-          <p:cNvPr id="286" name="Google Shape;286;g291d59ecfd0_1_11:notes"/>
+          <p:cNvPr id="299" name="Google Shape;299;g26065ed26fa_0_14:notes"/>
           <p:cNvSpPr/>
           <p:nvPr>
             <p:ph idx="2" type="sldImg"/>
@@ -1170,7 +1173,7 @@
       </p:sp>
       <p:sp>
         <p:nvSpPr>
-          <p:cNvPr id="287" name="Google Shape;287;g291d59ecfd0_1_11:notes"/>
+          <p:cNvPr id="300" name="Google Shape;300;g26065ed26fa_0_14:notes"/>
           <p:cNvSpPr txBox="1"/>
           <p:nvPr>
             <p:ph idx="1" type="body"/>
@@ -1220,7 +1223,7 @@
   <p:cSld>
     <p:spTree>
       <p:nvGrpSpPr>
-        <p:cNvPr id="292" name="Shape 292"/>
+        <p:cNvPr id="305" name="Shape 305"/>
         <p:cNvGrpSpPr/>
         <p:nvPr/>
       </p:nvGrpSpPr>
@@ -1234,7 +1237,7 @@
       </p:grpSpPr>
       <p:sp>
         <p:nvSpPr>
-          <p:cNvPr id="293" name="Google Shape;293;g291d59ecfd0_1_23:notes"/>
+          <p:cNvPr id="306" name="Google Shape;306;g291d59ecfd0_1_1:notes"/>
           <p:cNvSpPr/>
           <p:nvPr>
             <p:ph idx="2" type="sldImg"/>
@@ -1269,7 +1272,7 @@
       </p:sp>
       <p:sp>
         <p:nvSpPr>
-          <p:cNvPr id="294" name="Google Shape;294;g291d59ecfd0_1_23:notes"/>
+          <p:cNvPr id="307" name="Google Shape;307;g291d59ecfd0_1_1:notes"/>
           <p:cNvSpPr txBox="1"/>
           <p:nvPr>
             <p:ph idx="1" type="body"/>
@@ -1319,7 +1322,7 @@
   <p:cSld>
     <p:spTree>
       <p:nvGrpSpPr>
-        <p:cNvPr id="300" name="Shape 300"/>
+        <p:cNvPr id="312" name="Shape 312"/>
         <p:cNvGrpSpPr/>
         <p:nvPr/>
       </p:nvGrpSpPr>
@@ -1333,7 +1336,7 @@
       </p:grpSpPr>
       <p:sp>
         <p:nvSpPr>
-          <p:cNvPr id="301" name="Google Shape;301;g291d59ecfd0_1_29:notes"/>
+          <p:cNvPr id="313" name="Google Shape;313;g291d59ecfd0_1_11:notes"/>
           <p:cNvSpPr/>
           <p:nvPr>
             <p:ph idx="2" type="sldImg"/>
@@ -1368,7 +1371,7 @@
       </p:sp>
       <p:sp>
         <p:nvSpPr>
-          <p:cNvPr id="302" name="Google Shape;302;g291d59ecfd0_1_29:notes"/>
+          <p:cNvPr id="314" name="Google Shape;314;g291d59ecfd0_1_11:notes"/>
           <p:cNvSpPr txBox="1"/>
           <p:nvPr>
             <p:ph idx="1" type="body"/>
@@ -1418,7 +1421,7 @@
   <p:cSld>
     <p:spTree>
       <p:nvGrpSpPr>
-        <p:cNvPr id="308" name="Shape 308"/>
+        <p:cNvPr id="319" name="Shape 319"/>
         <p:cNvGrpSpPr/>
         <p:nvPr/>
       </p:nvGrpSpPr>
@@ -1432,7 +1435,7 @@
       </p:grpSpPr>
       <p:sp>
         <p:nvSpPr>
-          <p:cNvPr id="309" name="Google Shape;309;g291d59ecfd0_1_40:notes"/>
+          <p:cNvPr id="320" name="Google Shape;320;g291d59ecfd0_1_23:notes"/>
           <p:cNvSpPr/>
           <p:nvPr>
             <p:ph idx="2" type="sldImg"/>
@@ -1467,7 +1470,7 @@
       </p:sp>
       <p:sp>
         <p:nvSpPr>
-          <p:cNvPr id="310" name="Google Shape;310;g291d59ecfd0_1_40:notes"/>
+          <p:cNvPr id="321" name="Google Shape;321;g291d59ecfd0_1_23:notes"/>
           <p:cNvSpPr txBox="1"/>
           <p:nvPr>
             <p:ph idx="1" type="body"/>
@@ -1517,7 +1520,7 @@
   <p:cSld>
     <p:spTree>
       <p:nvGrpSpPr>
-        <p:cNvPr id="316" name="Shape 316"/>
+        <p:cNvPr id="327" name="Shape 327"/>
         <p:cNvGrpSpPr/>
         <p:nvPr/>
       </p:nvGrpSpPr>
@@ -1531,7 +1534,7 @@
       </p:grpSpPr>
       <p:sp>
         <p:nvSpPr>
-          <p:cNvPr id="317" name="Google Shape;317;g291f01e8625_0_0:notes"/>
+          <p:cNvPr id="328" name="Google Shape;328;g291d59ecfd0_1_29:notes"/>
           <p:cNvSpPr/>
           <p:nvPr>
             <p:ph idx="2" type="sldImg"/>
@@ -1566,7 +1569,7 @@
       </p:sp>
       <p:sp>
         <p:nvSpPr>
-          <p:cNvPr id="318" name="Google Shape;318;g291f01e8625_0_0:notes"/>
+          <p:cNvPr id="329" name="Google Shape;329;g291d59ecfd0_1_29:notes"/>
           <p:cNvSpPr txBox="1"/>
           <p:nvPr>
             <p:ph idx="1" type="body"/>
@@ -1616,7 +1619,7 @@
   <p:cSld>
     <p:spTree>
       <p:nvGrpSpPr>
-        <p:cNvPr id="323" name="Shape 323"/>
+        <p:cNvPr id="335" name="Shape 335"/>
         <p:cNvGrpSpPr/>
         <p:nvPr/>
       </p:nvGrpSpPr>
@@ -1630,7 +1633,7 @@
       </p:grpSpPr>
       <p:sp>
         <p:nvSpPr>
-          <p:cNvPr id="324" name="Google Shape;324;g291f01e8625_0_11:notes"/>
+          <p:cNvPr id="336" name="Google Shape;336;g291d59ecfd0_1_40:notes"/>
           <p:cNvSpPr/>
           <p:nvPr>
             <p:ph idx="2" type="sldImg"/>
@@ -1665,7 +1668,7 @@
       </p:sp>
       <p:sp>
         <p:nvSpPr>
-          <p:cNvPr id="325" name="Google Shape;325;g291f01e8625_0_11:notes"/>
+          <p:cNvPr id="337" name="Google Shape;337;g291d59ecfd0_1_40:notes"/>
           <p:cNvSpPr txBox="1"/>
           <p:nvPr>
             <p:ph idx="1" type="body"/>
@@ -1715,7 +1718,7 @@
   <p:cSld>
     <p:spTree>
       <p:nvGrpSpPr>
-        <p:cNvPr id="330" name="Shape 330"/>
+        <p:cNvPr id="343" name="Shape 343"/>
         <p:cNvGrpSpPr/>
         <p:nvPr/>
       </p:nvGrpSpPr>
@@ -1729,7 +1732,7 @@
       </p:grpSpPr>
       <p:sp>
         <p:nvSpPr>
-          <p:cNvPr id="331" name="Google Shape;331;g295cbb7070d_0_39:notes"/>
+          <p:cNvPr id="344" name="Google Shape;344;g291f01e8625_0_0:notes"/>
           <p:cNvSpPr/>
           <p:nvPr>
             <p:ph idx="2" type="sldImg"/>
@@ -1764,7 +1767,7 @@
       </p:sp>
       <p:sp>
         <p:nvSpPr>
-          <p:cNvPr id="332" name="Google Shape;332;g295cbb7070d_0_39:notes"/>
+          <p:cNvPr id="345" name="Google Shape;345;g291f01e8625_0_0:notes"/>
           <p:cNvSpPr txBox="1"/>
           <p:nvPr>
             <p:ph idx="1" type="body"/>
@@ -1908,12 +1911,12 @@
 </p:notes>
 </file>
 
-<file path=ppt/notesSlides/notesSlide3.xml><?xml version="1.0" encoding="utf-8"?>
+<file path=ppt/notesSlides/notesSlide20.xml><?xml version="1.0" encoding="utf-8"?>
 <p:notes xmlns:a="http://schemas.openxmlformats.org/drawingml/2006/main" xmlns:r="http://schemas.openxmlformats.org/officeDocument/2006/relationships" xmlns:mc="http://schemas.openxmlformats.org/markup-compatibility/2006" xmlns:mv="urn:schemas-microsoft-com:mac:vml" xmlns:p="http://schemas.openxmlformats.org/presentationml/2006/main" xmlns:c="http://schemas.openxmlformats.org/drawingml/2006/chart" xmlns:dgm="http://schemas.openxmlformats.org/drawingml/2006/diagram" xmlns:o="urn:schemas-microsoft-com:office:office" xmlns:v="urn:schemas-microsoft-com:vml" xmlns:pvml="urn:schemas-microsoft-com:office:powerpoint" xmlns:com="http://schemas.openxmlformats.org/drawingml/2006/compatibility" xmlns:p14="http://schemas.microsoft.com/office/powerpoint/2010/main" xmlns:p15="http://schemas.microsoft.com/office/powerpoint/2012/main" xmlns:ahyp="http://schemas.microsoft.com/office/drawing/2018/hyperlinkcolor" showMasterPhAnim="0" showMasterSp="0">
   <p:cSld>
     <p:spTree>
       <p:nvGrpSpPr>
-        <p:cNvPr id="205" name="Shape 205"/>
+        <p:cNvPr id="350" name="Shape 350"/>
         <p:cNvGrpSpPr/>
         <p:nvPr/>
       </p:nvGrpSpPr>
@@ -1927,7 +1930,7 @@
       </p:grpSpPr>
       <p:sp>
         <p:nvSpPr>
-          <p:cNvPr id="206" name="Google Shape;206;g291a1ad3cd0_0_193:notes"/>
+          <p:cNvPr id="351" name="Google Shape;351;g291f01e8625_0_11:notes"/>
           <p:cNvSpPr/>
           <p:nvPr>
             <p:ph idx="2" type="sldImg"/>
@@ -1962,7 +1965,7 @@
       </p:sp>
       <p:sp>
         <p:nvSpPr>
-          <p:cNvPr id="207" name="Google Shape;207;g291a1ad3cd0_0_193:notes"/>
+          <p:cNvPr id="352" name="Google Shape;352;g291f01e8625_0_11:notes"/>
           <p:cNvSpPr txBox="1"/>
           <p:nvPr>
             <p:ph idx="1" type="body"/>
@@ -2007,12 +2010,12 @@
 </p:notes>
 </file>
 
-<file path=ppt/notesSlides/notesSlide4.xml><?xml version="1.0" encoding="utf-8"?>
+<file path=ppt/notesSlides/notesSlide21.xml><?xml version="1.0" encoding="utf-8"?>
 <p:notes xmlns:a="http://schemas.openxmlformats.org/drawingml/2006/main" xmlns:r="http://schemas.openxmlformats.org/officeDocument/2006/relationships" xmlns:mc="http://schemas.openxmlformats.org/markup-compatibility/2006" xmlns:mv="urn:schemas-microsoft-com:mac:vml" xmlns:p="http://schemas.openxmlformats.org/presentationml/2006/main" xmlns:c="http://schemas.openxmlformats.org/drawingml/2006/chart" xmlns:dgm="http://schemas.openxmlformats.org/drawingml/2006/diagram" xmlns:o="urn:schemas-microsoft-com:office:office" xmlns:v="urn:schemas-microsoft-com:vml" xmlns:pvml="urn:schemas-microsoft-com:office:powerpoint" xmlns:com="http://schemas.openxmlformats.org/drawingml/2006/compatibility" xmlns:p14="http://schemas.microsoft.com/office/powerpoint/2010/main" xmlns:p15="http://schemas.microsoft.com/office/powerpoint/2012/main" xmlns:ahyp="http://schemas.microsoft.com/office/drawing/2018/hyperlinkcolor" showMasterPhAnim="0" showMasterSp="0">
   <p:cSld>
     <p:spTree>
       <p:nvGrpSpPr>
-        <p:cNvPr id="212" name="Shape 212"/>
+        <p:cNvPr id="357" name="Shape 357"/>
         <p:cNvGrpSpPr/>
         <p:nvPr/>
       </p:nvGrpSpPr>
@@ -2026,7 +2029,7 @@
       </p:grpSpPr>
       <p:sp>
         <p:nvSpPr>
-          <p:cNvPr id="213" name="Google Shape;213;g291a1ad3cd0_0_198:notes"/>
+          <p:cNvPr id="358" name="Google Shape;358;g26065ed26fa_0_0:notes"/>
           <p:cNvSpPr/>
           <p:nvPr>
             <p:ph idx="2" type="sldImg"/>
@@ -2061,7 +2064,7 @@
       </p:sp>
       <p:sp>
         <p:nvSpPr>
-          <p:cNvPr id="214" name="Google Shape;214;g291a1ad3cd0_0_198:notes"/>
+          <p:cNvPr id="359" name="Google Shape;359;g26065ed26fa_0_0:notes"/>
           <p:cNvSpPr txBox="1"/>
           <p:nvPr>
             <p:ph idx="1" type="body"/>
@@ -2106,12 +2109,12 @@
 </p:notes>
 </file>
 
-<file path=ppt/notesSlides/notesSlide5.xml><?xml version="1.0" encoding="utf-8"?>
+<file path=ppt/notesSlides/notesSlide22.xml><?xml version="1.0" encoding="utf-8"?>
 <p:notes xmlns:a="http://schemas.openxmlformats.org/drawingml/2006/main" xmlns:r="http://schemas.openxmlformats.org/officeDocument/2006/relationships" xmlns:mc="http://schemas.openxmlformats.org/markup-compatibility/2006" xmlns:mv="urn:schemas-microsoft-com:mac:vml" xmlns:p="http://schemas.openxmlformats.org/presentationml/2006/main" xmlns:c="http://schemas.openxmlformats.org/drawingml/2006/chart" xmlns:dgm="http://schemas.openxmlformats.org/drawingml/2006/diagram" xmlns:o="urn:schemas-microsoft-com:office:office" xmlns:v="urn:schemas-microsoft-com:vml" xmlns:pvml="urn:schemas-microsoft-com:office:powerpoint" xmlns:com="http://schemas.openxmlformats.org/drawingml/2006/compatibility" xmlns:p14="http://schemas.microsoft.com/office/powerpoint/2010/main" xmlns:p15="http://schemas.microsoft.com/office/powerpoint/2012/main" xmlns:ahyp="http://schemas.microsoft.com/office/drawing/2018/hyperlinkcolor" showMasterPhAnim="0" showMasterSp="0">
   <p:cSld>
     <p:spTree>
       <p:nvGrpSpPr>
-        <p:cNvPr id="219" name="Shape 219"/>
+        <p:cNvPr id="364" name="Shape 364"/>
         <p:cNvGrpSpPr/>
         <p:nvPr/>
       </p:nvGrpSpPr>
@@ -2125,7 +2128,7 @@
       </p:grpSpPr>
       <p:sp>
         <p:nvSpPr>
-          <p:cNvPr id="220" name="Google Shape;220;g2917c76c173_0_24:notes"/>
+          <p:cNvPr id="365" name="Google Shape;365;g295cbb7070d_0_39:notes"/>
           <p:cNvSpPr/>
           <p:nvPr>
             <p:ph idx="2" type="sldImg"/>
@@ -2160,7 +2163,7 @@
       </p:sp>
       <p:sp>
         <p:nvSpPr>
-          <p:cNvPr id="221" name="Google Shape;221;g2917c76c173_0_24:notes"/>
+          <p:cNvPr id="366" name="Google Shape;366;g295cbb7070d_0_39:notes"/>
           <p:cNvSpPr txBox="1"/>
           <p:nvPr>
             <p:ph idx="1" type="body"/>
@@ -2191,8 +2194,7 @@
               <a:buNone/>
             </a:pPr>
             <a:r>
-              <a:rPr lang="de"/>
-              <a:t>Flow baut auf Spring auf. Ähnlich zu Swing</a:t>
+              <a:t/>
             </a:r>
             <a:endParaRPr/>
           </a:p>
@@ -2206,12 +2208,12 @@
 </p:notes>
 </file>
 
-<file path=ppt/notesSlides/notesSlide6.xml><?xml version="1.0" encoding="utf-8"?>
+<file path=ppt/notesSlides/notesSlide3.xml><?xml version="1.0" encoding="utf-8"?>
 <p:notes xmlns:a="http://schemas.openxmlformats.org/drawingml/2006/main" xmlns:r="http://schemas.openxmlformats.org/officeDocument/2006/relationships" xmlns:mc="http://schemas.openxmlformats.org/markup-compatibility/2006" xmlns:mv="urn:schemas-microsoft-com:mac:vml" xmlns:p="http://schemas.openxmlformats.org/presentationml/2006/main" xmlns:c="http://schemas.openxmlformats.org/drawingml/2006/chart" xmlns:dgm="http://schemas.openxmlformats.org/drawingml/2006/diagram" xmlns:o="urn:schemas-microsoft-com:office:office" xmlns:v="urn:schemas-microsoft-com:vml" xmlns:pvml="urn:schemas-microsoft-com:office:powerpoint" xmlns:com="http://schemas.openxmlformats.org/drawingml/2006/compatibility" xmlns:p14="http://schemas.microsoft.com/office/powerpoint/2010/main" xmlns:p15="http://schemas.microsoft.com/office/powerpoint/2012/main" xmlns:ahyp="http://schemas.microsoft.com/office/drawing/2018/hyperlinkcolor" showMasterPhAnim="0" showMasterSp="0">
   <p:cSld>
     <p:spTree>
       <p:nvGrpSpPr>
-        <p:cNvPr id="226" name="Shape 226"/>
+        <p:cNvPr id="205" name="Shape 205"/>
         <p:cNvGrpSpPr/>
         <p:nvPr/>
       </p:nvGrpSpPr>
@@ -2225,7 +2227,7 @@
       </p:grpSpPr>
       <p:sp>
         <p:nvSpPr>
-          <p:cNvPr id="227" name="Google Shape;227;g291a1ad3cd0_0_204:notes"/>
+          <p:cNvPr id="206" name="Google Shape;206;g26065ed26fa_0_23:notes"/>
           <p:cNvSpPr/>
           <p:nvPr>
             <p:ph idx="2" type="sldImg"/>
@@ -2260,7 +2262,7 @@
       </p:sp>
       <p:sp>
         <p:nvSpPr>
-          <p:cNvPr id="228" name="Google Shape;228;g291a1ad3cd0_0_204:notes"/>
+          <p:cNvPr id="207" name="Google Shape;207;g26065ed26fa_0_23:notes"/>
           <p:cNvSpPr txBox="1"/>
           <p:nvPr>
             <p:ph idx="1" type="body"/>
@@ -2305,12 +2307,12 @@
 </p:notes>
 </file>
 
-<file path=ppt/notesSlides/notesSlide7.xml><?xml version="1.0" encoding="utf-8"?>
+<file path=ppt/notesSlides/notesSlide4.xml><?xml version="1.0" encoding="utf-8"?>
 <p:notes xmlns:a="http://schemas.openxmlformats.org/drawingml/2006/main" xmlns:r="http://schemas.openxmlformats.org/officeDocument/2006/relationships" xmlns:mc="http://schemas.openxmlformats.org/markup-compatibility/2006" xmlns:mv="urn:schemas-microsoft-com:mac:vml" xmlns:p="http://schemas.openxmlformats.org/presentationml/2006/main" xmlns:c="http://schemas.openxmlformats.org/drawingml/2006/chart" xmlns:dgm="http://schemas.openxmlformats.org/drawingml/2006/diagram" xmlns:o="urn:schemas-microsoft-com:office:office" xmlns:v="urn:schemas-microsoft-com:vml" xmlns:pvml="urn:schemas-microsoft-com:office:powerpoint" xmlns:com="http://schemas.openxmlformats.org/drawingml/2006/compatibility" xmlns:p14="http://schemas.microsoft.com/office/powerpoint/2010/main" xmlns:p15="http://schemas.microsoft.com/office/powerpoint/2012/main" xmlns:ahyp="http://schemas.microsoft.com/office/drawing/2018/hyperlinkcolor" showMasterPhAnim="0" showMasterSp="0">
   <p:cSld>
     <p:spTree>
       <p:nvGrpSpPr>
-        <p:cNvPr id="239" name="Shape 239"/>
+        <p:cNvPr id="225" name="Shape 225"/>
         <p:cNvGrpSpPr/>
         <p:nvPr/>
       </p:nvGrpSpPr>
@@ -2324,7 +2326,7 @@
       </p:grpSpPr>
       <p:sp>
         <p:nvSpPr>
-          <p:cNvPr id="240" name="Google Shape;240;g291a1ad3cd0_0_210:notes"/>
+          <p:cNvPr id="226" name="Google Shape;226;g291a1ad3cd0_0_193:notes"/>
           <p:cNvSpPr/>
           <p:nvPr>
             <p:ph idx="2" type="sldImg"/>
@@ -2359,7 +2361,7 @@
       </p:sp>
       <p:sp>
         <p:nvSpPr>
-          <p:cNvPr id="241" name="Google Shape;241;g291a1ad3cd0_0_210:notes"/>
+          <p:cNvPr id="227" name="Google Shape;227;g291a1ad3cd0_0_193:notes"/>
           <p:cNvSpPr txBox="1"/>
           <p:nvPr>
             <p:ph idx="1" type="body"/>
@@ -2404,12 +2406,12 @@
 </p:notes>
 </file>
 
-<file path=ppt/notesSlides/notesSlide8.xml><?xml version="1.0" encoding="utf-8"?>
+<file path=ppt/notesSlides/notesSlide5.xml><?xml version="1.0" encoding="utf-8"?>
 <p:notes xmlns:a="http://schemas.openxmlformats.org/drawingml/2006/main" xmlns:r="http://schemas.openxmlformats.org/officeDocument/2006/relationships" xmlns:mc="http://schemas.openxmlformats.org/markup-compatibility/2006" xmlns:mv="urn:schemas-microsoft-com:mac:vml" xmlns:p="http://schemas.openxmlformats.org/presentationml/2006/main" xmlns:c="http://schemas.openxmlformats.org/drawingml/2006/chart" xmlns:dgm="http://schemas.openxmlformats.org/drawingml/2006/diagram" xmlns:o="urn:schemas-microsoft-com:office:office" xmlns:v="urn:schemas-microsoft-com:vml" xmlns:pvml="urn:schemas-microsoft-com:office:powerpoint" xmlns:com="http://schemas.openxmlformats.org/drawingml/2006/compatibility" xmlns:p14="http://schemas.microsoft.com/office/powerpoint/2010/main" xmlns:p15="http://schemas.microsoft.com/office/powerpoint/2012/main" xmlns:ahyp="http://schemas.microsoft.com/office/drawing/2018/hyperlinkcolor" showMasterPhAnim="0" showMasterSp="0">
   <p:cSld>
     <p:spTree>
       <p:nvGrpSpPr>
-        <p:cNvPr id="248" name="Shape 248"/>
+        <p:cNvPr id="232" name="Shape 232"/>
         <p:cNvGrpSpPr/>
         <p:nvPr/>
       </p:nvGrpSpPr>
@@ -2423,7 +2425,7 @@
       </p:grpSpPr>
       <p:sp>
         <p:nvSpPr>
-          <p:cNvPr id="249" name="Google Shape;249;g2917c76c173_0_0:notes"/>
+          <p:cNvPr id="233" name="Google Shape;233;g291a1ad3cd0_0_198:notes"/>
           <p:cNvSpPr/>
           <p:nvPr>
             <p:ph idx="2" type="sldImg"/>
@@ -2458,7 +2460,7 @@
       </p:sp>
       <p:sp>
         <p:nvSpPr>
-          <p:cNvPr id="250" name="Google Shape;250;g2917c76c173_0_0:notes"/>
+          <p:cNvPr id="234" name="Google Shape;234;g291a1ad3cd0_0_198:notes"/>
           <p:cNvSpPr txBox="1"/>
           <p:nvPr>
             <p:ph idx="1" type="body"/>
@@ -2503,12 +2505,12 @@
 </p:notes>
 </file>
 
-<file path=ppt/notesSlides/notesSlide9.xml><?xml version="1.0" encoding="utf-8"?>
+<file path=ppt/notesSlides/notesSlide6.xml><?xml version="1.0" encoding="utf-8"?>
 <p:notes xmlns:a="http://schemas.openxmlformats.org/drawingml/2006/main" xmlns:r="http://schemas.openxmlformats.org/officeDocument/2006/relationships" xmlns:mc="http://schemas.openxmlformats.org/markup-compatibility/2006" xmlns:mv="urn:schemas-microsoft-com:mac:vml" xmlns:p="http://schemas.openxmlformats.org/presentationml/2006/main" xmlns:c="http://schemas.openxmlformats.org/drawingml/2006/chart" xmlns:dgm="http://schemas.openxmlformats.org/drawingml/2006/diagram" xmlns:o="urn:schemas-microsoft-com:office:office" xmlns:v="urn:schemas-microsoft-com:vml" xmlns:pvml="urn:schemas-microsoft-com:office:powerpoint" xmlns:com="http://schemas.openxmlformats.org/drawingml/2006/compatibility" xmlns:p14="http://schemas.microsoft.com/office/powerpoint/2010/main" xmlns:p15="http://schemas.microsoft.com/office/powerpoint/2012/main" xmlns:ahyp="http://schemas.microsoft.com/office/drawing/2018/hyperlinkcolor" showMasterPhAnim="0" showMasterSp="0">
   <p:cSld>
     <p:spTree>
       <p:nvGrpSpPr>
-        <p:cNvPr id="255" name="Shape 255"/>
+        <p:cNvPr id="239" name="Shape 239"/>
         <p:cNvGrpSpPr/>
         <p:nvPr/>
       </p:nvGrpSpPr>
@@ -2522,7 +2524,7 @@
       </p:grpSpPr>
       <p:sp>
         <p:nvSpPr>
-          <p:cNvPr id="256" name="Google Shape;256;g2917c76c173_0_5:notes"/>
+          <p:cNvPr id="240" name="Google Shape;240;g2917c76c173_0_24:notes"/>
           <p:cNvSpPr/>
           <p:nvPr>
             <p:ph idx="2" type="sldImg"/>
@@ -2557,7 +2559,305 @@
       </p:sp>
       <p:sp>
         <p:nvSpPr>
-          <p:cNvPr id="257" name="Google Shape;257;g2917c76c173_0_5:notes"/>
+          <p:cNvPr id="241" name="Google Shape;241;g2917c76c173_0_24:notes"/>
+          <p:cNvSpPr txBox="1"/>
+          <p:nvPr>
+            <p:ph idx="1" type="body"/>
+          </p:nvPr>
+        </p:nvSpPr>
+        <p:spPr>
+          <a:xfrm>
+            <a:off x="685800" y="4343400"/>
+            <a:ext cx="5486400" cy="4114800"/>
+          </a:xfrm>
+          <a:prstGeom prst="rect">
+            <a:avLst/>
+          </a:prstGeom>
+        </p:spPr>
+        <p:txBody>
+          <a:bodyPr anchorCtr="0" anchor="t" bIns="91425" lIns="91425" spcFirstLastPara="1" rIns="91425" wrap="square" tIns="91425">
+            <a:noAutofit/>
+          </a:bodyPr>
+          <a:lstStyle/>
+          <a:p>
+            <a:pPr indent="0" lvl="0" marL="0" rtl="0" algn="l">
+              <a:spcBef>
+                <a:spcPts val="0"/>
+              </a:spcBef>
+              <a:spcAft>
+                <a:spcPts val="0"/>
+              </a:spcAft>
+              <a:buNone/>
+            </a:pPr>
+            <a:r>
+              <a:rPr lang="de"/>
+              <a:t>Flow baut auf Spring auf. Ähnlich zu Swing</a:t>
+            </a:r>
+            <a:endParaRPr/>
+          </a:p>
+        </p:txBody>
+      </p:sp>
+    </p:spTree>
+  </p:cSld>
+  <p:clrMapOvr>
+    <a:masterClrMapping/>
+  </p:clrMapOvr>
+</p:notes>
+</file>
+
+<file path=ppt/notesSlides/notesSlide7.xml><?xml version="1.0" encoding="utf-8"?>
+<p:notes xmlns:a="http://schemas.openxmlformats.org/drawingml/2006/main" xmlns:r="http://schemas.openxmlformats.org/officeDocument/2006/relationships" xmlns:mc="http://schemas.openxmlformats.org/markup-compatibility/2006" xmlns:mv="urn:schemas-microsoft-com:mac:vml" xmlns:p="http://schemas.openxmlformats.org/presentationml/2006/main" xmlns:c="http://schemas.openxmlformats.org/drawingml/2006/chart" xmlns:dgm="http://schemas.openxmlformats.org/drawingml/2006/diagram" xmlns:o="urn:schemas-microsoft-com:office:office" xmlns:v="urn:schemas-microsoft-com:vml" xmlns:pvml="urn:schemas-microsoft-com:office:powerpoint" xmlns:com="http://schemas.openxmlformats.org/drawingml/2006/compatibility" xmlns:p14="http://schemas.microsoft.com/office/powerpoint/2010/main" xmlns:p15="http://schemas.microsoft.com/office/powerpoint/2012/main" xmlns:ahyp="http://schemas.microsoft.com/office/drawing/2018/hyperlinkcolor" showMasterPhAnim="0" showMasterSp="0">
+  <p:cSld>
+    <p:spTree>
+      <p:nvGrpSpPr>
+        <p:cNvPr id="246" name="Shape 246"/>
+        <p:cNvGrpSpPr/>
+        <p:nvPr/>
+      </p:nvGrpSpPr>
+      <p:grpSpPr>
+        <a:xfrm>
+          <a:off x="0" y="0"/>
+          <a:ext cx="0" cy="0"/>
+          <a:chOff x="0" y="0"/>
+          <a:chExt cx="0" cy="0"/>
+        </a:xfrm>
+      </p:grpSpPr>
+      <p:sp>
+        <p:nvSpPr>
+          <p:cNvPr id="247" name="Google Shape;247;g291a1ad3cd0_0_204:notes"/>
+          <p:cNvSpPr/>
+          <p:nvPr>
+            <p:ph idx="2" type="sldImg"/>
+          </p:nvPr>
+        </p:nvSpPr>
+        <p:spPr>
+          <a:xfrm>
+            <a:off x="381300" y="685800"/>
+            <a:ext cx="6096000" cy="3429000"/>
+          </a:xfrm>
+          <a:custGeom>
+            <a:rect b="b" l="l" r="r" t="t"/>
+            <a:pathLst>
+              <a:path extrusionOk="0" h="120000" w="120000">
+                <a:moveTo>
+                  <a:pt x="0" y="0"/>
+                </a:moveTo>
+                <a:lnTo>
+                  <a:pt x="120000" y="0"/>
+                </a:lnTo>
+                <a:lnTo>
+                  <a:pt x="120000" y="120000"/>
+                </a:lnTo>
+                <a:lnTo>
+                  <a:pt x="0" y="120000"/>
+                </a:lnTo>
+                <a:close/>
+              </a:path>
+            </a:pathLst>
+          </a:custGeom>
+        </p:spPr>
+      </p:sp>
+      <p:sp>
+        <p:nvSpPr>
+          <p:cNvPr id="248" name="Google Shape;248;g291a1ad3cd0_0_204:notes"/>
+          <p:cNvSpPr txBox="1"/>
+          <p:nvPr>
+            <p:ph idx="1" type="body"/>
+          </p:nvPr>
+        </p:nvSpPr>
+        <p:spPr>
+          <a:xfrm>
+            <a:off x="685800" y="4343400"/>
+            <a:ext cx="5486400" cy="4114800"/>
+          </a:xfrm>
+          <a:prstGeom prst="rect">
+            <a:avLst/>
+          </a:prstGeom>
+        </p:spPr>
+        <p:txBody>
+          <a:bodyPr anchorCtr="0" anchor="t" bIns="91425" lIns="91425" spcFirstLastPara="1" rIns="91425" wrap="square" tIns="91425">
+            <a:noAutofit/>
+          </a:bodyPr>
+          <a:lstStyle/>
+          <a:p>
+            <a:pPr indent="0" lvl="0" marL="0" rtl="0" algn="l">
+              <a:spcBef>
+                <a:spcPts val="0"/>
+              </a:spcBef>
+              <a:spcAft>
+                <a:spcPts val="0"/>
+              </a:spcAft>
+              <a:buNone/>
+            </a:pPr>
+            <a:r>
+              <a:t/>
+            </a:r>
+            <a:endParaRPr/>
+          </a:p>
+        </p:txBody>
+      </p:sp>
+    </p:spTree>
+  </p:cSld>
+  <p:clrMapOvr>
+    <a:masterClrMapping/>
+  </p:clrMapOvr>
+</p:notes>
+</file>
+
+<file path=ppt/notesSlides/notesSlide8.xml><?xml version="1.0" encoding="utf-8"?>
+<p:notes xmlns:a="http://schemas.openxmlformats.org/drawingml/2006/main" xmlns:r="http://schemas.openxmlformats.org/officeDocument/2006/relationships" xmlns:mc="http://schemas.openxmlformats.org/markup-compatibility/2006" xmlns:mv="urn:schemas-microsoft-com:mac:vml" xmlns:p="http://schemas.openxmlformats.org/presentationml/2006/main" xmlns:c="http://schemas.openxmlformats.org/drawingml/2006/chart" xmlns:dgm="http://schemas.openxmlformats.org/drawingml/2006/diagram" xmlns:o="urn:schemas-microsoft-com:office:office" xmlns:v="urn:schemas-microsoft-com:vml" xmlns:pvml="urn:schemas-microsoft-com:office:powerpoint" xmlns:com="http://schemas.openxmlformats.org/drawingml/2006/compatibility" xmlns:p14="http://schemas.microsoft.com/office/powerpoint/2010/main" xmlns:p15="http://schemas.microsoft.com/office/powerpoint/2012/main" xmlns:ahyp="http://schemas.microsoft.com/office/drawing/2018/hyperlinkcolor" showMasterPhAnim="0" showMasterSp="0">
+  <p:cSld>
+    <p:spTree>
+      <p:nvGrpSpPr>
+        <p:cNvPr id="259" name="Shape 259"/>
+        <p:cNvGrpSpPr/>
+        <p:nvPr/>
+      </p:nvGrpSpPr>
+      <p:grpSpPr>
+        <a:xfrm>
+          <a:off x="0" y="0"/>
+          <a:ext cx="0" cy="0"/>
+          <a:chOff x="0" y="0"/>
+          <a:chExt cx="0" cy="0"/>
+        </a:xfrm>
+      </p:grpSpPr>
+      <p:sp>
+        <p:nvSpPr>
+          <p:cNvPr id="260" name="Google Shape;260;g291a1ad3cd0_0_210:notes"/>
+          <p:cNvSpPr/>
+          <p:nvPr>
+            <p:ph idx="2" type="sldImg"/>
+          </p:nvPr>
+        </p:nvSpPr>
+        <p:spPr>
+          <a:xfrm>
+            <a:off x="381300" y="685800"/>
+            <a:ext cx="6096000" cy="3429000"/>
+          </a:xfrm>
+          <a:custGeom>
+            <a:rect b="b" l="l" r="r" t="t"/>
+            <a:pathLst>
+              <a:path extrusionOk="0" h="120000" w="120000">
+                <a:moveTo>
+                  <a:pt x="0" y="0"/>
+                </a:moveTo>
+                <a:lnTo>
+                  <a:pt x="120000" y="0"/>
+                </a:lnTo>
+                <a:lnTo>
+                  <a:pt x="120000" y="120000"/>
+                </a:lnTo>
+                <a:lnTo>
+                  <a:pt x="0" y="120000"/>
+                </a:lnTo>
+                <a:close/>
+              </a:path>
+            </a:pathLst>
+          </a:custGeom>
+        </p:spPr>
+      </p:sp>
+      <p:sp>
+        <p:nvSpPr>
+          <p:cNvPr id="261" name="Google Shape;261;g291a1ad3cd0_0_210:notes"/>
+          <p:cNvSpPr txBox="1"/>
+          <p:nvPr>
+            <p:ph idx="1" type="body"/>
+          </p:nvPr>
+        </p:nvSpPr>
+        <p:spPr>
+          <a:xfrm>
+            <a:off x="685800" y="4343400"/>
+            <a:ext cx="5486400" cy="4114800"/>
+          </a:xfrm>
+          <a:prstGeom prst="rect">
+            <a:avLst/>
+          </a:prstGeom>
+        </p:spPr>
+        <p:txBody>
+          <a:bodyPr anchorCtr="0" anchor="t" bIns="91425" lIns="91425" spcFirstLastPara="1" rIns="91425" wrap="square" tIns="91425">
+            <a:noAutofit/>
+          </a:bodyPr>
+          <a:lstStyle/>
+          <a:p>
+            <a:pPr indent="0" lvl="0" marL="0" rtl="0" algn="l">
+              <a:spcBef>
+                <a:spcPts val="0"/>
+              </a:spcBef>
+              <a:spcAft>
+                <a:spcPts val="0"/>
+              </a:spcAft>
+              <a:buNone/>
+            </a:pPr>
+            <a:r>
+              <a:t/>
+            </a:r>
+            <a:endParaRPr/>
+          </a:p>
+        </p:txBody>
+      </p:sp>
+    </p:spTree>
+  </p:cSld>
+  <p:clrMapOvr>
+    <a:masterClrMapping/>
+  </p:clrMapOvr>
+</p:notes>
+</file>
+
+<file path=ppt/notesSlides/notesSlide9.xml><?xml version="1.0" encoding="utf-8"?>
+<p:notes xmlns:a="http://schemas.openxmlformats.org/drawingml/2006/main" xmlns:r="http://schemas.openxmlformats.org/officeDocument/2006/relationships" xmlns:mc="http://schemas.openxmlformats.org/markup-compatibility/2006" xmlns:mv="urn:schemas-microsoft-com:mac:vml" xmlns:p="http://schemas.openxmlformats.org/presentationml/2006/main" xmlns:c="http://schemas.openxmlformats.org/drawingml/2006/chart" xmlns:dgm="http://schemas.openxmlformats.org/drawingml/2006/diagram" xmlns:o="urn:schemas-microsoft-com:office:office" xmlns:v="urn:schemas-microsoft-com:vml" xmlns:pvml="urn:schemas-microsoft-com:office:powerpoint" xmlns:com="http://schemas.openxmlformats.org/drawingml/2006/compatibility" xmlns:p14="http://schemas.microsoft.com/office/powerpoint/2010/main" xmlns:p15="http://schemas.microsoft.com/office/powerpoint/2012/main" xmlns:ahyp="http://schemas.microsoft.com/office/drawing/2018/hyperlinkcolor" showMasterPhAnim="0" showMasterSp="0">
+  <p:cSld>
+    <p:spTree>
+      <p:nvGrpSpPr>
+        <p:cNvPr id="268" name="Shape 268"/>
+        <p:cNvGrpSpPr/>
+        <p:nvPr/>
+      </p:nvGrpSpPr>
+      <p:grpSpPr>
+        <a:xfrm>
+          <a:off x="0" y="0"/>
+          <a:ext cx="0" cy="0"/>
+          <a:chOff x="0" y="0"/>
+          <a:chExt cx="0" cy="0"/>
+        </a:xfrm>
+      </p:grpSpPr>
+      <p:sp>
+        <p:nvSpPr>
+          <p:cNvPr id="269" name="Google Shape;269;g2917c76c173_0_0:notes"/>
+          <p:cNvSpPr/>
+          <p:nvPr>
+            <p:ph idx="2" type="sldImg"/>
+          </p:nvPr>
+        </p:nvSpPr>
+        <p:spPr>
+          <a:xfrm>
+            <a:off x="381300" y="685800"/>
+            <a:ext cx="6096000" cy="3429000"/>
+          </a:xfrm>
+          <a:custGeom>
+            <a:rect b="b" l="l" r="r" t="t"/>
+            <a:pathLst>
+              <a:path extrusionOk="0" h="120000" w="120000">
+                <a:moveTo>
+                  <a:pt x="0" y="0"/>
+                </a:moveTo>
+                <a:lnTo>
+                  <a:pt x="120000" y="0"/>
+                </a:lnTo>
+                <a:lnTo>
+                  <a:pt x="120000" y="120000"/>
+                </a:lnTo>
+                <a:lnTo>
+                  <a:pt x="0" y="120000"/>
+                </a:lnTo>
+                <a:close/>
+              </a:path>
+            </a:pathLst>
+          </a:custGeom>
+        </p:spPr>
+      </p:sp>
+      <p:sp>
+        <p:nvSpPr>
+          <p:cNvPr id="270" name="Google Shape;270;g2917c76c173_0_0:notes"/>
           <p:cNvSpPr txBox="1"/>
           <p:nvPr>
             <p:ph idx="1" type="body"/>
@@ -14587,7 +14887,7 @@
   <p:cSld>
     <p:spTree>
       <p:nvGrpSpPr>
-        <p:cNvPr id="265" name="Shape 265"/>
+        <p:cNvPr id="278" name="Shape 278"/>
         <p:cNvGrpSpPr/>
         <p:nvPr/>
       </p:nvGrpSpPr>
@@ -14601,7 +14901,7 @@
       </p:grpSpPr>
       <p:sp>
         <p:nvSpPr>
-          <p:cNvPr id="266" name="Google Shape;266;p26"/>
+          <p:cNvPr id="279" name="Google Shape;279;p26"/>
           <p:cNvSpPr txBox="1"/>
           <p:nvPr>
             <p:ph type="title"/>
@@ -14637,6 +14937,143 @@
             </a:r>
             <a:r>
               <a:rPr lang="de"/>
+              <a:t> - Map</a:t>
+            </a:r>
+            <a:endParaRPr/>
+          </a:p>
+        </p:txBody>
+      </p:sp>
+      <p:pic>
+        <p:nvPicPr>
+          <p:cNvPr id="280" name="Google Shape;280;p26"/>
+          <p:cNvPicPr preferRelativeResize="0"/>
+          <p:nvPr/>
+        </p:nvPicPr>
+        <p:blipFill>
+          <a:blip r:embed="rId3">
+            <a:alphaModFix/>
+          </a:blip>
+          <a:stretch>
+            <a:fillRect/>
+          </a:stretch>
+        </p:blipFill>
+        <p:spPr>
+          <a:xfrm>
+            <a:off x="1580013" y="1127150"/>
+            <a:ext cx="5983976" cy="3748300"/>
+          </a:xfrm>
+          <a:prstGeom prst="rect">
+            <a:avLst/>
+          </a:prstGeom>
+          <a:noFill/>
+          <a:ln>
+            <a:noFill/>
+          </a:ln>
+        </p:spPr>
+      </p:pic>
+      <p:sp>
+        <p:nvSpPr>
+          <p:cNvPr id="281" name="Google Shape;281;p26"/>
+          <p:cNvSpPr txBox="1"/>
+          <p:nvPr>
+            <p:ph idx="12" type="sldNum"/>
+          </p:nvPr>
+        </p:nvSpPr>
+        <p:spPr>
+          <a:xfrm>
+            <a:off x="8472458" y="4663217"/>
+            <a:ext cx="548700" cy="393600"/>
+          </a:xfrm>
+          <a:prstGeom prst="rect">
+            <a:avLst/>
+          </a:prstGeom>
+        </p:spPr>
+        <p:txBody>
+          <a:bodyPr anchorCtr="0" anchor="ctr" bIns="91425" lIns="91425" spcFirstLastPara="1" rIns="91425" wrap="square" tIns="91425">
+            <a:normAutofit/>
+          </a:bodyPr>
+          <a:lstStyle/>
+          <a:p>
+            <a:pPr indent="0" lvl="0" marL="0" rtl="0" algn="r">
+              <a:spcBef>
+                <a:spcPts val="0"/>
+              </a:spcBef>
+              <a:spcAft>
+                <a:spcPts val="0"/>
+              </a:spcAft>
+              <a:buNone/>
+            </a:pPr>
+            <a:fld id="{00000000-1234-1234-1234-123412341234}" type="slidenum">
+              <a:rPr lang="de"/>
+              <a:t>‹#›</a:t>
+            </a:fld>
+            <a:endParaRPr/>
+          </a:p>
+        </p:txBody>
+      </p:sp>
+    </p:spTree>
+  </p:cSld>
+  <p:clrMapOvr>
+    <a:masterClrMapping/>
+  </p:clrMapOvr>
+</p:sld>
+</file>
+
+<file path=ppt/slides/slide11.xml><?xml version="1.0" encoding="utf-8"?>
+<p:sld xmlns:a="http://schemas.openxmlformats.org/drawingml/2006/main" xmlns:r="http://schemas.openxmlformats.org/officeDocument/2006/relationships" xmlns:mc="http://schemas.openxmlformats.org/markup-compatibility/2006" xmlns:mv="urn:schemas-microsoft-com:mac:vml" xmlns:p="http://schemas.openxmlformats.org/presentationml/2006/main" xmlns:c="http://schemas.openxmlformats.org/drawingml/2006/chart" xmlns:dgm="http://schemas.openxmlformats.org/drawingml/2006/diagram" xmlns:o="urn:schemas-microsoft-com:office:office" xmlns:v="urn:schemas-microsoft-com:vml" xmlns:pvml="urn:schemas-microsoft-com:office:powerpoint" xmlns:com="http://schemas.openxmlformats.org/drawingml/2006/compatibility" xmlns:p14="http://schemas.microsoft.com/office/powerpoint/2010/main" xmlns:p15="http://schemas.microsoft.com/office/powerpoint/2012/main" xmlns:ahyp="http://schemas.microsoft.com/office/drawing/2018/hyperlinkcolor">
+  <p:cSld>
+    <p:spTree>
+      <p:nvGrpSpPr>
+        <p:cNvPr id="285" name="Shape 285"/>
+        <p:cNvGrpSpPr/>
+        <p:nvPr/>
+      </p:nvGrpSpPr>
+      <p:grpSpPr>
+        <a:xfrm>
+          <a:off x="0" y="0"/>
+          <a:ext cx="0" cy="0"/>
+          <a:chOff x="0" y="0"/>
+          <a:chExt cx="0" cy="0"/>
+        </a:xfrm>
+      </p:grpSpPr>
+      <p:sp>
+        <p:nvSpPr>
+          <p:cNvPr id="286" name="Google Shape;286;p27"/>
+          <p:cNvSpPr txBox="1"/>
+          <p:nvPr>
+            <p:ph type="title"/>
+          </p:nvPr>
+        </p:nvSpPr>
+        <p:spPr>
+          <a:xfrm>
+            <a:off x="1297500" y="393750"/>
+            <a:ext cx="7038900" cy="914100"/>
+          </a:xfrm>
+          <a:prstGeom prst="rect">
+            <a:avLst/>
+          </a:prstGeom>
+        </p:spPr>
+        <p:txBody>
+          <a:bodyPr anchorCtr="0" anchor="t" bIns="91425" lIns="91425" spcFirstLastPara="1" rIns="91425" wrap="square" tIns="91425">
+            <a:normAutofit/>
+          </a:bodyPr>
+          <a:lstStyle/>
+          <a:p>
+            <a:pPr indent="0" lvl="0" marL="0" rtl="0" algn="l">
+              <a:spcBef>
+                <a:spcPts val="0"/>
+              </a:spcBef>
+              <a:spcAft>
+                <a:spcPts val="0"/>
+              </a:spcAft>
+              <a:buNone/>
+            </a:pPr>
+            <a:r>
+              <a:rPr lang="de"/>
+              <a:t>Visualization &amp; Interaction</a:t>
+            </a:r>
+            <a:r>
+              <a:rPr lang="de"/>
               <a:t> - Charts</a:t>
             </a:r>
             <a:endParaRPr/>
@@ -14645,7 +15082,7 @@
       </p:sp>
       <p:pic>
         <p:nvPicPr>
-          <p:cNvPr id="267" name="Google Shape;267;p26"/>
+          <p:cNvPr id="287" name="Google Shape;287;p27"/>
           <p:cNvPicPr preferRelativeResize="0"/>
           <p:nvPr/>
         </p:nvPicPr>
@@ -14673,7 +15110,7 @@
       </p:pic>
       <p:sp>
         <p:nvSpPr>
-          <p:cNvPr id="268" name="Google Shape;268;p26"/>
+          <p:cNvPr id="288" name="Google Shape;288;p27"/>
           <p:cNvSpPr txBox="1"/>
           <p:nvPr>
             <p:ph idx="12" type="sldNum"/>
@@ -14719,12 +15156,12 @@
 </p:sld>
 </file>
 
-<file path=ppt/slides/slide11.xml><?xml version="1.0" encoding="utf-8"?>
+<file path=ppt/slides/slide12.xml><?xml version="1.0" encoding="utf-8"?>
 <p:sld xmlns:a="http://schemas.openxmlformats.org/drawingml/2006/main" xmlns:r="http://schemas.openxmlformats.org/officeDocument/2006/relationships" xmlns:mc="http://schemas.openxmlformats.org/markup-compatibility/2006" xmlns:mv="urn:schemas-microsoft-com:mac:vml" xmlns:p="http://schemas.openxmlformats.org/presentationml/2006/main" xmlns:c="http://schemas.openxmlformats.org/drawingml/2006/chart" xmlns:dgm="http://schemas.openxmlformats.org/drawingml/2006/diagram" xmlns:o="urn:schemas-microsoft-com:office:office" xmlns:v="urn:schemas-microsoft-com:vml" xmlns:pvml="urn:schemas-microsoft-com:office:powerpoint" xmlns:com="http://schemas.openxmlformats.org/drawingml/2006/compatibility" xmlns:p14="http://schemas.microsoft.com/office/powerpoint/2010/main" xmlns:p15="http://schemas.microsoft.com/office/powerpoint/2012/main" xmlns:ahyp="http://schemas.microsoft.com/office/drawing/2018/hyperlinkcolor">
   <p:cSld>
     <p:spTree>
       <p:nvGrpSpPr>
-        <p:cNvPr id="272" name="Shape 272"/>
+        <p:cNvPr id="292" name="Shape 292"/>
         <p:cNvGrpSpPr/>
         <p:nvPr/>
       </p:nvGrpSpPr>
@@ -14738,7 +15175,7 @@
       </p:grpSpPr>
       <p:sp>
         <p:nvSpPr>
-          <p:cNvPr id="273" name="Google Shape;273;p27"/>
+          <p:cNvPr id="293" name="Google Shape;293;p28"/>
           <p:cNvSpPr txBox="1"/>
           <p:nvPr>
             <p:ph type="title"/>
@@ -14778,7 +15215,7 @@
       </p:sp>
       <p:sp>
         <p:nvSpPr>
-          <p:cNvPr id="274" name="Google Shape;274;p27"/>
+          <p:cNvPr id="294" name="Google Shape;294;p28"/>
           <p:cNvSpPr txBox="1"/>
           <p:nvPr>
             <p:ph idx="1" type="body"/>
@@ -14870,7 +15307,7 @@
       </p:sp>
       <p:pic>
         <p:nvPicPr>
-          <p:cNvPr id="275" name="Google Shape;275;p27"/>
+          <p:cNvPr id="295" name="Google Shape;295;p28"/>
           <p:cNvPicPr preferRelativeResize="0"/>
           <p:nvPr/>
         </p:nvPicPr>
@@ -14898,7 +15335,7 @@
       </p:pic>
       <p:pic>
         <p:nvPicPr>
-          <p:cNvPr id="276" name="Google Shape;276;p27"/>
+          <p:cNvPr id="296" name="Google Shape;296;p28"/>
           <p:cNvPicPr preferRelativeResize="0"/>
           <p:nvPr/>
         </p:nvPicPr>
@@ -14926,306 +15363,7 @@
       </p:pic>
       <p:sp>
         <p:nvSpPr>
-          <p:cNvPr id="277" name="Google Shape;277;p27"/>
-          <p:cNvSpPr txBox="1"/>
-          <p:nvPr>
-            <p:ph idx="12" type="sldNum"/>
-          </p:nvPr>
-        </p:nvSpPr>
-        <p:spPr>
-          <a:xfrm>
-            <a:off x="8472458" y="4663217"/>
-            <a:ext cx="548700" cy="393600"/>
-          </a:xfrm>
-          <a:prstGeom prst="rect">
-            <a:avLst/>
-          </a:prstGeom>
-        </p:spPr>
-        <p:txBody>
-          <a:bodyPr anchorCtr="0" anchor="ctr" bIns="91425" lIns="91425" spcFirstLastPara="1" rIns="91425" wrap="square" tIns="91425">
-            <a:normAutofit/>
-          </a:bodyPr>
-          <a:lstStyle/>
-          <a:p>
-            <a:pPr indent="0" lvl="0" marL="0" rtl="0" algn="r">
-              <a:spcBef>
-                <a:spcPts val="0"/>
-              </a:spcBef>
-              <a:spcAft>
-                <a:spcPts val="0"/>
-              </a:spcAft>
-              <a:buNone/>
-            </a:pPr>
-            <a:fld id="{00000000-1234-1234-1234-123412341234}" type="slidenum">
-              <a:rPr lang="de"/>
-              <a:t>‹#›</a:t>
-            </a:fld>
-            <a:endParaRPr/>
-          </a:p>
-        </p:txBody>
-      </p:sp>
-    </p:spTree>
-  </p:cSld>
-  <p:clrMapOvr>
-    <a:masterClrMapping/>
-  </p:clrMapOvr>
-</p:sld>
-</file>
-
-<file path=ppt/slides/slide12.xml><?xml version="1.0" encoding="utf-8"?>
-<p:sld xmlns:a="http://schemas.openxmlformats.org/drawingml/2006/main" xmlns:r="http://schemas.openxmlformats.org/officeDocument/2006/relationships" xmlns:mc="http://schemas.openxmlformats.org/markup-compatibility/2006" xmlns:mv="urn:schemas-microsoft-com:mac:vml" xmlns:p="http://schemas.openxmlformats.org/presentationml/2006/main" xmlns:c="http://schemas.openxmlformats.org/drawingml/2006/chart" xmlns:dgm="http://schemas.openxmlformats.org/drawingml/2006/diagram" xmlns:o="urn:schemas-microsoft-com:office:office" xmlns:v="urn:schemas-microsoft-com:vml" xmlns:pvml="urn:schemas-microsoft-com:office:powerpoint" xmlns:com="http://schemas.openxmlformats.org/drawingml/2006/compatibility" xmlns:p14="http://schemas.microsoft.com/office/powerpoint/2010/main" xmlns:p15="http://schemas.microsoft.com/office/powerpoint/2012/main" xmlns:ahyp="http://schemas.microsoft.com/office/drawing/2018/hyperlinkcolor">
-  <p:cSld>
-    <p:spTree>
-      <p:nvGrpSpPr>
-        <p:cNvPr id="281" name="Shape 281"/>
-        <p:cNvGrpSpPr/>
-        <p:nvPr/>
-      </p:nvGrpSpPr>
-      <p:grpSpPr>
-        <a:xfrm>
-          <a:off x="0" y="0"/>
-          <a:ext cx="0" cy="0"/>
-          <a:chOff x="0" y="0"/>
-          <a:chExt cx="0" cy="0"/>
-        </a:xfrm>
-      </p:grpSpPr>
-      <p:sp>
-        <p:nvSpPr>
-          <p:cNvPr id="282" name="Google Shape;282;p28"/>
-          <p:cNvSpPr txBox="1"/>
-          <p:nvPr>
-            <p:ph type="title"/>
-          </p:nvPr>
-        </p:nvSpPr>
-        <p:spPr>
-          <a:xfrm>
-            <a:off x="1297500" y="393750"/>
-            <a:ext cx="7038900" cy="914100"/>
-          </a:xfrm>
-          <a:prstGeom prst="rect">
-            <a:avLst/>
-          </a:prstGeom>
-        </p:spPr>
-        <p:txBody>
-          <a:bodyPr anchorCtr="0" anchor="t" bIns="91425" lIns="91425" spcFirstLastPara="1" rIns="91425" wrap="square" tIns="91425">
-            <a:normAutofit/>
-          </a:bodyPr>
-          <a:lstStyle/>
-          <a:p>
-            <a:pPr indent="0" lvl="0" marL="0" rtl="0" algn="l">
-              <a:spcBef>
-                <a:spcPts val="0"/>
-              </a:spcBef>
-              <a:spcAft>
-                <a:spcPts val="0"/>
-              </a:spcAft>
-              <a:buNone/>
-            </a:pPr>
-            <a:r>
-              <a:rPr lang="de"/>
-              <a:t>Kits</a:t>
-            </a:r>
-            <a:endParaRPr/>
-          </a:p>
-        </p:txBody>
-      </p:sp>
-      <p:sp>
-        <p:nvSpPr>
-          <p:cNvPr id="283" name="Google Shape;283;p28"/>
-          <p:cNvSpPr txBox="1"/>
-          <p:nvPr>
-            <p:ph idx="1" type="body"/>
-          </p:nvPr>
-        </p:nvSpPr>
-        <p:spPr>
-          <a:xfrm>
-            <a:off x="1297500" y="1567550"/>
-            <a:ext cx="7038900" cy="2911200"/>
-          </a:xfrm>
-          <a:prstGeom prst="rect">
-            <a:avLst/>
-          </a:prstGeom>
-        </p:spPr>
-        <p:txBody>
-          <a:bodyPr anchorCtr="0" anchor="t" bIns="91425" lIns="91425" spcFirstLastPara="1" rIns="91425" wrap="square" tIns="91425">
-            <a:normAutofit/>
-          </a:bodyPr>
-          <a:lstStyle/>
-          <a:p>
-            <a:pPr indent="-311150" lvl="0" marL="457200" rtl="0" algn="l">
-              <a:spcBef>
-                <a:spcPts val="0"/>
-              </a:spcBef>
-              <a:spcAft>
-                <a:spcPts val="0"/>
-              </a:spcAft>
-              <a:buSzPts val="1300"/>
-              <a:buChar char="-"/>
-            </a:pPr>
-            <a:r>
-              <a:rPr lang="de"/>
-              <a:t>Nicht kostenlos</a:t>
-            </a:r>
-            <a:endParaRPr/>
-          </a:p>
-          <a:p>
-            <a:pPr indent="-311150" lvl="0" marL="457200" rtl="0" algn="l">
-              <a:spcBef>
-                <a:spcPts val="0"/>
-              </a:spcBef>
-              <a:spcAft>
-                <a:spcPts val="0"/>
-              </a:spcAft>
-              <a:buSzPts val="1300"/>
-              <a:buChar char="-"/>
-            </a:pPr>
-            <a:r>
-              <a:rPr lang="de"/>
-              <a:t>Integrationen zu anderen Apps</a:t>
-            </a:r>
-            <a:endParaRPr/>
-          </a:p>
-          <a:p>
-            <a:pPr indent="-311150" lvl="0" marL="457200" rtl="0" algn="l">
-              <a:spcBef>
-                <a:spcPts val="0"/>
-              </a:spcBef>
-              <a:spcAft>
-                <a:spcPts val="0"/>
-              </a:spcAft>
-              <a:buSzPts val="1300"/>
-              <a:buChar char="-"/>
-            </a:pPr>
-            <a:r>
-              <a:rPr lang="de"/>
-              <a:t>SSO Kit</a:t>
-            </a:r>
-            <a:endParaRPr/>
-          </a:p>
-          <a:p>
-            <a:pPr indent="-298450" lvl="1" marL="914400" rtl="0" algn="l">
-              <a:spcBef>
-                <a:spcPts val="0"/>
-              </a:spcBef>
-              <a:spcAft>
-                <a:spcPts val="0"/>
-              </a:spcAft>
-              <a:buSzPts val="1100"/>
-              <a:buChar char="-"/>
-            </a:pPr>
-            <a:r>
-              <a:rPr lang="de"/>
-              <a:t>Keycloak</a:t>
-            </a:r>
-            <a:endParaRPr/>
-          </a:p>
-          <a:p>
-            <a:pPr indent="-311150" lvl="0" marL="457200" rtl="0" algn="l">
-              <a:spcBef>
-                <a:spcPts val="0"/>
-              </a:spcBef>
-              <a:spcAft>
-                <a:spcPts val="0"/>
-              </a:spcAft>
-              <a:buSzPts val="1300"/>
-              <a:buChar char="-"/>
-            </a:pPr>
-            <a:r>
-              <a:rPr lang="de"/>
-              <a:t>Observability Kit</a:t>
-            </a:r>
-            <a:endParaRPr/>
-          </a:p>
-          <a:p>
-            <a:pPr indent="-298450" lvl="1" marL="914400" rtl="0" algn="l">
-              <a:spcBef>
-                <a:spcPts val="0"/>
-              </a:spcBef>
-              <a:spcAft>
-                <a:spcPts val="0"/>
-              </a:spcAft>
-              <a:buSzPts val="1100"/>
-              <a:buChar char="-"/>
-            </a:pPr>
-            <a:r>
-              <a:rPr lang="de"/>
-              <a:t>Grafana</a:t>
-            </a:r>
-            <a:endParaRPr/>
-          </a:p>
-          <a:p>
-            <a:pPr indent="-298450" lvl="1" marL="914400" rtl="0" algn="l">
-              <a:spcBef>
-                <a:spcPts val="0"/>
-              </a:spcBef>
-              <a:spcAft>
-                <a:spcPts val="0"/>
-              </a:spcAft>
-              <a:buSzPts val="1100"/>
-              <a:buChar char="-"/>
-            </a:pPr>
-            <a:r>
-              <a:rPr lang="de"/>
-              <a:t>Promotheus</a:t>
-            </a:r>
-            <a:endParaRPr/>
-          </a:p>
-          <a:p>
-            <a:pPr indent="-311150" lvl="0" marL="457200" rtl="0" algn="l">
-              <a:spcBef>
-                <a:spcPts val="0"/>
-              </a:spcBef>
-              <a:spcAft>
-                <a:spcPts val="0"/>
-              </a:spcAft>
-              <a:buSzPts val="1300"/>
-              <a:buChar char="-"/>
-            </a:pPr>
-            <a:r>
-              <a:rPr lang="de"/>
-              <a:t>Swing Kit</a:t>
-            </a:r>
-            <a:endParaRPr/>
-          </a:p>
-          <a:p>
-            <a:pPr indent="-311150" lvl="0" marL="457200" rtl="0" algn="l">
-              <a:spcBef>
-                <a:spcPts val="0"/>
-              </a:spcBef>
-              <a:spcAft>
-                <a:spcPts val="0"/>
-              </a:spcAft>
-              <a:buSzPts val="1300"/>
-              <a:buChar char="-"/>
-            </a:pPr>
-            <a:r>
-              <a:rPr lang="de"/>
-              <a:t>Kubernetes Kit</a:t>
-            </a:r>
-            <a:endParaRPr/>
-          </a:p>
-          <a:p>
-            <a:pPr indent="-311150" lvl="0" marL="457200" rtl="0" algn="l">
-              <a:spcBef>
-                <a:spcPts val="0"/>
-              </a:spcBef>
-              <a:spcAft>
-                <a:spcPts val="0"/>
-              </a:spcAft>
-              <a:buSzPts val="1300"/>
-              <a:buChar char="-"/>
-            </a:pPr>
-            <a:r>
-              <a:rPr lang="de"/>
-              <a:t>Azure Cloud Kit</a:t>
-            </a:r>
-            <a:endParaRPr/>
-          </a:p>
-        </p:txBody>
-      </p:sp>
-      <p:sp>
-        <p:nvSpPr>
-          <p:cNvPr id="284" name="Google Shape;284;p28"/>
+          <p:cNvPr id="297" name="Google Shape;297;p28"/>
           <p:cNvSpPr txBox="1"/>
           <p:nvPr>
             <p:ph idx="12" type="sldNum"/>
@@ -15276,7 +15414,7 @@
   <p:cSld>
     <p:spTree>
       <p:nvGrpSpPr>
-        <p:cNvPr id="288" name="Shape 288"/>
+        <p:cNvPr id="301" name="Shape 301"/>
         <p:cNvGrpSpPr/>
         <p:nvPr/>
       </p:nvGrpSpPr>
@@ -15290,7 +15428,7 @@
       </p:grpSpPr>
       <p:sp>
         <p:nvSpPr>
-          <p:cNvPr id="289" name="Google Shape;289;p29"/>
+          <p:cNvPr id="302" name="Google Shape;302;p29"/>
           <p:cNvSpPr txBox="1"/>
           <p:nvPr>
             <p:ph type="title"/>
@@ -15322,6 +15460,460 @@
             </a:pPr>
             <a:r>
               <a:rPr lang="de"/>
+              <a:t>Vaadin-Directory</a:t>
+            </a:r>
+            <a:endParaRPr/>
+          </a:p>
+        </p:txBody>
+      </p:sp>
+      <p:sp>
+        <p:nvSpPr>
+          <p:cNvPr id="303" name="Google Shape;303;p29"/>
+          <p:cNvSpPr txBox="1"/>
+          <p:nvPr>
+            <p:ph idx="1" type="body"/>
+          </p:nvPr>
+        </p:nvSpPr>
+        <p:spPr>
+          <a:xfrm>
+            <a:off x="1297500" y="1567550"/>
+            <a:ext cx="7038900" cy="2911200"/>
+          </a:xfrm>
+          <a:prstGeom prst="rect">
+            <a:avLst/>
+          </a:prstGeom>
+        </p:spPr>
+        <p:txBody>
+          <a:bodyPr anchorCtr="0" anchor="t" bIns="91425" lIns="91425" spcFirstLastPara="1" rIns="91425" wrap="square" tIns="91425">
+            <a:normAutofit/>
+          </a:bodyPr>
+          <a:lstStyle/>
+          <a:p>
+            <a:pPr indent="-311150" lvl="0" marL="457200" rtl="0" algn="l">
+              <a:spcBef>
+                <a:spcPts val="0"/>
+              </a:spcBef>
+              <a:spcAft>
+                <a:spcPts val="0"/>
+              </a:spcAft>
+              <a:buSzPts val="1300"/>
+              <a:buChar char="-"/>
+            </a:pPr>
+            <a:r>
+              <a:rPr lang="de" u="sng">
+                <a:solidFill>
+                  <a:schemeClr val="hlink"/>
+                </a:solidFill>
+                <a:hlinkClick r:id="rId3"/>
+              </a:rPr>
+              <a:t>https://vaadin.com/directory/</a:t>
+            </a:r>
+            <a:r>
+              <a:rPr lang="de"/>
+              <a:t> </a:t>
+            </a:r>
+            <a:endParaRPr/>
+          </a:p>
+        </p:txBody>
+      </p:sp>
+      <p:sp>
+        <p:nvSpPr>
+          <p:cNvPr id="304" name="Google Shape;304;p29"/>
+          <p:cNvSpPr txBox="1"/>
+          <p:nvPr>
+            <p:ph idx="12" type="sldNum"/>
+          </p:nvPr>
+        </p:nvSpPr>
+        <p:spPr>
+          <a:xfrm>
+            <a:off x="8472458" y="4663217"/>
+            <a:ext cx="548700" cy="393600"/>
+          </a:xfrm>
+          <a:prstGeom prst="rect">
+            <a:avLst/>
+          </a:prstGeom>
+        </p:spPr>
+        <p:txBody>
+          <a:bodyPr anchorCtr="0" anchor="ctr" bIns="91425" lIns="91425" spcFirstLastPara="1" rIns="91425" wrap="square" tIns="91425">
+            <a:normAutofit/>
+          </a:bodyPr>
+          <a:lstStyle/>
+          <a:p>
+            <a:pPr indent="0" lvl="0" marL="0" rtl="0" algn="r">
+              <a:spcBef>
+                <a:spcPts val="0"/>
+              </a:spcBef>
+              <a:spcAft>
+                <a:spcPts val="0"/>
+              </a:spcAft>
+              <a:buNone/>
+            </a:pPr>
+            <a:fld id="{00000000-1234-1234-1234-123412341234}" type="slidenum">
+              <a:rPr lang="de"/>
+              <a:t>‹#›</a:t>
+            </a:fld>
+            <a:endParaRPr/>
+          </a:p>
+        </p:txBody>
+      </p:sp>
+    </p:spTree>
+  </p:cSld>
+  <p:clrMapOvr>
+    <a:masterClrMapping/>
+  </p:clrMapOvr>
+</p:sld>
+</file>
+
+<file path=ppt/slides/slide14.xml><?xml version="1.0" encoding="utf-8"?>
+<p:sld xmlns:a="http://schemas.openxmlformats.org/drawingml/2006/main" xmlns:r="http://schemas.openxmlformats.org/officeDocument/2006/relationships" xmlns:mc="http://schemas.openxmlformats.org/markup-compatibility/2006" xmlns:mv="urn:schemas-microsoft-com:mac:vml" xmlns:p="http://schemas.openxmlformats.org/presentationml/2006/main" xmlns:c="http://schemas.openxmlformats.org/drawingml/2006/chart" xmlns:dgm="http://schemas.openxmlformats.org/drawingml/2006/diagram" xmlns:o="urn:schemas-microsoft-com:office:office" xmlns:v="urn:schemas-microsoft-com:vml" xmlns:pvml="urn:schemas-microsoft-com:office:powerpoint" xmlns:com="http://schemas.openxmlformats.org/drawingml/2006/compatibility" xmlns:p14="http://schemas.microsoft.com/office/powerpoint/2010/main" xmlns:p15="http://schemas.microsoft.com/office/powerpoint/2012/main" xmlns:ahyp="http://schemas.microsoft.com/office/drawing/2018/hyperlinkcolor">
+  <p:cSld>
+    <p:spTree>
+      <p:nvGrpSpPr>
+        <p:cNvPr id="308" name="Shape 308"/>
+        <p:cNvGrpSpPr/>
+        <p:nvPr/>
+      </p:nvGrpSpPr>
+      <p:grpSpPr>
+        <a:xfrm>
+          <a:off x="0" y="0"/>
+          <a:ext cx="0" cy="0"/>
+          <a:chOff x="0" y="0"/>
+          <a:chExt cx="0" cy="0"/>
+        </a:xfrm>
+      </p:grpSpPr>
+      <p:sp>
+        <p:nvSpPr>
+          <p:cNvPr id="309" name="Google Shape;309;p30"/>
+          <p:cNvSpPr txBox="1"/>
+          <p:nvPr>
+            <p:ph type="title"/>
+          </p:nvPr>
+        </p:nvSpPr>
+        <p:spPr>
+          <a:xfrm>
+            <a:off x="1297500" y="393750"/>
+            <a:ext cx="7038900" cy="914100"/>
+          </a:xfrm>
+          <a:prstGeom prst="rect">
+            <a:avLst/>
+          </a:prstGeom>
+        </p:spPr>
+        <p:txBody>
+          <a:bodyPr anchorCtr="0" anchor="t" bIns="91425" lIns="91425" spcFirstLastPara="1" rIns="91425" wrap="square" tIns="91425">
+            <a:normAutofit/>
+          </a:bodyPr>
+          <a:lstStyle/>
+          <a:p>
+            <a:pPr indent="0" lvl="0" marL="0" rtl="0" algn="l">
+              <a:spcBef>
+                <a:spcPts val="0"/>
+              </a:spcBef>
+              <a:spcAft>
+                <a:spcPts val="0"/>
+              </a:spcAft>
+              <a:buNone/>
+            </a:pPr>
+            <a:r>
+              <a:rPr lang="de"/>
+              <a:t>Kits</a:t>
+            </a:r>
+            <a:endParaRPr/>
+          </a:p>
+        </p:txBody>
+      </p:sp>
+      <p:sp>
+        <p:nvSpPr>
+          <p:cNvPr id="310" name="Google Shape;310;p30"/>
+          <p:cNvSpPr txBox="1"/>
+          <p:nvPr>
+            <p:ph idx="1" type="body"/>
+          </p:nvPr>
+        </p:nvSpPr>
+        <p:spPr>
+          <a:xfrm>
+            <a:off x="1297500" y="1567550"/>
+            <a:ext cx="7038900" cy="2911200"/>
+          </a:xfrm>
+          <a:prstGeom prst="rect">
+            <a:avLst/>
+          </a:prstGeom>
+        </p:spPr>
+        <p:txBody>
+          <a:bodyPr anchorCtr="0" anchor="t" bIns="91425" lIns="91425" spcFirstLastPara="1" rIns="91425" wrap="square" tIns="91425">
+            <a:normAutofit/>
+          </a:bodyPr>
+          <a:lstStyle/>
+          <a:p>
+            <a:pPr indent="-311150" lvl="0" marL="457200" rtl="0" algn="l">
+              <a:spcBef>
+                <a:spcPts val="0"/>
+              </a:spcBef>
+              <a:spcAft>
+                <a:spcPts val="0"/>
+              </a:spcAft>
+              <a:buSzPts val="1300"/>
+              <a:buChar char="-"/>
+            </a:pPr>
+            <a:r>
+              <a:rPr lang="de"/>
+              <a:t>Nicht kostenlos</a:t>
+            </a:r>
+            <a:endParaRPr/>
+          </a:p>
+          <a:p>
+            <a:pPr indent="-311150" lvl="0" marL="457200" rtl="0" algn="l">
+              <a:spcBef>
+                <a:spcPts val="0"/>
+              </a:spcBef>
+              <a:spcAft>
+                <a:spcPts val="0"/>
+              </a:spcAft>
+              <a:buSzPts val="1300"/>
+              <a:buChar char="-"/>
+            </a:pPr>
+            <a:r>
+              <a:rPr lang="de"/>
+              <a:t>Integrationen zu anderen Apps</a:t>
+            </a:r>
+            <a:endParaRPr/>
+          </a:p>
+          <a:p>
+            <a:pPr indent="-311150" lvl="0" marL="457200" rtl="0" algn="l">
+              <a:spcBef>
+                <a:spcPts val="0"/>
+              </a:spcBef>
+              <a:spcAft>
+                <a:spcPts val="0"/>
+              </a:spcAft>
+              <a:buSzPts val="1300"/>
+              <a:buChar char="-"/>
+            </a:pPr>
+            <a:r>
+              <a:rPr lang="de"/>
+              <a:t>SSO Kit</a:t>
+            </a:r>
+            <a:endParaRPr/>
+          </a:p>
+          <a:p>
+            <a:pPr indent="-298450" lvl="1" marL="914400" rtl="0" algn="l">
+              <a:spcBef>
+                <a:spcPts val="0"/>
+              </a:spcBef>
+              <a:spcAft>
+                <a:spcPts val="0"/>
+              </a:spcAft>
+              <a:buSzPts val="1100"/>
+              <a:buChar char="-"/>
+            </a:pPr>
+            <a:r>
+              <a:rPr lang="de"/>
+              <a:t>Keycloak</a:t>
+            </a:r>
+            <a:endParaRPr/>
+          </a:p>
+          <a:p>
+            <a:pPr indent="-311150" lvl="0" marL="457200" rtl="0" algn="l">
+              <a:spcBef>
+                <a:spcPts val="0"/>
+              </a:spcBef>
+              <a:spcAft>
+                <a:spcPts val="0"/>
+              </a:spcAft>
+              <a:buSzPts val="1300"/>
+              <a:buChar char="-"/>
+            </a:pPr>
+            <a:r>
+              <a:rPr lang="de"/>
+              <a:t>Observability Kit</a:t>
+            </a:r>
+            <a:endParaRPr/>
+          </a:p>
+          <a:p>
+            <a:pPr indent="-298450" lvl="1" marL="914400" rtl="0" algn="l">
+              <a:spcBef>
+                <a:spcPts val="0"/>
+              </a:spcBef>
+              <a:spcAft>
+                <a:spcPts val="0"/>
+              </a:spcAft>
+              <a:buSzPts val="1100"/>
+              <a:buChar char="-"/>
+            </a:pPr>
+            <a:r>
+              <a:rPr lang="de"/>
+              <a:t>Grafana</a:t>
+            </a:r>
+            <a:endParaRPr/>
+          </a:p>
+          <a:p>
+            <a:pPr indent="-298450" lvl="1" marL="914400" rtl="0" algn="l">
+              <a:spcBef>
+                <a:spcPts val="0"/>
+              </a:spcBef>
+              <a:spcAft>
+                <a:spcPts val="0"/>
+              </a:spcAft>
+              <a:buSzPts val="1100"/>
+              <a:buChar char="-"/>
+            </a:pPr>
+            <a:r>
+              <a:rPr lang="de"/>
+              <a:t>Promotheus</a:t>
+            </a:r>
+            <a:endParaRPr/>
+          </a:p>
+          <a:p>
+            <a:pPr indent="-311150" lvl="0" marL="457200" rtl="0" algn="l">
+              <a:spcBef>
+                <a:spcPts val="0"/>
+              </a:spcBef>
+              <a:spcAft>
+                <a:spcPts val="0"/>
+              </a:spcAft>
+              <a:buSzPts val="1300"/>
+              <a:buChar char="-"/>
+            </a:pPr>
+            <a:r>
+              <a:rPr lang="de"/>
+              <a:t>Swing Kit</a:t>
+            </a:r>
+            <a:endParaRPr/>
+          </a:p>
+          <a:p>
+            <a:pPr indent="-311150" lvl="0" marL="457200" rtl="0" algn="l">
+              <a:spcBef>
+                <a:spcPts val="0"/>
+              </a:spcBef>
+              <a:spcAft>
+                <a:spcPts val="0"/>
+              </a:spcAft>
+              <a:buSzPts val="1300"/>
+              <a:buChar char="-"/>
+            </a:pPr>
+            <a:r>
+              <a:rPr lang="de"/>
+              <a:t>Kubernetes Kit</a:t>
+            </a:r>
+            <a:endParaRPr/>
+          </a:p>
+          <a:p>
+            <a:pPr indent="-311150" lvl="0" marL="457200" rtl="0" algn="l">
+              <a:spcBef>
+                <a:spcPts val="0"/>
+              </a:spcBef>
+              <a:spcAft>
+                <a:spcPts val="0"/>
+              </a:spcAft>
+              <a:buSzPts val="1300"/>
+              <a:buChar char="-"/>
+            </a:pPr>
+            <a:r>
+              <a:rPr lang="de"/>
+              <a:t>Azure Cloud Kit</a:t>
+            </a:r>
+            <a:endParaRPr/>
+          </a:p>
+        </p:txBody>
+      </p:sp>
+      <p:sp>
+        <p:nvSpPr>
+          <p:cNvPr id="311" name="Google Shape;311;p30"/>
+          <p:cNvSpPr txBox="1"/>
+          <p:nvPr>
+            <p:ph idx="12" type="sldNum"/>
+          </p:nvPr>
+        </p:nvSpPr>
+        <p:spPr>
+          <a:xfrm>
+            <a:off x="8472458" y="4663217"/>
+            <a:ext cx="548700" cy="393600"/>
+          </a:xfrm>
+          <a:prstGeom prst="rect">
+            <a:avLst/>
+          </a:prstGeom>
+        </p:spPr>
+        <p:txBody>
+          <a:bodyPr anchorCtr="0" anchor="ctr" bIns="91425" lIns="91425" spcFirstLastPara="1" rIns="91425" wrap="square" tIns="91425">
+            <a:normAutofit/>
+          </a:bodyPr>
+          <a:lstStyle/>
+          <a:p>
+            <a:pPr indent="0" lvl="0" marL="0" rtl="0" algn="r">
+              <a:spcBef>
+                <a:spcPts val="0"/>
+              </a:spcBef>
+              <a:spcAft>
+                <a:spcPts val="0"/>
+              </a:spcAft>
+              <a:buNone/>
+            </a:pPr>
+            <a:fld id="{00000000-1234-1234-1234-123412341234}" type="slidenum">
+              <a:rPr lang="de"/>
+              <a:t>‹#›</a:t>
+            </a:fld>
+            <a:endParaRPr/>
+          </a:p>
+        </p:txBody>
+      </p:sp>
+    </p:spTree>
+  </p:cSld>
+  <p:clrMapOvr>
+    <a:masterClrMapping/>
+  </p:clrMapOvr>
+</p:sld>
+</file>
+
+<file path=ppt/slides/slide15.xml><?xml version="1.0" encoding="utf-8"?>
+<p:sld xmlns:a="http://schemas.openxmlformats.org/drawingml/2006/main" xmlns:r="http://schemas.openxmlformats.org/officeDocument/2006/relationships" xmlns:mc="http://schemas.openxmlformats.org/markup-compatibility/2006" xmlns:mv="urn:schemas-microsoft-com:mac:vml" xmlns:p="http://schemas.openxmlformats.org/presentationml/2006/main" xmlns:c="http://schemas.openxmlformats.org/drawingml/2006/chart" xmlns:dgm="http://schemas.openxmlformats.org/drawingml/2006/diagram" xmlns:o="urn:schemas-microsoft-com:office:office" xmlns:v="urn:schemas-microsoft-com:vml" xmlns:pvml="urn:schemas-microsoft-com:office:powerpoint" xmlns:com="http://schemas.openxmlformats.org/drawingml/2006/compatibility" xmlns:p14="http://schemas.microsoft.com/office/powerpoint/2010/main" xmlns:p15="http://schemas.microsoft.com/office/powerpoint/2012/main" xmlns:ahyp="http://schemas.microsoft.com/office/drawing/2018/hyperlinkcolor">
+  <p:cSld>
+    <p:spTree>
+      <p:nvGrpSpPr>
+        <p:cNvPr id="315" name="Shape 315"/>
+        <p:cNvGrpSpPr/>
+        <p:nvPr/>
+      </p:nvGrpSpPr>
+      <p:grpSpPr>
+        <a:xfrm>
+          <a:off x="0" y="0"/>
+          <a:ext cx="0" cy="0"/>
+          <a:chOff x="0" y="0"/>
+          <a:chExt cx="0" cy="0"/>
+        </a:xfrm>
+      </p:grpSpPr>
+      <p:sp>
+        <p:nvSpPr>
+          <p:cNvPr id="316" name="Google Shape;316;p31"/>
+          <p:cNvSpPr txBox="1"/>
+          <p:nvPr>
+            <p:ph type="title"/>
+          </p:nvPr>
+        </p:nvSpPr>
+        <p:spPr>
+          <a:xfrm>
+            <a:off x="1297500" y="393750"/>
+            <a:ext cx="7038900" cy="914100"/>
+          </a:xfrm>
+          <a:prstGeom prst="rect">
+            <a:avLst/>
+          </a:prstGeom>
+        </p:spPr>
+        <p:txBody>
+          <a:bodyPr anchorCtr="0" anchor="t" bIns="91425" lIns="91425" spcFirstLastPara="1" rIns="91425" wrap="square" tIns="91425">
+            <a:normAutofit/>
+          </a:bodyPr>
+          <a:lstStyle/>
+          <a:p>
+            <a:pPr indent="0" lvl="0" marL="0" rtl="0" algn="l">
+              <a:spcBef>
+                <a:spcPts val="0"/>
+              </a:spcBef>
+              <a:spcAft>
+                <a:spcPts val="0"/>
+              </a:spcAft>
+              <a:buNone/>
+            </a:pPr>
+            <a:r>
+              <a:rPr lang="de"/>
               <a:t>Designer</a:t>
             </a:r>
             <a:endParaRPr/>
@@ -15330,7 +15922,7 @@
       </p:sp>
       <p:pic>
         <p:nvPicPr>
-          <p:cNvPr id="290" name="Google Shape;290;p29"/>
+          <p:cNvPr id="317" name="Google Shape;317;p31"/>
           <p:cNvPicPr preferRelativeResize="0"/>
           <p:nvPr/>
         </p:nvPicPr>
@@ -15358,7 +15950,7 @@
       </p:pic>
       <p:sp>
         <p:nvSpPr>
-          <p:cNvPr id="291" name="Google Shape;291;p29"/>
+          <p:cNvPr id="318" name="Google Shape;318;p31"/>
           <p:cNvSpPr txBox="1"/>
           <p:nvPr>
             <p:ph idx="12" type="sldNum"/>
@@ -15404,12 +15996,12 @@
 </p:sld>
 </file>
 
-<file path=ppt/slides/slide14.xml><?xml version="1.0" encoding="utf-8"?>
+<file path=ppt/slides/slide16.xml><?xml version="1.0" encoding="utf-8"?>
 <p:sld xmlns:a="http://schemas.openxmlformats.org/drawingml/2006/main" xmlns:r="http://schemas.openxmlformats.org/officeDocument/2006/relationships" xmlns:mc="http://schemas.openxmlformats.org/markup-compatibility/2006" xmlns:mv="urn:schemas-microsoft-com:mac:vml" xmlns:p="http://schemas.openxmlformats.org/presentationml/2006/main" xmlns:c="http://schemas.openxmlformats.org/drawingml/2006/chart" xmlns:dgm="http://schemas.openxmlformats.org/drawingml/2006/diagram" xmlns:o="urn:schemas-microsoft-com:office:office" xmlns:v="urn:schemas-microsoft-com:vml" xmlns:pvml="urn:schemas-microsoft-com:office:powerpoint" xmlns:com="http://schemas.openxmlformats.org/drawingml/2006/compatibility" xmlns:p14="http://schemas.microsoft.com/office/powerpoint/2010/main" xmlns:p15="http://schemas.microsoft.com/office/powerpoint/2012/main" xmlns:ahyp="http://schemas.microsoft.com/office/drawing/2018/hyperlinkcolor">
   <p:cSld>
     <p:spTree>
       <p:nvGrpSpPr>
-        <p:cNvPr id="295" name="Shape 295"/>
+        <p:cNvPr id="322" name="Shape 322"/>
         <p:cNvGrpSpPr/>
         <p:nvPr/>
       </p:nvGrpSpPr>
@@ -15423,7 +16015,7 @@
       </p:grpSpPr>
       <p:sp>
         <p:nvSpPr>
-          <p:cNvPr id="296" name="Google Shape;296;p30"/>
+          <p:cNvPr id="323" name="Google Shape;323;p32"/>
           <p:cNvSpPr txBox="1"/>
           <p:nvPr>
             <p:ph type="title"/>
@@ -15463,7 +16055,7 @@
       </p:sp>
       <p:sp>
         <p:nvSpPr>
-          <p:cNvPr id="297" name="Google Shape;297;p30"/>
+          <p:cNvPr id="324" name="Google Shape;324;p32"/>
           <p:cNvSpPr txBox="1"/>
           <p:nvPr>
             <p:ph idx="1" type="body"/>
@@ -15555,7 +16147,7 @@
       </p:sp>
       <p:pic>
         <p:nvPicPr>
-          <p:cNvPr id="298" name="Google Shape;298;p30"/>
+          <p:cNvPr id="325" name="Google Shape;325;p32"/>
           <p:cNvPicPr preferRelativeResize="0"/>
           <p:nvPr/>
         </p:nvPicPr>
@@ -15583,7 +16175,7 @@
       </p:pic>
       <p:sp>
         <p:nvSpPr>
-          <p:cNvPr id="299" name="Google Shape;299;p30"/>
+          <p:cNvPr id="326" name="Google Shape;326;p32"/>
           <p:cNvSpPr txBox="1"/>
           <p:nvPr>
             <p:ph idx="12" type="sldNum"/>
@@ -15629,12 +16221,12 @@
 </p:sld>
 </file>
 
-<file path=ppt/slides/slide15.xml><?xml version="1.0" encoding="utf-8"?>
+<file path=ppt/slides/slide17.xml><?xml version="1.0" encoding="utf-8"?>
 <p:sld xmlns:a="http://schemas.openxmlformats.org/drawingml/2006/main" xmlns:r="http://schemas.openxmlformats.org/officeDocument/2006/relationships" xmlns:mc="http://schemas.openxmlformats.org/markup-compatibility/2006" xmlns:mv="urn:schemas-microsoft-com:mac:vml" xmlns:p="http://schemas.openxmlformats.org/presentationml/2006/main" xmlns:c="http://schemas.openxmlformats.org/drawingml/2006/chart" xmlns:dgm="http://schemas.openxmlformats.org/drawingml/2006/diagram" xmlns:o="urn:schemas-microsoft-com:office:office" xmlns:v="urn:schemas-microsoft-com:vml" xmlns:pvml="urn:schemas-microsoft-com:office:powerpoint" xmlns:com="http://schemas.openxmlformats.org/drawingml/2006/compatibility" xmlns:p14="http://schemas.microsoft.com/office/powerpoint/2010/main" xmlns:p15="http://schemas.microsoft.com/office/powerpoint/2012/main" xmlns:ahyp="http://schemas.microsoft.com/office/drawing/2018/hyperlinkcolor">
   <p:cSld>
     <p:spTree>
       <p:nvGrpSpPr>
-        <p:cNvPr id="303" name="Shape 303"/>
+        <p:cNvPr id="330" name="Shape 330"/>
         <p:cNvGrpSpPr/>
         <p:nvPr/>
       </p:nvGrpSpPr>
@@ -15648,7 +16240,7 @@
       </p:grpSpPr>
       <p:sp>
         <p:nvSpPr>
-          <p:cNvPr id="304" name="Google Shape;304;p31"/>
+          <p:cNvPr id="331" name="Google Shape;331;p33"/>
           <p:cNvSpPr txBox="1"/>
           <p:nvPr>
             <p:ph type="title"/>
@@ -15688,7 +16280,7 @@
       </p:sp>
       <p:sp>
         <p:nvSpPr>
-          <p:cNvPr id="305" name="Google Shape;305;p31"/>
+          <p:cNvPr id="332" name="Google Shape;332;p33"/>
           <p:cNvSpPr txBox="1"/>
           <p:nvPr>
             <p:ph idx="1" type="body"/>
@@ -15819,7 +16411,7 @@
       </p:sp>
       <p:pic>
         <p:nvPicPr>
-          <p:cNvPr id="306" name="Google Shape;306;p31"/>
+          <p:cNvPr id="333" name="Google Shape;333;p33"/>
           <p:cNvPicPr preferRelativeResize="0"/>
           <p:nvPr/>
         </p:nvPicPr>
@@ -15847,7 +16439,7 @@
       </p:pic>
       <p:sp>
         <p:nvSpPr>
-          <p:cNvPr id="307" name="Google Shape;307;p31"/>
+          <p:cNvPr id="334" name="Google Shape;334;p33"/>
           <p:cNvSpPr txBox="1"/>
           <p:nvPr>
             <p:ph idx="12" type="sldNum"/>
@@ -15893,12 +16485,12 @@
 </p:sld>
 </file>
 
-<file path=ppt/slides/slide16.xml><?xml version="1.0" encoding="utf-8"?>
+<file path=ppt/slides/slide18.xml><?xml version="1.0" encoding="utf-8"?>
 <p:sld xmlns:a="http://schemas.openxmlformats.org/drawingml/2006/main" xmlns:r="http://schemas.openxmlformats.org/officeDocument/2006/relationships" xmlns:mc="http://schemas.openxmlformats.org/markup-compatibility/2006" xmlns:mv="urn:schemas-microsoft-com:mac:vml" xmlns:p="http://schemas.openxmlformats.org/presentationml/2006/main" xmlns:c="http://schemas.openxmlformats.org/drawingml/2006/chart" xmlns:dgm="http://schemas.openxmlformats.org/drawingml/2006/diagram" xmlns:o="urn:schemas-microsoft-com:office:office" xmlns:v="urn:schemas-microsoft-com:vml" xmlns:pvml="urn:schemas-microsoft-com:office:powerpoint" xmlns:com="http://schemas.openxmlformats.org/drawingml/2006/compatibility" xmlns:p14="http://schemas.microsoft.com/office/powerpoint/2010/main" xmlns:p15="http://schemas.microsoft.com/office/powerpoint/2012/main" xmlns:ahyp="http://schemas.microsoft.com/office/drawing/2018/hyperlinkcolor">
   <p:cSld>
     <p:spTree>
       <p:nvGrpSpPr>
-        <p:cNvPr id="311" name="Shape 311"/>
+        <p:cNvPr id="338" name="Shape 338"/>
         <p:cNvGrpSpPr/>
         <p:nvPr/>
       </p:nvGrpSpPr>
@@ -15912,7 +16504,7 @@
       </p:grpSpPr>
       <p:sp>
         <p:nvSpPr>
-          <p:cNvPr id="312" name="Google Shape;312;p32"/>
+          <p:cNvPr id="339" name="Google Shape;339;p34"/>
           <p:cNvSpPr txBox="1"/>
           <p:nvPr>
             <p:ph type="title"/>
@@ -15952,7 +16544,7 @@
       </p:sp>
       <p:pic>
         <p:nvPicPr>
-          <p:cNvPr id="313" name="Google Shape;313;p32"/>
+          <p:cNvPr id="340" name="Google Shape;340;p34"/>
           <p:cNvPicPr preferRelativeResize="0"/>
           <p:nvPr/>
         </p:nvPicPr>
@@ -15980,7 +16572,7 @@
       </p:pic>
       <p:pic>
         <p:nvPicPr>
-          <p:cNvPr id="314" name="Google Shape;314;p32"/>
+          <p:cNvPr id="341" name="Google Shape;341;p34"/>
           <p:cNvPicPr preferRelativeResize="0"/>
           <p:nvPr/>
         </p:nvPicPr>
@@ -16008,7 +16600,7 @@
       </p:pic>
       <p:sp>
         <p:nvSpPr>
-          <p:cNvPr id="315" name="Google Shape;315;p32"/>
+          <p:cNvPr id="342" name="Google Shape;342;p34"/>
           <p:cNvSpPr txBox="1"/>
           <p:nvPr>
             <p:ph idx="12" type="sldNum"/>
@@ -16054,12 +16646,12 @@
 </p:sld>
 </file>
 
-<file path=ppt/slides/slide17.xml><?xml version="1.0" encoding="utf-8"?>
+<file path=ppt/slides/slide19.xml><?xml version="1.0" encoding="utf-8"?>
 <p:sld xmlns:a="http://schemas.openxmlformats.org/drawingml/2006/main" xmlns:r="http://schemas.openxmlformats.org/officeDocument/2006/relationships" xmlns:mc="http://schemas.openxmlformats.org/markup-compatibility/2006" xmlns:mv="urn:schemas-microsoft-com:mac:vml" xmlns:p="http://schemas.openxmlformats.org/presentationml/2006/main" xmlns:c="http://schemas.openxmlformats.org/drawingml/2006/chart" xmlns:dgm="http://schemas.openxmlformats.org/drawingml/2006/diagram" xmlns:o="urn:schemas-microsoft-com:office:office" xmlns:v="urn:schemas-microsoft-com:vml" xmlns:pvml="urn:schemas-microsoft-com:office:powerpoint" xmlns:com="http://schemas.openxmlformats.org/drawingml/2006/compatibility" xmlns:p14="http://schemas.microsoft.com/office/powerpoint/2010/main" xmlns:p15="http://schemas.microsoft.com/office/powerpoint/2012/main" xmlns:ahyp="http://schemas.microsoft.com/office/drawing/2018/hyperlinkcolor">
   <p:cSld>
     <p:spTree>
       <p:nvGrpSpPr>
-        <p:cNvPr id="319" name="Shape 319"/>
+        <p:cNvPr id="346" name="Shape 346"/>
         <p:cNvGrpSpPr/>
         <p:nvPr/>
       </p:nvGrpSpPr>
@@ -16073,7 +16665,7 @@
       </p:grpSpPr>
       <p:sp>
         <p:nvSpPr>
-          <p:cNvPr id="320" name="Google Shape;320;p33"/>
+          <p:cNvPr id="347" name="Google Shape;347;p35"/>
           <p:cNvSpPr txBox="1"/>
           <p:nvPr>
             <p:ph type="title"/>
@@ -16113,7 +16705,7 @@
       </p:sp>
       <p:graphicFrame>
         <p:nvGraphicFramePr>
-          <p:cNvPr id="321" name="Google Shape;321;p33"/>
+          <p:cNvPr id="348" name="Google Shape;348;p35"/>
           <p:cNvGraphicFramePr/>
           <p:nvPr/>
         </p:nvGraphicFramePr>
@@ -16126,7 +16718,7 @@
             <a:tbl>
               <a:tblPr>
                 <a:noFill/>
-                <a:tableStyleId>{B0AB99A5-633B-4F5F-B896-5B4FB00680B7}</a:tableStyleId>
+                <a:tableStyleId>{DCCAD22C-A005-473B-A30F-09C6423CAA51}</a:tableStyleId>
               </a:tblPr>
               <a:tblGrid>
                 <a:gridCol w="3654025"/>
@@ -16974,699 +17566,7 @@
       </p:graphicFrame>
       <p:sp>
         <p:nvSpPr>
-          <p:cNvPr id="322" name="Google Shape;322;p33"/>
-          <p:cNvSpPr txBox="1"/>
-          <p:nvPr>
-            <p:ph idx="12" type="sldNum"/>
-          </p:nvPr>
-        </p:nvSpPr>
-        <p:spPr>
-          <a:xfrm>
-            <a:off x="8472458" y="4663217"/>
-            <a:ext cx="548700" cy="393600"/>
-          </a:xfrm>
-          <a:prstGeom prst="rect">
-            <a:avLst/>
-          </a:prstGeom>
-        </p:spPr>
-        <p:txBody>
-          <a:bodyPr anchorCtr="0" anchor="ctr" bIns="91425" lIns="91425" spcFirstLastPara="1" rIns="91425" wrap="square" tIns="91425">
-            <a:normAutofit/>
-          </a:bodyPr>
-          <a:lstStyle/>
-          <a:p>
-            <a:pPr indent="0" lvl="0" marL="0" rtl="0" algn="r">
-              <a:spcBef>
-                <a:spcPts val="0"/>
-              </a:spcBef>
-              <a:spcAft>
-                <a:spcPts val="0"/>
-              </a:spcAft>
-              <a:buNone/>
-            </a:pPr>
-            <a:fld id="{00000000-1234-1234-1234-123412341234}" type="slidenum">
-              <a:rPr lang="de"/>
-              <a:t>‹#›</a:t>
-            </a:fld>
-            <a:endParaRPr/>
-          </a:p>
-        </p:txBody>
-      </p:sp>
-    </p:spTree>
-  </p:cSld>
-  <p:clrMapOvr>
-    <a:masterClrMapping/>
-  </p:clrMapOvr>
-</p:sld>
-</file>
-
-<file path=ppt/slides/slide18.xml><?xml version="1.0" encoding="utf-8"?>
-<p:sld xmlns:a="http://schemas.openxmlformats.org/drawingml/2006/main" xmlns:r="http://schemas.openxmlformats.org/officeDocument/2006/relationships" xmlns:mc="http://schemas.openxmlformats.org/markup-compatibility/2006" xmlns:mv="urn:schemas-microsoft-com:mac:vml" xmlns:p="http://schemas.openxmlformats.org/presentationml/2006/main" xmlns:c="http://schemas.openxmlformats.org/drawingml/2006/chart" xmlns:dgm="http://schemas.openxmlformats.org/drawingml/2006/diagram" xmlns:o="urn:schemas-microsoft-com:office:office" xmlns:v="urn:schemas-microsoft-com:vml" xmlns:pvml="urn:schemas-microsoft-com:office:powerpoint" xmlns:com="http://schemas.openxmlformats.org/drawingml/2006/compatibility" xmlns:p14="http://schemas.microsoft.com/office/powerpoint/2010/main" xmlns:p15="http://schemas.microsoft.com/office/powerpoint/2012/main" xmlns:ahyp="http://schemas.microsoft.com/office/drawing/2018/hyperlinkcolor">
-  <p:cSld>
-    <p:spTree>
-      <p:nvGrpSpPr>
-        <p:cNvPr id="326" name="Shape 326"/>
-        <p:cNvGrpSpPr/>
-        <p:nvPr/>
-      </p:nvGrpSpPr>
-      <p:grpSpPr>
-        <a:xfrm>
-          <a:off x="0" y="0"/>
-          <a:ext cx="0" cy="0"/>
-          <a:chOff x="0" y="0"/>
-          <a:chExt cx="0" cy="0"/>
-        </a:xfrm>
-      </p:grpSpPr>
-      <p:sp>
-        <p:nvSpPr>
-          <p:cNvPr id="327" name="Google Shape;327;p34"/>
-          <p:cNvSpPr txBox="1"/>
-          <p:nvPr>
-            <p:ph type="title"/>
-          </p:nvPr>
-        </p:nvSpPr>
-        <p:spPr>
-          <a:xfrm>
-            <a:off x="1297500" y="393750"/>
-            <a:ext cx="7038900" cy="914100"/>
-          </a:xfrm>
-          <a:prstGeom prst="rect">
-            <a:avLst/>
-          </a:prstGeom>
-        </p:spPr>
-        <p:txBody>
-          <a:bodyPr anchorCtr="0" anchor="t" bIns="91425" lIns="91425" spcFirstLastPara="1" rIns="91425" wrap="square" tIns="91425">
-            <a:normAutofit/>
-          </a:bodyPr>
-          <a:lstStyle/>
-          <a:p>
-            <a:pPr indent="0" lvl="0" marL="0" rtl="0" algn="l">
-              <a:spcBef>
-                <a:spcPts val="0"/>
-              </a:spcBef>
-              <a:spcAft>
-                <a:spcPts val="0"/>
-              </a:spcAft>
-              <a:buNone/>
-            </a:pPr>
-            <a:r>
-              <a:rPr lang="de"/>
-              <a:t>Projektaufbau</a:t>
-            </a:r>
-            <a:endParaRPr/>
-          </a:p>
-        </p:txBody>
-      </p:sp>
-      <p:sp>
-        <p:nvSpPr>
-          <p:cNvPr id="328" name="Google Shape;328;p34"/>
-          <p:cNvSpPr txBox="1"/>
-          <p:nvPr/>
-        </p:nvSpPr>
-        <p:spPr>
-          <a:xfrm>
-            <a:off x="2631750" y="1060700"/>
-            <a:ext cx="3880500" cy="3632700"/>
-          </a:xfrm>
-          <a:prstGeom prst="rect">
-            <a:avLst/>
-          </a:prstGeom>
-          <a:noFill/>
-          <a:ln>
-            <a:noFill/>
-          </a:ln>
-        </p:spPr>
-        <p:txBody>
-          <a:bodyPr anchorCtr="0" anchor="t" bIns="91425" lIns="91425" spcFirstLastPara="1" rIns="91425" wrap="square" tIns="91425">
-            <a:spAutoFit/>
-          </a:bodyPr>
-          <a:lstStyle/>
-          <a:p>
-            <a:pPr indent="0" lvl="0" marL="0" rtl="0" algn="l">
-              <a:spcBef>
-                <a:spcPts val="0"/>
-              </a:spcBef>
-              <a:spcAft>
-                <a:spcPts val="0"/>
-              </a:spcAft>
-              <a:buNone/>
-            </a:pPr>
-            <a:r>
-              <a:rPr lang="de">
-                <a:solidFill>
-                  <a:schemeClr val="lt1"/>
-                </a:solidFill>
-              </a:rPr>
-              <a:t>.</a:t>
-            </a:r>
-            <a:endParaRPr>
-              <a:solidFill>
-                <a:schemeClr val="lt1"/>
-              </a:solidFill>
-            </a:endParaRPr>
-          </a:p>
-          <a:p>
-            <a:pPr indent="0" lvl="0" marL="0" rtl="0" algn="l">
-              <a:spcBef>
-                <a:spcPts val="0"/>
-              </a:spcBef>
-              <a:spcAft>
-                <a:spcPts val="0"/>
-              </a:spcAft>
-              <a:buNone/>
-            </a:pPr>
-            <a:r>
-              <a:rPr lang="de">
-                <a:solidFill>
-                  <a:schemeClr val="lt1"/>
-                </a:solidFill>
-              </a:rPr>
-              <a:t>├── frontend/</a:t>
-            </a:r>
-            <a:endParaRPr>
-              <a:solidFill>
-                <a:schemeClr val="lt1"/>
-              </a:solidFill>
-            </a:endParaRPr>
-          </a:p>
-          <a:p>
-            <a:pPr indent="0" lvl="0" marL="0" rtl="0" algn="l">
-              <a:spcBef>
-                <a:spcPts val="0"/>
-              </a:spcBef>
-              <a:spcAft>
-                <a:spcPts val="0"/>
-              </a:spcAft>
-              <a:buNone/>
-            </a:pPr>
-            <a:r>
-              <a:rPr lang="de">
-                <a:solidFill>
-                  <a:schemeClr val="lt1"/>
-                </a:solidFill>
-              </a:rPr>
-              <a:t>│   ├── themes/&lt;APPNAME&gt;/</a:t>
-            </a:r>
-            <a:endParaRPr>
-              <a:solidFill>
-                <a:schemeClr val="lt1"/>
-              </a:solidFill>
-            </a:endParaRPr>
-          </a:p>
-          <a:p>
-            <a:pPr indent="0" lvl="0" marL="0" rtl="0" algn="l">
-              <a:spcBef>
-                <a:spcPts val="0"/>
-              </a:spcBef>
-              <a:spcAft>
-                <a:spcPts val="0"/>
-              </a:spcAft>
-              <a:buNone/>
-            </a:pPr>
-            <a:r>
-              <a:rPr lang="de">
-                <a:solidFill>
-                  <a:schemeClr val="lt1"/>
-                </a:solidFill>
-              </a:rPr>
-              <a:t>│   │   ├── styles.css</a:t>
-            </a:r>
-            <a:endParaRPr>
-              <a:solidFill>
-                <a:schemeClr val="lt1"/>
-              </a:solidFill>
-            </a:endParaRPr>
-          </a:p>
-          <a:p>
-            <a:pPr indent="0" lvl="0" marL="0" rtl="0" algn="l">
-              <a:spcBef>
-                <a:spcPts val="0"/>
-              </a:spcBef>
-              <a:spcAft>
-                <a:spcPts val="0"/>
-              </a:spcAft>
-              <a:buNone/>
-            </a:pPr>
-            <a:r>
-              <a:rPr lang="de">
-                <a:solidFill>
-                  <a:schemeClr val="lt1"/>
-                </a:solidFill>
-              </a:rPr>
-              <a:t>│   │   └── theme.json</a:t>
-            </a:r>
-            <a:endParaRPr>
-              <a:solidFill>
-                <a:schemeClr val="lt1"/>
-              </a:solidFill>
-            </a:endParaRPr>
-          </a:p>
-          <a:p>
-            <a:pPr indent="0" lvl="0" marL="0" rtl="0" algn="l">
-              <a:spcBef>
-                <a:spcPts val="0"/>
-              </a:spcBef>
-              <a:spcAft>
-                <a:spcPts val="0"/>
-              </a:spcAft>
-              <a:buNone/>
-            </a:pPr>
-            <a:r>
-              <a:rPr lang="de">
-                <a:solidFill>
-                  <a:schemeClr val="lt1"/>
-                </a:solidFill>
-              </a:rPr>
-              <a:t>│   └── index.html</a:t>
-            </a:r>
-            <a:endParaRPr>
-              <a:solidFill>
-                <a:schemeClr val="lt1"/>
-              </a:solidFill>
-            </a:endParaRPr>
-          </a:p>
-          <a:p>
-            <a:pPr indent="0" lvl="0" marL="0" rtl="0" algn="l">
-              <a:spcBef>
-                <a:spcPts val="0"/>
-              </a:spcBef>
-              <a:spcAft>
-                <a:spcPts val="0"/>
-              </a:spcAft>
-              <a:buNone/>
-            </a:pPr>
-            <a:r>
-              <a:rPr lang="de">
-                <a:solidFill>
-                  <a:schemeClr val="lt1"/>
-                </a:solidFill>
-              </a:rPr>
-              <a:t>├── src/main/</a:t>
-            </a:r>
-            <a:endParaRPr>
-              <a:solidFill>
-                <a:schemeClr val="lt1"/>
-              </a:solidFill>
-            </a:endParaRPr>
-          </a:p>
-          <a:p>
-            <a:pPr indent="0" lvl="0" marL="0" rtl="0" algn="l">
-              <a:spcBef>
-                <a:spcPts val="0"/>
-              </a:spcBef>
-              <a:spcAft>
-                <a:spcPts val="0"/>
-              </a:spcAft>
-              <a:buNone/>
-            </a:pPr>
-            <a:r>
-              <a:rPr lang="de">
-                <a:solidFill>
-                  <a:schemeClr val="lt1"/>
-                </a:solidFill>
-              </a:rPr>
-              <a:t>│   ├── main/</a:t>
-            </a:r>
-            <a:endParaRPr>
-              <a:solidFill>
-                <a:schemeClr val="lt1"/>
-              </a:solidFill>
-            </a:endParaRPr>
-          </a:p>
-          <a:p>
-            <a:pPr indent="0" lvl="0" marL="0" rtl="0" algn="l">
-              <a:spcBef>
-                <a:spcPts val="0"/>
-              </a:spcBef>
-              <a:spcAft>
-                <a:spcPts val="0"/>
-              </a:spcAft>
-              <a:buNone/>
-            </a:pPr>
-            <a:r>
-              <a:rPr lang="de">
-                <a:solidFill>
-                  <a:schemeClr val="lt1"/>
-                </a:solidFill>
-              </a:rPr>
-              <a:t>│   │   └── java/</a:t>
-            </a:r>
-            <a:endParaRPr>
-              <a:solidFill>
-                <a:schemeClr val="lt1"/>
-              </a:solidFill>
-            </a:endParaRPr>
-          </a:p>
-          <a:p>
-            <a:pPr indent="0" lvl="0" marL="0" rtl="0" algn="l">
-              <a:spcBef>
-                <a:spcPts val="0"/>
-              </a:spcBef>
-              <a:spcAft>
-                <a:spcPts val="0"/>
-              </a:spcAft>
-              <a:buNone/>
-            </a:pPr>
-            <a:r>
-              <a:rPr lang="de">
-                <a:solidFill>
-                  <a:schemeClr val="lt1"/>
-                </a:solidFill>
-              </a:rPr>
-              <a:t>│   │       └── dir/</a:t>
-            </a:r>
-            <a:endParaRPr>
-              <a:solidFill>
-                <a:schemeClr val="lt1"/>
-              </a:solidFill>
-            </a:endParaRPr>
-          </a:p>
-          <a:p>
-            <a:pPr indent="0" lvl="0" marL="0" rtl="0" algn="l">
-              <a:spcBef>
-                <a:spcPts val="0"/>
-              </a:spcBef>
-              <a:spcAft>
-                <a:spcPts val="0"/>
-              </a:spcAft>
-              <a:buNone/>
-            </a:pPr>
-            <a:r>
-              <a:rPr lang="de">
-                <a:solidFill>
-                  <a:schemeClr val="lt1"/>
-                </a:solidFill>
-              </a:rPr>
-              <a:t>│   │           ├── Application.java</a:t>
-            </a:r>
-            <a:endParaRPr>
-              <a:solidFill>
-                <a:schemeClr val="lt1"/>
-              </a:solidFill>
-            </a:endParaRPr>
-          </a:p>
-          <a:p>
-            <a:pPr indent="0" lvl="0" marL="0" rtl="0" algn="l">
-              <a:spcBef>
-                <a:spcPts val="0"/>
-              </a:spcBef>
-              <a:spcAft>
-                <a:spcPts val="0"/>
-              </a:spcAft>
-              <a:buNone/>
-            </a:pPr>
-            <a:r>
-              <a:rPr lang="de">
-                <a:solidFill>
-                  <a:schemeClr val="lt1"/>
-                </a:solidFill>
-              </a:rPr>
-              <a:t>│   │           └── views/</a:t>
-            </a:r>
-            <a:endParaRPr>
-              <a:solidFill>
-                <a:schemeClr val="lt1"/>
-              </a:solidFill>
-            </a:endParaRPr>
-          </a:p>
-          <a:p>
-            <a:pPr indent="0" lvl="0" marL="0" rtl="0" algn="l">
-              <a:spcBef>
-                <a:spcPts val="0"/>
-              </a:spcBef>
-              <a:spcAft>
-                <a:spcPts val="0"/>
-              </a:spcAft>
-              <a:buNone/>
-            </a:pPr>
-            <a:r>
-              <a:rPr lang="de">
-                <a:solidFill>
-                  <a:schemeClr val="lt1"/>
-                </a:solidFill>
-              </a:rPr>
-              <a:t>│   │               └── main/</a:t>
-            </a:r>
-            <a:endParaRPr>
-              <a:solidFill>
-                <a:schemeClr val="lt1"/>
-              </a:solidFill>
-            </a:endParaRPr>
-          </a:p>
-          <a:p>
-            <a:pPr indent="0" lvl="0" marL="0" rtl="0" algn="l">
-              <a:spcBef>
-                <a:spcPts val="0"/>
-              </a:spcBef>
-              <a:spcAft>
-                <a:spcPts val="0"/>
-              </a:spcAft>
-              <a:buNone/>
-            </a:pPr>
-            <a:r>
-              <a:rPr lang="de">
-                <a:solidFill>
-                  <a:schemeClr val="lt1"/>
-                </a:solidFill>
-              </a:rPr>
-              <a:t>│   │                   └── Main.View.java</a:t>
-            </a:r>
-            <a:endParaRPr>
-              <a:solidFill>
-                <a:schemeClr val="lt1"/>
-              </a:solidFill>
-            </a:endParaRPr>
-          </a:p>
-          <a:p>
-            <a:pPr indent="0" lvl="0" marL="0" rtl="0" algn="l">
-              <a:spcBef>
-                <a:spcPts val="0"/>
-              </a:spcBef>
-              <a:spcAft>
-                <a:spcPts val="0"/>
-              </a:spcAft>
-              <a:buNone/>
-            </a:pPr>
-            <a:r>
-              <a:rPr lang="de">
-                <a:solidFill>
-                  <a:schemeClr val="lt1"/>
-                </a:solidFill>
-              </a:rPr>
-              <a:t>│   └── resources/</a:t>
-            </a:r>
-            <a:endParaRPr>
-              <a:solidFill>
-                <a:schemeClr val="lt1"/>
-              </a:solidFill>
-            </a:endParaRPr>
-          </a:p>
-          <a:p>
-            <a:pPr indent="0" lvl="0" marL="0" rtl="0" algn="l">
-              <a:spcBef>
-                <a:spcPts val="0"/>
-              </a:spcBef>
-              <a:spcAft>
-                <a:spcPts val="0"/>
-              </a:spcAft>
-              <a:buNone/>
-            </a:pPr>
-            <a:r>
-              <a:rPr lang="de">
-                <a:solidFill>
-                  <a:schemeClr val="lt1"/>
-                </a:solidFill>
-              </a:rPr>
-              <a:t>└── pom.xml</a:t>
-            </a:r>
-            <a:endParaRPr>
-              <a:solidFill>
-                <a:schemeClr val="lt1"/>
-              </a:solidFill>
-            </a:endParaRPr>
-          </a:p>
-        </p:txBody>
-      </p:sp>
-      <p:sp>
-        <p:nvSpPr>
-          <p:cNvPr id="329" name="Google Shape;329;p34"/>
-          <p:cNvSpPr txBox="1"/>
-          <p:nvPr>
-            <p:ph idx="12" type="sldNum"/>
-          </p:nvPr>
-        </p:nvSpPr>
-        <p:spPr>
-          <a:xfrm>
-            <a:off x="8472458" y="4663217"/>
-            <a:ext cx="548700" cy="393600"/>
-          </a:xfrm>
-          <a:prstGeom prst="rect">
-            <a:avLst/>
-          </a:prstGeom>
-        </p:spPr>
-        <p:txBody>
-          <a:bodyPr anchorCtr="0" anchor="ctr" bIns="91425" lIns="91425" spcFirstLastPara="1" rIns="91425" wrap="square" tIns="91425">
-            <a:normAutofit/>
-          </a:bodyPr>
-          <a:lstStyle/>
-          <a:p>
-            <a:pPr indent="0" lvl="0" marL="0" rtl="0" algn="r">
-              <a:spcBef>
-                <a:spcPts val="0"/>
-              </a:spcBef>
-              <a:spcAft>
-                <a:spcPts val="0"/>
-              </a:spcAft>
-              <a:buNone/>
-            </a:pPr>
-            <a:fld id="{00000000-1234-1234-1234-123412341234}" type="slidenum">
-              <a:rPr lang="de"/>
-              <a:t>‹#›</a:t>
-            </a:fld>
-            <a:endParaRPr/>
-          </a:p>
-        </p:txBody>
-      </p:sp>
-    </p:spTree>
-  </p:cSld>
-  <p:clrMapOvr>
-    <a:masterClrMapping/>
-  </p:clrMapOvr>
-</p:sld>
-</file>
-
-<file path=ppt/slides/slide19.xml><?xml version="1.0" encoding="utf-8"?>
-<p:sld xmlns:a="http://schemas.openxmlformats.org/drawingml/2006/main" xmlns:r="http://schemas.openxmlformats.org/officeDocument/2006/relationships" xmlns:mc="http://schemas.openxmlformats.org/markup-compatibility/2006" xmlns:mv="urn:schemas-microsoft-com:mac:vml" xmlns:p="http://schemas.openxmlformats.org/presentationml/2006/main" xmlns:c="http://schemas.openxmlformats.org/drawingml/2006/chart" xmlns:dgm="http://schemas.openxmlformats.org/drawingml/2006/diagram" xmlns:o="urn:schemas-microsoft-com:office:office" xmlns:v="urn:schemas-microsoft-com:vml" xmlns:pvml="urn:schemas-microsoft-com:office:powerpoint" xmlns:com="http://schemas.openxmlformats.org/drawingml/2006/compatibility" xmlns:p14="http://schemas.microsoft.com/office/powerpoint/2010/main" xmlns:p15="http://schemas.microsoft.com/office/powerpoint/2012/main" xmlns:ahyp="http://schemas.microsoft.com/office/drawing/2018/hyperlinkcolor">
-  <p:cSld>
-    <p:spTree>
-      <p:nvGrpSpPr>
-        <p:cNvPr id="333" name="Shape 333"/>
-        <p:cNvGrpSpPr/>
-        <p:nvPr/>
-      </p:nvGrpSpPr>
-      <p:grpSpPr>
-        <a:xfrm>
-          <a:off x="0" y="0"/>
-          <a:ext cx="0" cy="0"/>
-          <a:chOff x="0" y="0"/>
-          <a:chExt cx="0" cy="0"/>
-        </a:xfrm>
-      </p:grpSpPr>
-      <p:sp>
-        <p:nvSpPr>
-          <p:cNvPr id="334" name="Google Shape;334;p35"/>
-          <p:cNvSpPr txBox="1"/>
-          <p:nvPr>
-            <p:ph type="title"/>
-          </p:nvPr>
-        </p:nvSpPr>
-        <p:spPr>
-          <a:xfrm>
-            <a:off x="1297500" y="393750"/>
-            <a:ext cx="7038900" cy="914100"/>
-          </a:xfrm>
-          <a:prstGeom prst="rect">
-            <a:avLst/>
-          </a:prstGeom>
-        </p:spPr>
-        <p:txBody>
-          <a:bodyPr anchorCtr="0" anchor="t" bIns="91425" lIns="91425" spcFirstLastPara="1" rIns="91425" wrap="square" tIns="91425">
-            <a:normAutofit/>
-          </a:bodyPr>
-          <a:lstStyle/>
-          <a:p>
-            <a:pPr indent="0" lvl="0" marL="0" rtl="0" algn="l">
-              <a:spcBef>
-                <a:spcPts val="0"/>
-              </a:spcBef>
-              <a:spcAft>
-                <a:spcPts val="0"/>
-              </a:spcAft>
-              <a:buNone/>
-            </a:pPr>
-            <a:r>
-              <a:rPr lang="de"/>
-              <a:t>Quellen</a:t>
-            </a:r>
-            <a:endParaRPr/>
-          </a:p>
-        </p:txBody>
-      </p:sp>
-      <p:sp>
-        <p:nvSpPr>
-          <p:cNvPr id="335" name="Google Shape;335;p35"/>
-          <p:cNvSpPr txBox="1"/>
-          <p:nvPr>
-            <p:ph idx="1" type="body"/>
-          </p:nvPr>
-        </p:nvSpPr>
-        <p:spPr>
-          <a:xfrm>
-            <a:off x="1297500" y="1567550"/>
-            <a:ext cx="7038900" cy="2911200"/>
-          </a:xfrm>
-          <a:prstGeom prst="rect">
-            <a:avLst/>
-          </a:prstGeom>
-        </p:spPr>
-        <p:txBody>
-          <a:bodyPr anchorCtr="0" anchor="t" bIns="91425" lIns="91425" spcFirstLastPara="1" rIns="91425" wrap="square" tIns="91425">
-            <a:normAutofit/>
-          </a:bodyPr>
-          <a:lstStyle/>
-          <a:p>
-            <a:pPr indent="-311150" lvl="0" marL="457200" rtl="0" algn="l">
-              <a:spcBef>
-                <a:spcPts val="0"/>
-              </a:spcBef>
-              <a:spcAft>
-                <a:spcPts val="0"/>
-              </a:spcAft>
-              <a:buSzPts val="1300"/>
-              <a:buChar char="-"/>
-            </a:pPr>
-            <a:r>
-              <a:rPr lang="de" u="sng">
-                <a:solidFill>
-                  <a:schemeClr val="hlink"/>
-                </a:solidFill>
-                <a:hlinkClick r:id="rId3"/>
-              </a:rPr>
-              <a:t>https://vaadin.com/</a:t>
-            </a:r>
-            <a:endParaRPr/>
-          </a:p>
-          <a:p>
-            <a:pPr indent="-311150" lvl="0" marL="457200" rtl="0" algn="l">
-              <a:spcBef>
-                <a:spcPts val="0"/>
-              </a:spcBef>
-              <a:spcAft>
-                <a:spcPts val="0"/>
-              </a:spcAft>
-              <a:buSzPts val="1300"/>
-              <a:buChar char="-"/>
-            </a:pPr>
-            <a:r>
-              <a:rPr lang="de" u="sng">
-                <a:solidFill>
-                  <a:schemeClr val="hlink"/>
-                </a:solidFill>
-                <a:hlinkClick r:id="rId4"/>
-              </a:rPr>
-              <a:t>https://hilla.dev/</a:t>
-            </a:r>
-            <a:r>
-              <a:rPr lang="de"/>
-              <a:t> </a:t>
-            </a:r>
-            <a:endParaRPr/>
-          </a:p>
-        </p:txBody>
-      </p:sp>
-      <p:sp>
-        <p:nvSpPr>
-          <p:cNvPr id="336" name="Google Shape;336;p35"/>
+          <p:cNvPr id="349" name="Google Shape;349;p35"/>
           <p:cNvSpPr txBox="1"/>
           <p:nvPr>
             <p:ph idx="12" type="sldNum"/>
@@ -17804,7 +17704,7 @@
             </a:pPr>
             <a:r>
               <a:rPr lang="de"/>
-              <a:t>Was ist Vadin</a:t>
+              <a:t>Was ist Vaadin</a:t>
             </a:r>
             <a:endParaRPr/>
           </a:p>
@@ -17898,6 +17798,1020 @@
       <p:sp>
         <p:nvSpPr>
           <p:cNvPr id="204" name="Google Shape;204;p18"/>
+          <p:cNvSpPr txBox="1"/>
+          <p:nvPr>
+            <p:ph idx="12" type="sldNum"/>
+          </p:nvPr>
+        </p:nvSpPr>
+        <p:spPr>
+          <a:xfrm>
+            <a:off x="8472458" y="4663217"/>
+            <a:ext cx="548700" cy="393600"/>
+          </a:xfrm>
+          <a:prstGeom prst="rect">
+            <a:avLst/>
+          </a:prstGeom>
+        </p:spPr>
+        <p:txBody>
+          <a:bodyPr anchorCtr="0" anchor="ctr" bIns="91425" lIns="91425" spcFirstLastPara="1" rIns="91425" wrap="square" tIns="91425">
+            <a:normAutofit/>
+          </a:bodyPr>
+          <a:lstStyle/>
+          <a:p>
+            <a:pPr indent="0" lvl="0" marL="0" rtl="0" algn="r">
+              <a:spcBef>
+                <a:spcPts val="0"/>
+              </a:spcBef>
+              <a:spcAft>
+                <a:spcPts val="0"/>
+              </a:spcAft>
+              <a:buNone/>
+            </a:pPr>
+            <a:fld id="{00000000-1234-1234-1234-123412341234}" type="slidenum">
+              <a:rPr lang="de"/>
+              <a:t>‹#›</a:t>
+            </a:fld>
+            <a:endParaRPr/>
+          </a:p>
+        </p:txBody>
+      </p:sp>
+    </p:spTree>
+  </p:cSld>
+  <p:clrMapOvr>
+    <a:masterClrMapping/>
+  </p:clrMapOvr>
+</p:sld>
+</file>
+
+<file path=ppt/slides/slide20.xml><?xml version="1.0" encoding="utf-8"?>
+<p:sld xmlns:a="http://schemas.openxmlformats.org/drawingml/2006/main" xmlns:r="http://schemas.openxmlformats.org/officeDocument/2006/relationships" xmlns:mc="http://schemas.openxmlformats.org/markup-compatibility/2006" xmlns:mv="urn:schemas-microsoft-com:mac:vml" xmlns:p="http://schemas.openxmlformats.org/presentationml/2006/main" xmlns:c="http://schemas.openxmlformats.org/drawingml/2006/chart" xmlns:dgm="http://schemas.openxmlformats.org/drawingml/2006/diagram" xmlns:o="urn:schemas-microsoft-com:office:office" xmlns:v="urn:schemas-microsoft-com:vml" xmlns:pvml="urn:schemas-microsoft-com:office:powerpoint" xmlns:com="http://schemas.openxmlformats.org/drawingml/2006/compatibility" xmlns:p14="http://schemas.microsoft.com/office/powerpoint/2010/main" xmlns:p15="http://schemas.microsoft.com/office/powerpoint/2012/main" xmlns:ahyp="http://schemas.microsoft.com/office/drawing/2018/hyperlinkcolor">
+  <p:cSld>
+    <p:spTree>
+      <p:nvGrpSpPr>
+        <p:cNvPr id="353" name="Shape 353"/>
+        <p:cNvGrpSpPr/>
+        <p:nvPr/>
+      </p:nvGrpSpPr>
+      <p:grpSpPr>
+        <a:xfrm>
+          <a:off x="0" y="0"/>
+          <a:ext cx="0" cy="0"/>
+          <a:chOff x="0" y="0"/>
+          <a:chExt cx="0" cy="0"/>
+        </a:xfrm>
+      </p:grpSpPr>
+      <p:sp>
+        <p:nvSpPr>
+          <p:cNvPr id="354" name="Google Shape;354;p36"/>
+          <p:cNvSpPr txBox="1"/>
+          <p:nvPr>
+            <p:ph type="title"/>
+          </p:nvPr>
+        </p:nvSpPr>
+        <p:spPr>
+          <a:xfrm>
+            <a:off x="1297500" y="393750"/>
+            <a:ext cx="7038900" cy="914100"/>
+          </a:xfrm>
+          <a:prstGeom prst="rect">
+            <a:avLst/>
+          </a:prstGeom>
+        </p:spPr>
+        <p:txBody>
+          <a:bodyPr anchorCtr="0" anchor="t" bIns="91425" lIns="91425" spcFirstLastPara="1" rIns="91425" wrap="square" tIns="91425">
+            <a:normAutofit/>
+          </a:bodyPr>
+          <a:lstStyle/>
+          <a:p>
+            <a:pPr indent="0" lvl="0" marL="0" rtl="0" algn="l">
+              <a:spcBef>
+                <a:spcPts val="0"/>
+              </a:spcBef>
+              <a:spcAft>
+                <a:spcPts val="0"/>
+              </a:spcAft>
+              <a:buNone/>
+            </a:pPr>
+            <a:r>
+              <a:rPr lang="de"/>
+              <a:t>Projektaufbau</a:t>
+            </a:r>
+            <a:endParaRPr/>
+          </a:p>
+        </p:txBody>
+      </p:sp>
+      <p:sp>
+        <p:nvSpPr>
+          <p:cNvPr id="355" name="Google Shape;355;p36"/>
+          <p:cNvSpPr txBox="1"/>
+          <p:nvPr/>
+        </p:nvSpPr>
+        <p:spPr>
+          <a:xfrm>
+            <a:off x="2631750" y="1060700"/>
+            <a:ext cx="3880500" cy="3632700"/>
+          </a:xfrm>
+          <a:prstGeom prst="rect">
+            <a:avLst/>
+          </a:prstGeom>
+          <a:noFill/>
+          <a:ln>
+            <a:noFill/>
+          </a:ln>
+        </p:spPr>
+        <p:txBody>
+          <a:bodyPr anchorCtr="0" anchor="t" bIns="91425" lIns="91425" spcFirstLastPara="1" rIns="91425" wrap="square" tIns="91425">
+            <a:spAutoFit/>
+          </a:bodyPr>
+          <a:lstStyle/>
+          <a:p>
+            <a:pPr indent="0" lvl="0" marL="0" rtl="0" algn="l">
+              <a:spcBef>
+                <a:spcPts val="0"/>
+              </a:spcBef>
+              <a:spcAft>
+                <a:spcPts val="0"/>
+              </a:spcAft>
+              <a:buNone/>
+            </a:pPr>
+            <a:r>
+              <a:rPr lang="de">
+                <a:solidFill>
+                  <a:schemeClr val="lt1"/>
+                </a:solidFill>
+              </a:rPr>
+              <a:t>.</a:t>
+            </a:r>
+            <a:endParaRPr>
+              <a:solidFill>
+                <a:schemeClr val="lt1"/>
+              </a:solidFill>
+            </a:endParaRPr>
+          </a:p>
+          <a:p>
+            <a:pPr indent="0" lvl="0" marL="0" rtl="0" algn="l">
+              <a:spcBef>
+                <a:spcPts val="0"/>
+              </a:spcBef>
+              <a:spcAft>
+                <a:spcPts val="0"/>
+              </a:spcAft>
+              <a:buNone/>
+            </a:pPr>
+            <a:r>
+              <a:rPr lang="de">
+                <a:solidFill>
+                  <a:schemeClr val="lt1"/>
+                </a:solidFill>
+              </a:rPr>
+              <a:t>├── frontend/</a:t>
+            </a:r>
+            <a:endParaRPr>
+              <a:solidFill>
+                <a:schemeClr val="lt1"/>
+              </a:solidFill>
+            </a:endParaRPr>
+          </a:p>
+          <a:p>
+            <a:pPr indent="0" lvl="0" marL="0" rtl="0" algn="l">
+              <a:spcBef>
+                <a:spcPts val="0"/>
+              </a:spcBef>
+              <a:spcAft>
+                <a:spcPts val="0"/>
+              </a:spcAft>
+              <a:buNone/>
+            </a:pPr>
+            <a:r>
+              <a:rPr lang="de">
+                <a:solidFill>
+                  <a:schemeClr val="lt1"/>
+                </a:solidFill>
+              </a:rPr>
+              <a:t>│   ├── themes/&lt;APPNAME&gt;/</a:t>
+            </a:r>
+            <a:endParaRPr>
+              <a:solidFill>
+                <a:schemeClr val="lt1"/>
+              </a:solidFill>
+            </a:endParaRPr>
+          </a:p>
+          <a:p>
+            <a:pPr indent="0" lvl="0" marL="0" rtl="0" algn="l">
+              <a:spcBef>
+                <a:spcPts val="0"/>
+              </a:spcBef>
+              <a:spcAft>
+                <a:spcPts val="0"/>
+              </a:spcAft>
+              <a:buNone/>
+            </a:pPr>
+            <a:r>
+              <a:rPr lang="de">
+                <a:solidFill>
+                  <a:schemeClr val="lt1"/>
+                </a:solidFill>
+              </a:rPr>
+              <a:t>│   │   ├── styles.css</a:t>
+            </a:r>
+            <a:endParaRPr>
+              <a:solidFill>
+                <a:schemeClr val="lt1"/>
+              </a:solidFill>
+            </a:endParaRPr>
+          </a:p>
+          <a:p>
+            <a:pPr indent="0" lvl="0" marL="0" rtl="0" algn="l">
+              <a:spcBef>
+                <a:spcPts val="0"/>
+              </a:spcBef>
+              <a:spcAft>
+                <a:spcPts val="0"/>
+              </a:spcAft>
+              <a:buNone/>
+            </a:pPr>
+            <a:r>
+              <a:rPr lang="de">
+                <a:solidFill>
+                  <a:schemeClr val="lt1"/>
+                </a:solidFill>
+              </a:rPr>
+              <a:t>│   │   └── theme.json</a:t>
+            </a:r>
+            <a:endParaRPr>
+              <a:solidFill>
+                <a:schemeClr val="lt1"/>
+              </a:solidFill>
+            </a:endParaRPr>
+          </a:p>
+          <a:p>
+            <a:pPr indent="0" lvl="0" marL="0" rtl="0" algn="l">
+              <a:spcBef>
+                <a:spcPts val="0"/>
+              </a:spcBef>
+              <a:spcAft>
+                <a:spcPts val="0"/>
+              </a:spcAft>
+              <a:buNone/>
+            </a:pPr>
+            <a:r>
+              <a:rPr lang="de">
+                <a:solidFill>
+                  <a:schemeClr val="lt1"/>
+                </a:solidFill>
+              </a:rPr>
+              <a:t>│   └── index.html</a:t>
+            </a:r>
+            <a:endParaRPr>
+              <a:solidFill>
+                <a:schemeClr val="lt1"/>
+              </a:solidFill>
+            </a:endParaRPr>
+          </a:p>
+          <a:p>
+            <a:pPr indent="0" lvl="0" marL="0" rtl="0" algn="l">
+              <a:spcBef>
+                <a:spcPts val="0"/>
+              </a:spcBef>
+              <a:spcAft>
+                <a:spcPts val="0"/>
+              </a:spcAft>
+              <a:buNone/>
+            </a:pPr>
+            <a:r>
+              <a:rPr lang="de">
+                <a:solidFill>
+                  <a:schemeClr val="lt1"/>
+                </a:solidFill>
+              </a:rPr>
+              <a:t>├── src/main/</a:t>
+            </a:r>
+            <a:endParaRPr>
+              <a:solidFill>
+                <a:schemeClr val="lt1"/>
+              </a:solidFill>
+            </a:endParaRPr>
+          </a:p>
+          <a:p>
+            <a:pPr indent="0" lvl="0" marL="0" rtl="0" algn="l">
+              <a:spcBef>
+                <a:spcPts val="0"/>
+              </a:spcBef>
+              <a:spcAft>
+                <a:spcPts val="0"/>
+              </a:spcAft>
+              <a:buNone/>
+            </a:pPr>
+            <a:r>
+              <a:rPr lang="de">
+                <a:solidFill>
+                  <a:schemeClr val="lt1"/>
+                </a:solidFill>
+              </a:rPr>
+              <a:t>│   ├── main/</a:t>
+            </a:r>
+            <a:endParaRPr>
+              <a:solidFill>
+                <a:schemeClr val="lt1"/>
+              </a:solidFill>
+            </a:endParaRPr>
+          </a:p>
+          <a:p>
+            <a:pPr indent="0" lvl="0" marL="0" rtl="0" algn="l">
+              <a:spcBef>
+                <a:spcPts val="0"/>
+              </a:spcBef>
+              <a:spcAft>
+                <a:spcPts val="0"/>
+              </a:spcAft>
+              <a:buNone/>
+            </a:pPr>
+            <a:r>
+              <a:rPr lang="de">
+                <a:solidFill>
+                  <a:schemeClr val="lt1"/>
+                </a:solidFill>
+              </a:rPr>
+              <a:t>│   │   └── java/</a:t>
+            </a:r>
+            <a:endParaRPr>
+              <a:solidFill>
+                <a:schemeClr val="lt1"/>
+              </a:solidFill>
+            </a:endParaRPr>
+          </a:p>
+          <a:p>
+            <a:pPr indent="0" lvl="0" marL="0" rtl="0" algn="l">
+              <a:spcBef>
+                <a:spcPts val="0"/>
+              </a:spcBef>
+              <a:spcAft>
+                <a:spcPts val="0"/>
+              </a:spcAft>
+              <a:buNone/>
+            </a:pPr>
+            <a:r>
+              <a:rPr lang="de">
+                <a:solidFill>
+                  <a:schemeClr val="lt1"/>
+                </a:solidFill>
+              </a:rPr>
+              <a:t>│   │       └── dir/</a:t>
+            </a:r>
+            <a:endParaRPr>
+              <a:solidFill>
+                <a:schemeClr val="lt1"/>
+              </a:solidFill>
+            </a:endParaRPr>
+          </a:p>
+          <a:p>
+            <a:pPr indent="0" lvl="0" marL="0" rtl="0" algn="l">
+              <a:spcBef>
+                <a:spcPts val="0"/>
+              </a:spcBef>
+              <a:spcAft>
+                <a:spcPts val="0"/>
+              </a:spcAft>
+              <a:buNone/>
+            </a:pPr>
+            <a:r>
+              <a:rPr lang="de">
+                <a:solidFill>
+                  <a:schemeClr val="lt1"/>
+                </a:solidFill>
+              </a:rPr>
+              <a:t>│   │           ├── Application.java</a:t>
+            </a:r>
+            <a:endParaRPr>
+              <a:solidFill>
+                <a:schemeClr val="lt1"/>
+              </a:solidFill>
+            </a:endParaRPr>
+          </a:p>
+          <a:p>
+            <a:pPr indent="0" lvl="0" marL="0" rtl="0" algn="l">
+              <a:spcBef>
+                <a:spcPts val="0"/>
+              </a:spcBef>
+              <a:spcAft>
+                <a:spcPts val="0"/>
+              </a:spcAft>
+              <a:buNone/>
+            </a:pPr>
+            <a:r>
+              <a:rPr lang="de">
+                <a:solidFill>
+                  <a:schemeClr val="lt1"/>
+                </a:solidFill>
+              </a:rPr>
+              <a:t>│   │           └── views/</a:t>
+            </a:r>
+            <a:endParaRPr>
+              <a:solidFill>
+                <a:schemeClr val="lt1"/>
+              </a:solidFill>
+            </a:endParaRPr>
+          </a:p>
+          <a:p>
+            <a:pPr indent="0" lvl="0" marL="0" rtl="0" algn="l">
+              <a:spcBef>
+                <a:spcPts val="0"/>
+              </a:spcBef>
+              <a:spcAft>
+                <a:spcPts val="0"/>
+              </a:spcAft>
+              <a:buNone/>
+            </a:pPr>
+            <a:r>
+              <a:rPr lang="de">
+                <a:solidFill>
+                  <a:schemeClr val="lt1"/>
+                </a:solidFill>
+              </a:rPr>
+              <a:t>│   │               └── main/</a:t>
+            </a:r>
+            <a:endParaRPr>
+              <a:solidFill>
+                <a:schemeClr val="lt1"/>
+              </a:solidFill>
+            </a:endParaRPr>
+          </a:p>
+          <a:p>
+            <a:pPr indent="0" lvl="0" marL="0" rtl="0" algn="l">
+              <a:spcBef>
+                <a:spcPts val="0"/>
+              </a:spcBef>
+              <a:spcAft>
+                <a:spcPts val="0"/>
+              </a:spcAft>
+              <a:buNone/>
+            </a:pPr>
+            <a:r>
+              <a:rPr lang="de">
+                <a:solidFill>
+                  <a:schemeClr val="lt1"/>
+                </a:solidFill>
+              </a:rPr>
+              <a:t>│   │                   └── MainView.java</a:t>
+            </a:r>
+            <a:endParaRPr>
+              <a:solidFill>
+                <a:schemeClr val="lt1"/>
+              </a:solidFill>
+            </a:endParaRPr>
+          </a:p>
+          <a:p>
+            <a:pPr indent="0" lvl="0" marL="0" rtl="0" algn="l">
+              <a:spcBef>
+                <a:spcPts val="0"/>
+              </a:spcBef>
+              <a:spcAft>
+                <a:spcPts val="0"/>
+              </a:spcAft>
+              <a:buNone/>
+            </a:pPr>
+            <a:r>
+              <a:rPr lang="de">
+                <a:solidFill>
+                  <a:schemeClr val="lt1"/>
+                </a:solidFill>
+              </a:rPr>
+              <a:t>│   └── resources/</a:t>
+            </a:r>
+            <a:endParaRPr>
+              <a:solidFill>
+                <a:schemeClr val="lt1"/>
+              </a:solidFill>
+            </a:endParaRPr>
+          </a:p>
+          <a:p>
+            <a:pPr indent="0" lvl="0" marL="0" rtl="0" algn="l">
+              <a:spcBef>
+                <a:spcPts val="0"/>
+              </a:spcBef>
+              <a:spcAft>
+                <a:spcPts val="0"/>
+              </a:spcAft>
+              <a:buNone/>
+            </a:pPr>
+            <a:r>
+              <a:rPr lang="de">
+                <a:solidFill>
+                  <a:schemeClr val="lt1"/>
+                </a:solidFill>
+              </a:rPr>
+              <a:t>└── pom.xml</a:t>
+            </a:r>
+            <a:endParaRPr>
+              <a:solidFill>
+                <a:schemeClr val="lt1"/>
+              </a:solidFill>
+            </a:endParaRPr>
+          </a:p>
+        </p:txBody>
+      </p:sp>
+      <p:sp>
+        <p:nvSpPr>
+          <p:cNvPr id="356" name="Google Shape;356;p36"/>
+          <p:cNvSpPr txBox="1"/>
+          <p:nvPr>
+            <p:ph idx="12" type="sldNum"/>
+          </p:nvPr>
+        </p:nvSpPr>
+        <p:spPr>
+          <a:xfrm>
+            <a:off x="8472458" y="4663217"/>
+            <a:ext cx="548700" cy="393600"/>
+          </a:xfrm>
+          <a:prstGeom prst="rect">
+            <a:avLst/>
+          </a:prstGeom>
+        </p:spPr>
+        <p:txBody>
+          <a:bodyPr anchorCtr="0" anchor="ctr" bIns="91425" lIns="91425" spcFirstLastPara="1" rIns="91425" wrap="square" tIns="91425">
+            <a:normAutofit/>
+          </a:bodyPr>
+          <a:lstStyle/>
+          <a:p>
+            <a:pPr indent="0" lvl="0" marL="0" rtl="0" algn="r">
+              <a:spcBef>
+                <a:spcPts val="0"/>
+              </a:spcBef>
+              <a:spcAft>
+                <a:spcPts val="0"/>
+              </a:spcAft>
+              <a:buNone/>
+            </a:pPr>
+            <a:fld id="{00000000-1234-1234-1234-123412341234}" type="slidenum">
+              <a:rPr lang="de"/>
+              <a:t>‹#›</a:t>
+            </a:fld>
+            <a:endParaRPr/>
+          </a:p>
+        </p:txBody>
+      </p:sp>
+    </p:spTree>
+  </p:cSld>
+  <p:clrMapOvr>
+    <a:masterClrMapping/>
+  </p:clrMapOvr>
+</p:sld>
+</file>
+
+<file path=ppt/slides/slide21.xml><?xml version="1.0" encoding="utf-8"?>
+<p:sld xmlns:a="http://schemas.openxmlformats.org/drawingml/2006/main" xmlns:r="http://schemas.openxmlformats.org/officeDocument/2006/relationships" xmlns:mc="http://schemas.openxmlformats.org/markup-compatibility/2006" xmlns:mv="urn:schemas-microsoft-com:mac:vml" xmlns:p="http://schemas.openxmlformats.org/presentationml/2006/main" xmlns:c="http://schemas.openxmlformats.org/drawingml/2006/chart" xmlns:dgm="http://schemas.openxmlformats.org/drawingml/2006/diagram" xmlns:o="urn:schemas-microsoft-com:office:office" xmlns:v="urn:schemas-microsoft-com:vml" xmlns:pvml="urn:schemas-microsoft-com:office:powerpoint" xmlns:com="http://schemas.openxmlformats.org/drawingml/2006/compatibility" xmlns:p14="http://schemas.microsoft.com/office/powerpoint/2010/main" xmlns:p15="http://schemas.microsoft.com/office/powerpoint/2012/main" xmlns:ahyp="http://schemas.microsoft.com/office/drawing/2018/hyperlinkcolor">
+  <p:cSld>
+    <p:spTree>
+      <p:nvGrpSpPr>
+        <p:cNvPr id="360" name="Shape 360"/>
+        <p:cNvGrpSpPr/>
+        <p:nvPr/>
+      </p:nvGrpSpPr>
+      <p:grpSpPr>
+        <a:xfrm>
+          <a:off x="0" y="0"/>
+          <a:ext cx="0" cy="0"/>
+          <a:chOff x="0" y="0"/>
+          <a:chExt cx="0" cy="0"/>
+        </a:xfrm>
+      </p:grpSpPr>
+      <p:sp>
+        <p:nvSpPr>
+          <p:cNvPr id="361" name="Google Shape;361;p37"/>
+          <p:cNvSpPr txBox="1"/>
+          <p:nvPr>
+            <p:ph type="title"/>
+          </p:nvPr>
+        </p:nvSpPr>
+        <p:spPr>
+          <a:xfrm>
+            <a:off x="1297500" y="393750"/>
+            <a:ext cx="7038900" cy="914100"/>
+          </a:xfrm>
+          <a:prstGeom prst="rect">
+            <a:avLst/>
+          </a:prstGeom>
+        </p:spPr>
+        <p:txBody>
+          <a:bodyPr anchorCtr="0" anchor="t" bIns="91425" lIns="91425" spcFirstLastPara="1" rIns="91425" wrap="square" tIns="91425">
+            <a:normAutofit/>
+          </a:bodyPr>
+          <a:lstStyle/>
+          <a:p>
+            <a:pPr indent="0" lvl="0" marL="0" rtl="0" algn="l">
+              <a:spcBef>
+                <a:spcPts val="0"/>
+              </a:spcBef>
+              <a:spcAft>
+                <a:spcPts val="0"/>
+              </a:spcAft>
+              <a:buNone/>
+            </a:pPr>
+            <a:r>
+              <a:rPr lang="de"/>
+              <a:t>Starten eines Projektes</a:t>
+            </a:r>
+            <a:endParaRPr/>
+          </a:p>
+        </p:txBody>
+      </p:sp>
+      <p:sp>
+        <p:nvSpPr>
+          <p:cNvPr id="362" name="Google Shape;362;p37"/>
+          <p:cNvSpPr txBox="1"/>
+          <p:nvPr>
+            <p:ph idx="1" type="body"/>
+          </p:nvPr>
+        </p:nvSpPr>
+        <p:spPr>
+          <a:xfrm>
+            <a:off x="1297500" y="1567550"/>
+            <a:ext cx="7038900" cy="2911200"/>
+          </a:xfrm>
+          <a:prstGeom prst="rect">
+            <a:avLst/>
+          </a:prstGeom>
+        </p:spPr>
+        <p:txBody>
+          <a:bodyPr anchorCtr="0" anchor="t" bIns="91425" lIns="91425" spcFirstLastPara="1" rIns="91425" wrap="square" tIns="91425">
+            <a:normAutofit/>
+          </a:bodyPr>
+          <a:lstStyle/>
+          <a:p>
+            <a:pPr indent="-311150" lvl="0" marL="457200" rtl="0" algn="l">
+              <a:spcBef>
+                <a:spcPts val="0"/>
+              </a:spcBef>
+              <a:spcAft>
+                <a:spcPts val="0"/>
+              </a:spcAft>
+              <a:buSzPts val="1300"/>
+              <a:buChar char="-"/>
+            </a:pPr>
+            <a:r>
+              <a:rPr lang="de" u="sng">
+                <a:solidFill>
+                  <a:schemeClr val="hlink"/>
+                </a:solidFill>
+                <a:hlinkClick r:id="rId3"/>
+              </a:rPr>
+              <a:t>https://start.vaadin.com/app/p</a:t>
+            </a:r>
+            <a:r>
+              <a:rPr lang="de"/>
+              <a:t> </a:t>
+            </a:r>
+            <a:endParaRPr/>
+          </a:p>
+        </p:txBody>
+      </p:sp>
+      <p:sp>
+        <p:nvSpPr>
+          <p:cNvPr id="363" name="Google Shape;363;p37"/>
+          <p:cNvSpPr txBox="1"/>
+          <p:nvPr>
+            <p:ph idx="12" type="sldNum"/>
+          </p:nvPr>
+        </p:nvSpPr>
+        <p:spPr>
+          <a:xfrm>
+            <a:off x="8472458" y="4663217"/>
+            <a:ext cx="548700" cy="393600"/>
+          </a:xfrm>
+          <a:prstGeom prst="rect">
+            <a:avLst/>
+          </a:prstGeom>
+        </p:spPr>
+        <p:txBody>
+          <a:bodyPr anchorCtr="0" anchor="ctr" bIns="91425" lIns="91425" spcFirstLastPara="1" rIns="91425" wrap="square" tIns="91425">
+            <a:normAutofit/>
+          </a:bodyPr>
+          <a:lstStyle/>
+          <a:p>
+            <a:pPr indent="0" lvl="0" marL="0" rtl="0" algn="r">
+              <a:spcBef>
+                <a:spcPts val="0"/>
+              </a:spcBef>
+              <a:spcAft>
+                <a:spcPts val="0"/>
+              </a:spcAft>
+              <a:buNone/>
+            </a:pPr>
+            <a:fld id="{00000000-1234-1234-1234-123412341234}" type="slidenum">
+              <a:rPr lang="de"/>
+              <a:t>‹#›</a:t>
+            </a:fld>
+            <a:endParaRPr/>
+          </a:p>
+        </p:txBody>
+      </p:sp>
+    </p:spTree>
+  </p:cSld>
+  <p:clrMapOvr>
+    <a:masterClrMapping/>
+  </p:clrMapOvr>
+</p:sld>
+</file>
+
+<file path=ppt/slides/slide22.xml><?xml version="1.0" encoding="utf-8"?>
+<p:sld xmlns:a="http://schemas.openxmlformats.org/drawingml/2006/main" xmlns:r="http://schemas.openxmlformats.org/officeDocument/2006/relationships" xmlns:mc="http://schemas.openxmlformats.org/markup-compatibility/2006" xmlns:mv="urn:schemas-microsoft-com:mac:vml" xmlns:p="http://schemas.openxmlformats.org/presentationml/2006/main" xmlns:c="http://schemas.openxmlformats.org/drawingml/2006/chart" xmlns:dgm="http://schemas.openxmlformats.org/drawingml/2006/diagram" xmlns:o="urn:schemas-microsoft-com:office:office" xmlns:v="urn:schemas-microsoft-com:vml" xmlns:pvml="urn:schemas-microsoft-com:office:powerpoint" xmlns:com="http://schemas.openxmlformats.org/drawingml/2006/compatibility" xmlns:p14="http://schemas.microsoft.com/office/powerpoint/2010/main" xmlns:p15="http://schemas.microsoft.com/office/powerpoint/2012/main" xmlns:ahyp="http://schemas.microsoft.com/office/drawing/2018/hyperlinkcolor">
+  <p:cSld>
+    <p:spTree>
+      <p:nvGrpSpPr>
+        <p:cNvPr id="367" name="Shape 367"/>
+        <p:cNvGrpSpPr/>
+        <p:nvPr/>
+      </p:nvGrpSpPr>
+      <p:grpSpPr>
+        <a:xfrm>
+          <a:off x="0" y="0"/>
+          <a:ext cx="0" cy="0"/>
+          <a:chOff x="0" y="0"/>
+          <a:chExt cx="0" cy="0"/>
+        </a:xfrm>
+      </p:grpSpPr>
+      <p:sp>
+        <p:nvSpPr>
+          <p:cNvPr id="368" name="Google Shape;368;p38"/>
+          <p:cNvSpPr txBox="1"/>
+          <p:nvPr>
+            <p:ph type="title"/>
+          </p:nvPr>
+        </p:nvSpPr>
+        <p:spPr>
+          <a:xfrm>
+            <a:off x="1297500" y="393750"/>
+            <a:ext cx="7038900" cy="914100"/>
+          </a:xfrm>
+          <a:prstGeom prst="rect">
+            <a:avLst/>
+          </a:prstGeom>
+        </p:spPr>
+        <p:txBody>
+          <a:bodyPr anchorCtr="0" anchor="t" bIns="91425" lIns="91425" spcFirstLastPara="1" rIns="91425" wrap="square" tIns="91425">
+            <a:normAutofit/>
+          </a:bodyPr>
+          <a:lstStyle/>
+          <a:p>
+            <a:pPr indent="0" lvl="0" marL="0" rtl="0" algn="l">
+              <a:spcBef>
+                <a:spcPts val="0"/>
+              </a:spcBef>
+              <a:spcAft>
+                <a:spcPts val="0"/>
+              </a:spcAft>
+              <a:buNone/>
+            </a:pPr>
+            <a:r>
+              <a:rPr lang="de"/>
+              <a:t>Quellen</a:t>
+            </a:r>
+            <a:endParaRPr/>
+          </a:p>
+        </p:txBody>
+      </p:sp>
+      <p:sp>
+        <p:nvSpPr>
+          <p:cNvPr id="369" name="Google Shape;369;p38"/>
+          <p:cNvSpPr txBox="1"/>
+          <p:nvPr>
+            <p:ph idx="1" type="body"/>
+          </p:nvPr>
+        </p:nvSpPr>
+        <p:spPr>
+          <a:xfrm>
+            <a:off x="1297500" y="1567550"/>
+            <a:ext cx="7038900" cy="2911200"/>
+          </a:xfrm>
+          <a:prstGeom prst="rect">
+            <a:avLst/>
+          </a:prstGeom>
+        </p:spPr>
+        <p:txBody>
+          <a:bodyPr anchorCtr="0" anchor="t" bIns="91425" lIns="91425" spcFirstLastPara="1" rIns="91425" wrap="square" tIns="91425">
+            <a:normAutofit/>
+          </a:bodyPr>
+          <a:lstStyle/>
+          <a:p>
+            <a:pPr indent="-311150" lvl="0" marL="457200" rtl="0" algn="l">
+              <a:spcBef>
+                <a:spcPts val="0"/>
+              </a:spcBef>
+              <a:spcAft>
+                <a:spcPts val="0"/>
+              </a:spcAft>
+              <a:buSzPts val="1300"/>
+              <a:buChar char="-"/>
+            </a:pPr>
+            <a:r>
+              <a:rPr lang="de" u="sng">
+                <a:solidFill>
+                  <a:schemeClr val="hlink"/>
+                </a:solidFill>
+                <a:hlinkClick r:id="rId3"/>
+              </a:rPr>
+              <a:t>https://vaadin.com/</a:t>
+            </a:r>
+            <a:endParaRPr/>
+          </a:p>
+          <a:p>
+            <a:pPr indent="-311150" lvl="0" marL="457200" rtl="0" algn="l">
+              <a:spcBef>
+                <a:spcPts val="0"/>
+              </a:spcBef>
+              <a:spcAft>
+                <a:spcPts val="0"/>
+              </a:spcAft>
+              <a:buSzPts val="1300"/>
+              <a:buChar char="-"/>
+            </a:pPr>
+            <a:r>
+              <a:rPr lang="de" u="sng">
+                <a:solidFill>
+                  <a:schemeClr val="hlink"/>
+                </a:solidFill>
+                <a:hlinkClick r:id="rId4"/>
+              </a:rPr>
+              <a:t>https://hilla.dev/</a:t>
+            </a:r>
+            <a:r>
+              <a:rPr lang="de"/>
+              <a:t> </a:t>
+            </a:r>
+            <a:endParaRPr/>
+          </a:p>
+          <a:p>
+            <a:pPr indent="-311150" lvl="0" marL="457200" rtl="0" algn="l">
+              <a:spcBef>
+                <a:spcPts val="0"/>
+              </a:spcBef>
+              <a:spcAft>
+                <a:spcPts val="0"/>
+              </a:spcAft>
+              <a:buSzPts val="1300"/>
+              <a:buChar char="-"/>
+            </a:pPr>
+            <a:r>
+              <a:rPr lang="de" u="sng">
+                <a:solidFill>
+                  <a:schemeClr val="hlink"/>
+                </a:solidFill>
+                <a:hlinkClick r:id="rId5"/>
+              </a:rPr>
+              <a:t>https://en.wikipedia.org/wiki/Vaadin</a:t>
+            </a:r>
+            <a:r>
+              <a:rPr lang="de"/>
+              <a:t> </a:t>
+            </a:r>
+            <a:endParaRPr/>
+          </a:p>
+          <a:p>
+            <a:pPr indent="0" lvl="0" marL="0" rtl="0" algn="l">
+              <a:spcBef>
+                <a:spcPts val="1200"/>
+              </a:spcBef>
+              <a:spcAft>
+                <a:spcPts val="0"/>
+              </a:spcAft>
+              <a:buNone/>
+            </a:pPr>
+            <a:r>
+              <a:rPr lang="de"/>
+              <a:t>Images:</a:t>
+            </a:r>
+            <a:endParaRPr/>
+          </a:p>
+          <a:p>
+            <a:pPr indent="-311150" lvl="0" marL="457200" rtl="0" algn="l">
+              <a:spcBef>
+                <a:spcPts val="1200"/>
+              </a:spcBef>
+              <a:spcAft>
+                <a:spcPts val="0"/>
+              </a:spcAft>
+              <a:buSzPts val="1300"/>
+              <a:buChar char="-"/>
+            </a:pPr>
+            <a:r>
+              <a:rPr lang="de" u="sng">
+                <a:solidFill>
+                  <a:schemeClr val="hlink"/>
+                </a:solidFill>
+                <a:hlinkClick r:id="rId6"/>
+              </a:rPr>
+              <a:t>React</a:t>
+            </a:r>
+            <a:endParaRPr/>
+          </a:p>
+          <a:p>
+            <a:pPr indent="-311150" lvl="0" marL="457200" rtl="0" algn="l">
+              <a:spcBef>
+                <a:spcPts val="0"/>
+              </a:spcBef>
+              <a:spcAft>
+                <a:spcPts val="0"/>
+              </a:spcAft>
+              <a:buSzPts val="1300"/>
+              <a:buChar char="-"/>
+            </a:pPr>
+            <a:r>
+              <a:rPr lang="de" u="sng">
+                <a:solidFill>
+                  <a:schemeClr val="hlink"/>
+                </a:solidFill>
+                <a:hlinkClick r:id="rId7"/>
+              </a:rPr>
+              <a:t>Angular</a:t>
+            </a:r>
+            <a:endParaRPr/>
+          </a:p>
+          <a:p>
+            <a:pPr indent="-311150" lvl="0" marL="457200" rtl="0" algn="l">
+              <a:spcBef>
+                <a:spcPts val="0"/>
+              </a:spcBef>
+              <a:spcAft>
+                <a:spcPts val="0"/>
+              </a:spcAft>
+              <a:buSzPts val="1300"/>
+              <a:buChar char="-"/>
+            </a:pPr>
+            <a:r>
+              <a:rPr lang="de" u="sng">
+                <a:solidFill>
+                  <a:schemeClr val="hlink"/>
+                </a:solidFill>
+                <a:hlinkClick r:id="rId8"/>
+              </a:rPr>
+              <a:t>Svelte</a:t>
+            </a:r>
+            <a:endParaRPr/>
+          </a:p>
+          <a:p>
+            <a:pPr indent="-311150" lvl="0" marL="457200" rtl="0" algn="l">
+              <a:spcBef>
+                <a:spcPts val="0"/>
+              </a:spcBef>
+              <a:spcAft>
+                <a:spcPts val="0"/>
+              </a:spcAft>
+              <a:buSzPts val="1300"/>
+              <a:buChar char="-"/>
+            </a:pPr>
+            <a:r>
+              <a:rPr lang="de" u="sng">
+                <a:solidFill>
+                  <a:schemeClr val="hlink"/>
+                </a:solidFill>
+                <a:hlinkClick r:id="rId9"/>
+              </a:rPr>
+              <a:t>RubyOnRails</a:t>
+            </a:r>
+            <a:endParaRPr/>
+          </a:p>
+          <a:p>
+            <a:pPr indent="-311150" lvl="0" marL="457200" rtl="0" algn="l">
+              <a:spcBef>
+                <a:spcPts val="0"/>
+              </a:spcBef>
+              <a:spcAft>
+                <a:spcPts val="0"/>
+              </a:spcAft>
+              <a:buSzPts val="1300"/>
+              <a:buChar char="-"/>
+            </a:pPr>
+            <a:r>
+              <a:rPr lang="de" u="sng">
+                <a:solidFill>
+                  <a:schemeClr val="hlink"/>
+                </a:solidFill>
+                <a:hlinkClick r:id="rId10"/>
+              </a:rPr>
+              <a:t>Django</a:t>
+            </a:r>
+            <a:endParaRPr/>
+          </a:p>
+          <a:p>
+            <a:pPr indent="0" lvl="0" marL="457200" rtl="0" algn="l">
+              <a:spcBef>
+                <a:spcPts val="1200"/>
+              </a:spcBef>
+              <a:spcAft>
+                <a:spcPts val="1200"/>
+              </a:spcAft>
+              <a:buNone/>
+            </a:pPr>
+            <a:r>
+              <a:t/>
+            </a:r>
+            <a:endParaRPr/>
+          </a:p>
+        </p:txBody>
+      </p:sp>
+      <p:sp>
+        <p:nvSpPr>
+          <p:cNvPr id="370" name="Google Shape;370;p38"/>
           <p:cNvSpPr txBox="1"/>
           <p:nvPr>
             <p:ph idx="12" type="sldNum"/>
@@ -17965,6 +18879,1321 @@
           <p:cNvPr id="209" name="Google Shape;209;p19"/>
           <p:cNvSpPr txBox="1"/>
           <p:nvPr>
+            <p:ph idx="12" type="sldNum"/>
+          </p:nvPr>
+        </p:nvSpPr>
+        <p:spPr>
+          <a:xfrm>
+            <a:off x="8472458" y="4663217"/>
+            <a:ext cx="548700" cy="393600"/>
+          </a:xfrm>
+          <a:prstGeom prst="rect">
+            <a:avLst/>
+          </a:prstGeom>
+        </p:spPr>
+        <p:txBody>
+          <a:bodyPr anchorCtr="0" anchor="ctr" bIns="91425" lIns="91425" spcFirstLastPara="1" rIns="91425" wrap="square" tIns="91425">
+            <a:normAutofit/>
+          </a:bodyPr>
+          <a:lstStyle/>
+          <a:p>
+            <a:pPr indent="0" lvl="0" marL="0" rtl="0" algn="r">
+              <a:spcBef>
+                <a:spcPts val="0"/>
+              </a:spcBef>
+              <a:spcAft>
+                <a:spcPts val="0"/>
+              </a:spcAft>
+              <a:buNone/>
+            </a:pPr>
+            <a:fld id="{00000000-1234-1234-1234-123412341234}" type="slidenum">
+              <a:rPr lang="de"/>
+              <a:t>‹#›</a:t>
+            </a:fld>
+            <a:endParaRPr/>
+          </a:p>
+        </p:txBody>
+      </p:sp>
+      <p:sp>
+        <p:nvSpPr>
+          <p:cNvPr id="210" name="Google Shape;210;p19"/>
+          <p:cNvSpPr/>
+          <p:nvPr/>
+        </p:nvSpPr>
+        <p:spPr>
+          <a:xfrm>
+            <a:off x="1185850" y="1706800"/>
+            <a:ext cx="2255100" cy="1789200"/>
+          </a:xfrm>
+          <a:prstGeom prst="rect">
+            <a:avLst/>
+          </a:prstGeom>
+          <a:solidFill>
+            <a:schemeClr val="dk2"/>
+          </a:solidFill>
+          <a:ln cap="flat" cmpd="sng" w="28575">
+            <a:solidFill>
+              <a:srgbClr val="9E9E9E"/>
+            </a:solidFill>
+            <a:prstDash val="solid"/>
+            <a:round/>
+            <a:headEnd len="sm" w="sm" type="none"/>
+            <a:tailEnd len="sm" w="sm" type="none"/>
+          </a:ln>
+        </p:spPr>
+        <p:txBody>
+          <a:bodyPr anchorCtr="0" anchor="ctr" bIns="91425" lIns="91425" spcFirstLastPara="1" rIns="91425" wrap="square" tIns="91425">
+            <a:noAutofit/>
+          </a:bodyPr>
+          <a:lstStyle/>
+          <a:p>
+            <a:pPr indent="0" lvl="0" marL="0" rtl="0" algn="ctr">
+              <a:spcBef>
+                <a:spcPts val="0"/>
+              </a:spcBef>
+              <a:spcAft>
+                <a:spcPts val="0"/>
+              </a:spcAft>
+              <a:buNone/>
+            </a:pPr>
+            <a:r>
+              <a:rPr lang="de">
+                <a:latin typeface="Lato"/>
+                <a:ea typeface="Lato"/>
+                <a:cs typeface="Lato"/>
+                <a:sym typeface="Lato"/>
+              </a:rPr>
+              <a:t>Frontend</a:t>
+            </a:r>
+            <a:endParaRPr>
+              <a:latin typeface="Lato"/>
+              <a:ea typeface="Lato"/>
+              <a:cs typeface="Lato"/>
+              <a:sym typeface="Lato"/>
+            </a:endParaRPr>
+          </a:p>
+        </p:txBody>
+      </p:sp>
+      <p:sp>
+        <p:nvSpPr>
+          <p:cNvPr id="211" name="Google Shape;211;p19"/>
+          <p:cNvSpPr/>
+          <p:nvPr/>
+        </p:nvSpPr>
+        <p:spPr>
+          <a:xfrm>
+            <a:off x="4277263" y="1730700"/>
+            <a:ext cx="2255100" cy="1789200"/>
+          </a:xfrm>
+          <a:prstGeom prst="rect">
+            <a:avLst/>
+          </a:prstGeom>
+          <a:solidFill>
+            <a:schemeClr val="dk2"/>
+          </a:solidFill>
+          <a:ln cap="flat" cmpd="sng" w="28575">
+            <a:solidFill>
+              <a:srgbClr val="999999"/>
+            </a:solidFill>
+            <a:prstDash val="solid"/>
+            <a:round/>
+            <a:headEnd len="sm" w="sm" type="none"/>
+            <a:tailEnd len="sm" w="sm" type="none"/>
+          </a:ln>
+        </p:spPr>
+        <p:txBody>
+          <a:bodyPr anchorCtr="0" anchor="ctr" bIns="91425" lIns="91425" spcFirstLastPara="1" rIns="91425" wrap="square" tIns="91425">
+            <a:noAutofit/>
+          </a:bodyPr>
+          <a:lstStyle/>
+          <a:p>
+            <a:pPr indent="0" lvl="0" marL="0" rtl="0" algn="ctr">
+              <a:spcBef>
+                <a:spcPts val="0"/>
+              </a:spcBef>
+              <a:spcAft>
+                <a:spcPts val="0"/>
+              </a:spcAft>
+              <a:buNone/>
+            </a:pPr>
+            <a:r>
+              <a:rPr lang="de">
+                <a:latin typeface="Lato"/>
+                <a:ea typeface="Lato"/>
+                <a:cs typeface="Lato"/>
+                <a:sym typeface="Lato"/>
+              </a:rPr>
+              <a:t>Backend</a:t>
+            </a:r>
+            <a:endParaRPr>
+              <a:latin typeface="Lato"/>
+              <a:ea typeface="Lato"/>
+              <a:cs typeface="Lato"/>
+              <a:sym typeface="Lato"/>
+            </a:endParaRPr>
+          </a:p>
+        </p:txBody>
+      </p:sp>
+      <p:sp>
+        <p:nvSpPr>
+          <p:cNvPr id="212" name="Google Shape;212;p19"/>
+          <p:cNvSpPr/>
+          <p:nvPr/>
+        </p:nvSpPr>
+        <p:spPr>
+          <a:xfrm>
+            <a:off x="7368675" y="1795900"/>
+            <a:ext cx="1151550" cy="1658800"/>
+          </a:xfrm>
+          <a:prstGeom prst="flowChartMagneticDisk">
+            <a:avLst/>
+          </a:prstGeom>
+          <a:solidFill>
+            <a:schemeClr val="dk2"/>
+          </a:solidFill>
+          <a:ln cap="flat" cmpd="sng" w="28575">
+            <a:solidFill>
+              <a:srgbClr val="9E9E9E"/>
+            </a:solidFill>
+            <a:prstDash val="solid"/>
+            <a:round/>
+            <a:headEnd len="sm" w="sm" type="none"/>
+            <a:tailEnd len="sm" w="sm" type="none"/>
+          </a:ln>
+        </p:spPr>
+        <p:txBody>
+          <a:bodyPr anchorCtr="0" anchor="ctr" bIns="91425" lIns="91425" spcFirstLastPara="1" rIns="91425" wrap="square" tIns="91425">
+            <a:noAutofit/>
+          </a:bodyPr>
+          <a:lstStyle/>
+          <a:p>
+            <a:pPr indent="0" lvl="0" marL="0" rtl="0" algn="ctr">
+              <a:spcBef>
+                <a:spcPts val="0"/>
+              </a:spcBef>
+              <a:spcAft>
+                <a:spcPts val="0"/>
+              </a:spcAft>
+              <a:buNone/>
+            </a:pPr>
+            <a:r>
+              <a:rPr lang="de">
+                <a:latin typeface="Lato"/>
+                <a:ea typeface="Lato"/>
+                <a:cs typeface="Lato"/>
+                <a:sym typeface="Lato"/>
+              </a:rPr>
+              <a:t>Datenbank</a:t>
+            </a:r>
+            <a:endParaRPr>
+              <a:latin typeface="Lato"/>
+              <a:ea typeface="Lato"/>
+              <a:cs typeface="Lato"/>
+              <a:sym typeface="Lato"/>
+            </a:endParaRPr>
+          </a:p>
+        </p:txBody>
+      </p:sp>
+      <p:cxnSp>
+        <p:nvCxnSpPr>
+          <p:cNvPr id="213" name="Google Shape;213;p19"/>
+          <p:cNvCxnSpPr/>
+          <p:nvPr/>
+        </p:nvCxnSpPr>
+        <p:spPr>
+          <a:xfrm flipH="1" rot="10800000">
+            <a:off x="6779175" y="2405900"/>
+            <a:ext cx="384000" cy="6900"/>
+          </a:xfrm>
+          <a:prstGeom prst="straightConnector1">
+            <a:avLst/>
+          </a:prstGeom>
+          <a:noFill/>
+          <a:ln cap="flat" cmpd="sng" w="9525">
+            <a:solidFill>
+              <a:schemeClr val="dk2"/>
+            </a:solidFill>
+            <a:prstDash val="solid"/>
+            <a:round/>
+            <a:headEnd len="med" w="med" type="none"/>
+            <a:tailEnd len="med" w="med" type="triangle"/>
+          </a:ln>
+        </p:spPr>
+      </p:cxnSp>
+      <p:cxnSp>
+        <p:nvCxnSpPr>
+          <p:cNvPr id="214" name="Google Shape;214;p19"/>
+          <p:cNvCxnSpPr/>
+          <p:nvPr/>
+        </p:nvCxnSpPr>
+        <p:spPr>
+          <a:xfrm rot="10800000">
+            <a:off x="6758525" y="2872025"/>
+            <a:ext cx="384000" cy="6900"/>
+          </a:xfrm>
+          <a:prstGeom prst="straightConnector1">
+            <a:avLst/>
+          </a:prstGeom>
+          <a:noFill/>
+          <a:ln cap="flat" cmpd="sng" w="9525">
+            <a:solidFill>
+              <a:schemeClr val="dk2"/>
+            </a:solidFill>
+            <a:prstDash val="solid"/>
+            <a:round/>
+            <a:headEnd len="med" w="med" type="none"/>
+            <a:tailEnd len="med" w="med" type="triangle"/>
+          </a:ln>
+        </p:spPr>
+      </p:cxnSp>
+      <p:cxnSp>
+        <p:nvCxnSpPr>
+          <p:cNvPr id="215" name="Google Shape;215;p19"/>
+          <p:cNvCxnSpPr/>
+          <p:nvPr/>
+        </p:nvCxnSpPr>
+        <p:spPr>
+          <a:xfrm>
+            <a:off x="3845463" y="644325"/>
+            <a:ext cx="27300" cy="4236000"/>
+          </a:xfrm>
+          <a:prstGeom prst="straightConnector1">
+            <a:avLst/>
+          </a:prstGeom>
+          <a:noFill/>
+          <a:ln cap="flat" cmpd="sng" w="9525">
+            <a:solidFill>
+              <a:schemeClr val="dk2"/>
+            </a:solidFill>
+            <a:prstDash val="solid"/>
+            <a:round/>
+            <a:headEnd len="med" w="med" type="none"/>
+            <a:tailEnd len="med" w="med" type="none"/>
+          </a:ln>
+        </p:spPr>
+      </p:cxnSp>
+      <p:cxnSp>
+        <p:nvCxnSpPr>
+          <p:cNvPr id="216" name="Google Shape;216;p19"/>
+          <p:cNvCxnSpPr/>
+          <p:nvPr/>
+        </p:nvCxnSpPr>
+        <p:spPr>
+          <a:xfrm flipH="1">
+            <a:off x="3914050" y="897950"/>
+            <a:ext cx="397500" cy="1206300"/>
+          </a:xfrm>
+          <a:prstGeom prst="straightConnector1">
+            <a:avLst/>
+          </a:prstGeom>
+          <a:noFill/>
+          <a:ln cap="flat" cmpd="sng" w="9525">
+            <a:solidFill>
+              <a:schemeClr val="dk2"/>
+            </a:solidFill>
+            <a:prstDash val="solid"/>
+            <a:round/>
+            <a:headEnd len="med" w="med" type="none"/>
+            <a:tailEnd len="med" w="med" type="triangle"/>
+          </a:ln>
+        </p:spPr>
+      </p:cxnSp>
+      <p:sp>
+        <p:nvSpPr>
+          <p:cNvPr id="217" name="Google Shape;217;p19"/>
+          <p:cNvSpPr txBox="1"/>
+          <p:nvPr/>
+        </p:nvSpPr>
+        <p:spPr>
+          <a:xfrm>
+            <a:off x="4242975" y="562075"/>
+            <a:ext cx="1610700" cy="500400"/>
+          </a:xfrm>
+          <a:prstGeom prst="rect">
+            <a:avLst/>
+          </a:prstGeom>
+          <a:noFill/>
+          <a:ln>
+            <a:noFill/>
+          </a:ln>
+        </p:spPr>
+        <p:txBody>
+          <a:bodyPr anchorCtr="0" anchor="t" bIns="91425" lIns="91425" spcFirstLastPara="1" rIns="91425" wrap="square" tIns="91425">
+            <a:noAutofit/>
+          </a:bodyPr>
+          <a:lstStyle/>
+          <a:p>
+            <a:pPr indent="0" lvl="0" marL="0" rtl="0" algn="l">
+              <a:spcBef>
+                <a:spcPts val="0"/>
+              </a:spcBef>
+              <a:spcAft>
+                <a:spcPts val="0"/>
+              </a:spcAft>
+              <a:buNone/>
+            </a:pPr>
+            <a:r>
+              <a:rPr lang="de" sz="1300">
+                <a:solidFill>
+                  <a:schemeClr val="lt1"/>
+                </a:solidFill>
+                <a:latin typeface="Lato"/>
+                <a:ea typeface="Lato"/>
+                <a:cs typeface="Lato"/>
+                <a:sym typeface="Lato"/>
+              </a:rPr>
+              <a:t>API</a:t>
+            </a:r>
+            <a:endParaRPr sz="1300">
+              <a:solidFill>
+                <a:schemeClr val="lt1"/>
+              </a:solidFill>
+              <a:latin typeface="Lato"/>
+              <a:ea typeface="Lato"/>
+              <a:cs typeface="Lato"/>
+              <a:sym typeface="Lato"/>
+            </a:endParaRPr>
+          </a:p>
+        </p:txBody>
+      </p:sp>
+      <p:pic>
+        <p:nvPicPr>
+          <p:cNvPr id="218" name="Google Shape;218;p19"/>
+          <p:cNvPicPr preferRelativeResize="0"/>
+          <p:nvPr/>
+        </p:nvPicPr>
+        <p:blipFill>
+          <a:blip r:embed="rId3">
+            <a:alphaModFix/>
+          </a:blip>
+          <a:stretch>
+            <a:fillRect/>
+          </a:stretch>
+        </p:blipFill>
+        <p:spPr>
+          <a:xfrm>
+            <a:off x="325925" y="3402925"/>
+            <a:ext cx="743375" cy="646425"/>
+          </a:xfrm>
+          <a:prstGeom prst="rect">
+            <a:avLst/>
+          </a:prstGeom>
+          <a:noFill/>
+          <a:ln>
+            <a:noFill/>
+          </a:ln>
+        </p:spPr>
+      </p:pic>
+      <p:pic>
+        <p:nvPicPr>
+          <p:cNvPr id="219" name="Google Shape;219;p19"/>
+          <p:cNvPicPr preferRelativeResize="0"/>
+          <p:nvPr/>
+        </p:nvPicPr>
+        <p:blipFill>
+          <a:blip r:embed="rId4">
+            <a:alphaModFix/>
+          </a:blip>
+          <a:stretch>
+            <a:fillRect/>
+          </a:stretch>
+        </p:blipFill>
+        <p:spPr>
+          <a:xfrm>
+            <a:off x="1185850" y="3609975"/>
+            <a:ext cx="911351" cy="911351"/>
+          </a:xfrm>
+          <a:prstGeom prst="rect">
+            <a:avLst/>
+          </a:prstGeom>
+          <a:noFill/>
+          <a:ln>
+            <a:noFill/>
+          </a:ln>
+        </p:spPr>
+      </p:pic>
+      <p:pic>
+        <p:nvPicPr>
+          <p:cNvPr id="220" name="Google Shape;220;p19"/>
+          <p:cNvPicPr preferRelativeResize="0"/>
+          <p:nvPr/>
+        </p:nvPicPr>
+        <p:blipFill>
+          <a:blip r:embed="rId5">
+            <a:alphaModFix/>
+          </a:blip>
+          <a:stretch>
+            <a:fillRect/>
+          </a:stretch>
+        </p:blipFill>
+        <p:spPr>
+          <a:xfrm>
+            <a:off x="2277246" y="3185625"/>
+            <a:ext cx="704475" cy="845375"/>
+          </a:xfrm>
+          <a:prstGeom prst="rect">
+            <a:avLst/>
+          </a:prstGeom>
+          <a:noFill/>
+          <a:ln>
+            <a:noFill/>
+          </a:ln>
+        </p:spPr>
+      </p:pic>
+      <p:pic>
+        <p:nvPicPr>
+          <p:cNvPr id="221" name="Google Shape;221;p19"/>
+          <p:cNvPicPr preferRelativeResize="0"/>
+          <p:nvPr/>
+        </p:nvPicPr>
+        <p:blipFill>
+          <a:blip r:embed="rId6">
+            <a:alphaModFix/>
+          </a:blip>
+          <a:stretch>
+            <a:fillRect/>
+          </a:stretch>
+        </p:blipFill>
+        <p:spPr>
+          <a:xfrm>
+            <a:off x="5718245" y="3637400"/>
+            <a:ext cx="1530667" cy="393600"/>
+          </a:xfrm>
+          <a:prstGeom prst="rect">
+            <a:avLst/>
+          </a:prstGeom>
+          <a:noFill/>
+          <a:ln>
+            <a:noFill/>
+          </a:ln>
+        </p:spPr>
+      </p:pic>
+      <p:pic>
+        <p:nvPicPr>
+          <p:cNvPr id="222" name="Google Shape;222;p19"/>
+          <p:cNvPicPr preferRelativeResize="0"/>
+          <p:nvPr/>
+        </p:nvPicPr>
+        <p:blipFill>
+          <a:blip r:embed="rId7">
+            <a:alphaModFix/>
+          </a:blip>
+          <a:stretch>
+            <a:fillRect/>
+          </a:stretch>
+        </p:blipFill>
+        <p:spPr>
+          <a:xfrm>
+            <a:off x="4572000" y="3987425"/>
+            <a:ext cx="1715596" cy="646425"/>
+          </a:xfrm>
+          <a:prstGeom prst="rect">
+            <a:avLst/>
+          </a:prstGeom>
+          <a:noFill/>
+          <a:ln>
+            <a:noFill/>
+          </a:ln>
+        </p:spPr>
+      </p:pic>
+      <p:pic>
+        <p:nvPicPr>
+          <p:cNvPr id="223" name="Google Shape;223;p19"/>
+          <p:cNvPicPr preferRelativeResize="0"/>
+          <p:nvPr/>
+        </p:nvPicPr>
+        <p:blipFill>
+          <a:blip r:embed="rId8">
+            <a:alphaModFix/>
+          </a:blip>
+          <a:stretch>
+            <a:fillRect/>
+          </a:stretch>
+        </p:blipFill>
+        <p:spPr>
+          <a:xfrm>
+            <a:off x="4374825" y="3098150"/>
+            <a:ext cx="875775" cy="304775"/>
+          </a:xfrm>
+          <a:prstGeom prst="rect">
+            <a:avLst/>
+          </a:prstGeom>
+          <a:noFill/>
+          <a:ln>
+            <a:noFill/>
+          </a:ln>
+        </p:spPr>
+      </p:pic>
+      <p:cxnSp>
+        <p:nvCxnSpPr>
+          <p:cNvPr id="224" name="Google Shape;224;p19"/>
+          <p:cNvCxnSpPr/>
+          <p:nvPr/>
+        </p:nvCxnSpPr>
+        <p:spPr>
+          <a:xfrm>
+            <a:off x="1144725" y="239900"/>
+            <a:ext cx="6834000" cy="4448700"/>
+          </a:xfrm>
+          <a:prstGeom prst="straightConnector1">
+            <a:avLst/>
+          </a:prstGeom>
+          <a:noFill/>
+          <a:ln cap="flat" cmpd="sng" w="38100">
+            <a:solidFill>
+              <a:srgbClr val="FF0000"/>
+            </a:solidFill>
+            <a:prstDash val="solid"/>
+            <a:round/>
+            <a:headEnd len="med" w="med" type="none"/>
+            <a:tailEnd len="med" w="med" type="none"/>
+          </a:ln>
+        </p:spPr>
+      </p:cxnSp>
+    </p:spTree>
+  </p:cSld>
+  <p:clrMapOvr>
+    <a:masterClrMapping/>
+  </p:clrMapOvr>
+  <p:timing>
+    <p:tnLst>
+      <p:par>
+        <p:cTn dur="indefinite" nodeType="tmRoot" restart="never">
+          <p:childTnLst>
+            <p:seq concurrent="1" nextAc="seek">
+              <p:cTn dur="indefinite" id="2" nodeType="mainSeq">
+                <p:childTnLst>
+                  <p:par>
+                    <p:cTn fill="hold">
+                      <p:stCondLst>
+                        <p:cond delay="indefinite"/>
+                      </p:stCondLst>
+                      <p:childTnLst>
+                        <p:par>
+                          <p:cTn fill="hold">
+                            <p:stCondLst>
+                              <p:cond delay="0"/>
+                            </p:stCondLst>
+                            <p:childTnLst>
+                              <p:par>
+                                <p:cTn fill="hold" nodeType="clickEffect" presetClass="entr" presetID="1" presetSubtype="0">
+                                  <p:stCondLst>
+                                    <p:cond delay="0"/>
+                                  </p:stCondLst>
+                                  <p:childTnLst>
+                                    <p:set>
+                                      <p:cBhvr>
+                                        <p:cTn dur="1" fill="hold">
+                                          <p:stCondLst>
+                                            <p:cond delay="0"/>
+                                          </p:stCondLst>
+                                        </p:cTn>
+                                        <p:tgtEl>
+                                          <p:spTgt spid="210"/>
+                                        </p:tgtEl>
+                                        <p:attrNameLst>
+                                          <p:attrName>style.visibility</p:attrName>
+                                        </p:attrNameLst>
+                                      </p:cBhvr>
+                                      <p:to>
+                                        <p:strVal val="visible"/>
+                                      </p:to>
+                                    </p:set>
+                                  </p:childTnLst>
+                                </p:cTn>
+                              </p:par>
+                            </p:childTnLst>
+                          </p:cTn>
+                        </p:par>
+                      </p:childTnLst>
+                    </p:cTn>
+                  </p:par>
+                  <p:par>
+                    <p:cTn fill="hold">
+                      <p:stCondLst>
+                        <p:cond delay="indefinite"/>
+                      </p:stCondLst>
+                      <p:childTnLst>
+                        <p:par>
+                          <p:cTn fill="hold">
+                            <p:stCondLst>
+                              <p:cond delay="0"/>
+                            </p:stCondLst>
+                            <p:childTnLst>
+                              <p:par>
+                                <p:cTn fill="hold" nodeType="clickEffect" presetClass="entr" presetID="1" presetSubtype="0">
+                                  <p:stCondLst>
+                                    <p:cond delay="0"/>
+                                  </p:stCondLst>
+                                  <p:childTnLst>
+                                    <p:set>
+                                      <p:cBhvr>
+                                        <p:cTn dur="1" fill="hold">
+                                          <p:stCondLst>
+                                            <p:cond delay="0"/>
+                                          </p:stCondLst>
+                                        </p:cTn>
+                                        <p:tgtEl>
+                                          <p:spTgt spid="210"/>
+                                        </p:tgtEl>
+                                        <p:attrNameLst>
+                                          <p:attrName>style.visibility</p:attrName>
+                                        </p:attrNameLst>
+                                      </p:cBhvr>
+                                      <p:to>
+                                        <p:strVal val="visible"/>
+                                      </p:to>
+                                    </p:set>
+                                  </p:childTnLst>
+                                </p:cTn>
+                              </p:par>
+                            </p:childTnLst>
+                          </p:cTn>
+                        </p:par>
+                      </p:childTnLst>
+                    </p:cTn>
+                  </p:par>
+                  <p:par>
+                    <p:cTn fill="hold">
+                      <p:stCondLst>
+                        <p:cond delay="indefinite"/>
+                      </p:stCondLst>
+                      <p:childTnLst>
+                        <p:par>
+                          <p:cTn fill="hold">
+                            <p:stCondLst>
+                              <p:cond delay="0"/>
+                            </p:stCondLst>
+                            <p:childTnLst>
+                              <p:par>
+                                <p:cTn fill="hold" nodeType="clickEffect" presetClass="entr" presetID="1" presetSubtype="0">
+                                  <p:stCondLst>
+                                    <p:cond delay="0"/>
+                                  </p:stCondLst>
+                                  <p:childTnLst>
+                                    <p:set>
+                                      <p:cBhvr>
+                                        <p:cTn dur="1" fill="hold">
+                                          <p:stCondLst>
+                                            <p:cond delay="0"/>
+                                          </p:stCondLst>
+                                        </p:cTn>
+                                        <p:tgtEl>
+                                          <p:spTgt spid="211"/>
+                                        </p:tgtEl>
+                                        <p:attrNameLst>
+                                          <p:attrName>style.visibility</p:attrName>
+                                        </p:attrNameLst>
+                                      </p:cBhvr>
+                                      <p:to>
+                                        <p:strVal val="visible"/>
+                                      </p:to>
+                                    </p:set>
+                                  </p:childTnLst>
+                                </p:cTn>
+                              </p:par>
+                            </p:childTnLst>
+                          </p:cTn>
+                        </p:par>
+                      </p:childTnLst>
+                    </p:cTn>
+                  </p:par>
+                  <p:par>
+                    <p:cTn fill="hold">
+                      <p:stCondLst>
+                        <p:cond delay="indefinite"/>
+                      </p:stCondLst>
+                      <p:childTnLst>
+                        <p:par>
+                          <p:cTn fill="hold">
+                            <p:stCondLst>
+                              <p:cond delay="0"/>
+                            </p:stCondLst>
+                            <p:childTnLst>
+                              <p:par>
+                                <p:cTn fill="hold" nodeType="clickEffect" presetClass="entr" presetID="1" presetSubtype="0">
+                                  <p:stCondLst>
+                                    <p:cond delay="0"/>
+                                  </p:stCondLst>
+                                  <p:childTnLst>
+                                    <p:set>
+                                      <p:cBhvr>
+                                        <p:cTn dur="1" fill="hold">
+                                          <p:stCondLst>
+                                            <p:cond delay="0"/>
+                                          </p:stCondLst>
+                                        </p:cTn>
+                                        <p:tgtEl>
+                                          <p:spTgt spid="212"/>
+                                        </p:tgtEl>
+                                        <p:attrNameLst>
+                                          <p:attrName>style.visibility</p:attrName>
+                                        </p:attrNameLst>
+                                      </p:cBhvr>
+                                      <p:to>
+                                        <p:strVal val="visible"/>
+                                      </p:to>
+                                    </p:set>
+                                  </p:childTnLst>
+                                </p:cTn>
+                              </p:par>
+                            </p:childTnLst>
+                          </p:cTn>
+                        </p:par>
+                      </p:childTnLst>
+                    </p:cTn>
+                  </p:par>
+                  <p:par>
+                    <p:cTn fill="hold">
+                      <p:stCondLst>
+                        <p:cond delay="indefinite"/>
+                      </p:stCondLst>
+                      <p:childTnLst>
+                        <p:par>
+                          <p:cTn fill="hold">
+                            <p:stCondLst>
+                              <p:cond delay="0"/>
+                            </p:stCondLst>
+                            <p:childTnLst>
+                              <p:par>
+                                <p:cTn fill="hold" nodeType="clickEffect" presetClass="entr" presetID="1" presetSubtype="0">
+                                  <p:stCondLst>
+                                    <p:cond delay="0"/>
+                                  </p:stCondLst>
+                                  <p:childTnLst>
+                                    <p:set>
+                                      <p:cBhvr>
+                                        <p:cTn dur="1" fill="hold">
+                                          <p:stCondLst>
+                                            <p:cond delay="0"/>
+                                          </p:stCondLst>
+                                        </p:cTn>
+                                        <p:tgtEl>
+                                          <p:spTgt spid="213"/>
+                                        </p:tgtEl>
+                                        <p:attrNameLst>
+                                          <p:attrName>style.visibility</p:attrName>
+                                        </p:attrNameLst>
+                                      </p:cBhvr>
+                                      <p:to>
+                                        <p:strVal val="visible"/>
+                                      </p:to>
+                                    </p:set>
+                                  </p:childTnLst>
+                                </p:cTn>
+                              </p:par>
+                              <p:par>
+                                <p:cTn fill="hold" nodeType="withEffect" presetClass="entr" presetID="1" presetSubtype="0">
+                                  <p:stCondLst>
+                                    <p:cond delay="0"/>
+                                  </p:stCondLst>
+                                  <p:childTnLst>
+                                    <p:set>
+                                      <p:cBhvr>
+                                        <p:cTn dur="1" fill="hold">
+                                          <p:stCondLst>
+                                            <p:cond delay="0"/>
+                                          </p:stCondLst>
+                                        </p:cTn>
+                                        <p:tgtEl>
+                                          <p:spTgt spid="214"/>
+                                        </p:tgtEl>
+                                        <p:attrNameLst>
+                                          <p:attrName>style.visibility</p:attrName>
+                                        </p:attrNameLst>
+                                      </p:cBhvr>
+                                      <p:to>
+                                        <p:strVal val="visible"/>
+                                      </p:to>
+                                    </p:set>
+                                  </p:childTnLst>
+                                </p:cTn>
+                              </p:par>
+                            </p:childTnLst>
+                          </p:cTn>
+                        </p:par>
+                      </p:childTnLst>
+                    </p:cTn>
+                  </p:par>
+                  <p:par>
+                    <p:cTn fill="hold">
+                      <p:stCondLst>
+                        <p:cond delay="indefinite"/>
+                      </p:stCondLst>
+                      <p:childTnLst>
+                        <p:par>
+                          <p:cTn fill="hold">
+                            <p:stCondLst>
+                              <p:cond delay="0"/>
+                            </p:stCondLst>
+                            <p:childTnLst>
+                              <p:par>
+                                <p:cTn fill="hold" nodeType="clickEffect" presetClass="entr" presetID="1" presetSubtype="0">
+                                  <p:stCondLst>
+                                    <p:cond delay="0"/>
+                                  </p:stCondLst>
+                                  <p:childTnLst>
+                                    <p:set>
+                                      <p:cBhvr>
+                                        <p:cTn dur="1" fill="hold">
+                                          <p:stCondLst>
+                                            <p:cond delay="0"/>
+                                          </p:stCondLst>
+                                        </p:cTn>
+                                        <p:tgtEl>
+                                          <p:spTgt spid="215"/>
+                                        </p:tgtEl>
+                                        <p:attrNameLst>
+                                          <p:attrName>style.visibility</p:attrName>
+                                        </p:attrNameLst>
+                                      </p:cBhvr>
+                                      <p:to>
+                                        <p:strVal val="visible"/>
+                                      </p:to>
+                                    </p:set>
+                                  </p:childTnLst>
+                                </p:cTn>
+                              </p:par>
+                            </p:childTnLst>
+                          </p:cTn>
+                        </p:par>
+                      </p:childTnLst>
+                    </p:cTn>
+                  </p:par>
+                  <p:par>
+                    <p:cTn fill="hold">
+                      <p:stCondLst>
+                        <p:cond delay="indefinite"/>
+                      </p:stCondLst>
+                      <p:childTnLst>
+                        <p:par>
+                          <p:cTn fill="hold">
+                            <p:stCondLst>
+                              <p:cond delay="0"/>
+                            </p:stCondLst>
+                            <p:childTnLst>
+                              <p:par>
+                                <p:cTn fill="hold" nodeType="clickEffect" presetClass="entr" presetID="1" presetSubtype="0">
+                                  <p:stCondLst>
+                                    <p:cond delay="0"/>
+                                  </p:stCondLst>
+                                  <p:childTnLst>
+                                    <p:set>
+                                      <p:cBhvr>
+                                        <p:cTn dur="1" fill="hold">
+                                          <p:stCondLst>
+                                            <p:cond delay="0"/>
+                                          </p:stCondLst>
+                                        </p:cTn>
+                                        <p:tgtEl>
+                                          <p:spTgt spid="216"/>
+                                        </p:tgtEl>
+                                        <p:attrNameLst>
+                                          <p:attrName>style.visibility</p:attrName>
+                                        </p:attrNameLst>
+                                      </p:cBhvr>
+                                      <p:to>
+                                        <p:strVal val="visible"/>
+                                      </p:to>
+                                    </p:set>
+                                  </p:childTnLst>
+                                </p:cTn>
+                              </p:par>
+                              <p:par>
+                                <p:cTn fill="hold" nodeType="withEffect" presetClass="entr" presetID="1" presetSubtype="0">
+                                  <p:stCondLst>
+                                    <p:cond delay="0"/>
+                                  </p:stCondLst>
+                                  <p:childTnLst>
+                                    <p:set>
+                                      <p:cBhvr>
+                                        <p:cTn dur="1" fill="hold">
+                                          <p:stCondLst>
+                                            <p:cond delay="0"/>
+                                          </p:stCondLst>
+                                        </p:cTn>
+                                        <p:tgtEl>
+                                          <p:spTgt spid="217"/>
+                                        </p:tgtEl>
+                                        <p:attrNameLst>
+                                          <p:attrName>style.visibility</p:attrName>
+                                        </p:attrNameLst>
+                                      </p:cBhvr>
+                                      <p:to>
+                                        <p:strVal val="visible"/>
+                                      </p:to>
+                                    </p:set>
+                                  </p:childTnLst>
+                                </p:cTn>
+                              </p:par>
+                            </p:childTnLst>
+                          </p:cTn>
+                        </p:par>
+                      </p:childTnLst>
+                    </p:cTn>
+                  </p:par>
+                  <p:par>
+                    <p:cTn fill="hold">
+                      <p:stCondLst>
+                        <p:cond delay="indefinite"/>
+                      </p:stCondLst>
+                      <p:childTnLst>
+                        <p:par>
+                          <p:cTn fill="hold">
+                            <p:stCondLst>
+                              <p:cond delay="0"/>
+                            </p:stCondLst>
+                            <p:childTnLst>
+                              <p:par>
+                                <p:cTn fill="hold" nodeType="clickEffect" presetClass="entr" presetID="1" presetSubtype="0">
+                                  <p:stCondLst>
+                                    <p:cond delay="0"/>
+                                  </p:stCondLst>
+                                  <p:childTnLst>
+                                    <p:set>
+                                      <p:cBhvr>
+                                        <p:cTn dur="1" fill="hold">
+                                          <p:stCondLst>
+                                            <p:cond delay="0"/>
+                                          </p:stCondLst>
+                                        </p:cTn>
+                                        <p:tgtEl>
+                                          <p:spTgt spid="218"/>
+                                        </p:tgtEl>
+                                        <p:attrNameLst>
+                                          <p:attrName>style.visibility</p:attrName>
+                                        </p:attrNameLst>
+                                      </p:cBhvr>
+                                      <p:to>
+                                        <p:strVal val="visible"/>
+                                      </p:to>
+                                    </p:set>
+                                  </p:childTnLst>
+                                </p:cTn>
+                              </p:par>
+                            </p:childTnLst>
+                          </p:cTn>
+                        </p:par>
+                      </p:childTnLst>
+                    </p:cTn>
+                  </p:par>
+                  <p:par>
+                    <p:cTn fill="hold">
+                      <p:stCondLst>
+                        <p:cond delay="indefinite"/>
+                      </p:stCondLst>
+                      <p:childTnLst>
+                        <p:par>
+                          <p:cTn fill="hold">
+                            <p:stCondLst>
+                              <p:cond delay="0"/>
+                            </p:stCondLst>
+                            <p:childTnLst>
+                              <p:par>
+                                <p:cTn fill="hold" nodeType="clickEffect" presetClass="entr" presetID="1" presetSubtype="0">
+                                  <p:stCondLst>
+                                    <p:cond delay="0"/>
+                                  </p:stCondLst>
+                                  <p:childTnLst>
+                                    <p:set>
+                                      <p:cBhvr>
+                                        <p:cTn dur="1" fill="hold">
+                                          <p:stCondLst>
+                                            <p:cond delay="0"/>
+                                          </p:stCondLst>
+                                        </p:cTn>
+                                        <p:tgtEl>
+                                          <p:spTgt spid="219"/>
+                                        </p:tgtEl>
+                                        <p:attrNameLst>
+                                          <p:attrName>style.visibility</p:attrName>
+                                        </p:attrNameLst>
+                                      </p:cBhvr>
+                                      <p:to>
+                                        <p:strVal val="visible"/>
+                                      </p:to>
+                                    </p:set>
+                                  </p:childTnLst>
+                                </p:cTn>
+                              </p:par>
+                            </p:childTnLst>
+                          </p:cTn>
+                        </p:par>
+                      </p:childTnLst>
+                    </p:cTn>
+                  </p:par>
+                  <p:par>
+                    <p:cTn fill="hold">
+                      <p:stCondLst>
+                        <p:cond delay="indefinite"/>
+                      </p:stCondLst>
+                      <p:childTnLst>
+                        <p:par>
+                          <p:cTn fill="hold">
+                            <p:stCondLst>
+                              <p:cond delay="0"/>
+                            </p:stCondLst>
+                            <p:childTnLst>
+                              <p:par>
+                                <p:cTn fill="hold" nodeType="clickEffect" presetClass="entr" presetID="1" presetSubtype="0">
+                                  <p:stCondLst>
+                                    <p:cond delay="0"/>
+                                  </p:stCondLst>
+                                  <p:childTnLst>
+                                    <p:set>
+                                      <p:cBhvr>
+                                        <p:cTn dur="1" fill="hold">
+                                          <p:stCondLst>
+                                            <p:cond delay="0"/>
+                                          </p:stCondLst>
+                                        </p:cTn>
+                                        <p:tgtEl>
+                                          <p:spTgt spid="220"/>
+                                        </p:tgtEl>
+                                        <p:attrNameLst>
+                                          <p:attrName>style.visibility</p:attrName>
+                                        </p:attrNameLst>
+                                      </p:cBhvr>
+                                      <p:to>
+                                        <p:strVal val="visible"/>
+                                      </p:to>
+                                    </p:set>
+                                  </p:childTnLst>
+                                </p:cTn>
+                              </p:par>
+                            </p:childTnLst>
+                          </p:cTn>
+                        </p:par>
+                      </p:childTnLst>
+                    </p:cTn>
+                  </p:par>
+                  <p:par>
+                    <p:cTn fill="hold">
+                      <p:stCondLst>
+                        <p:cond delay="indefinite"/>
+                      </p:stCondLst>
+                      <p:childTnLst>
+                        <p:par>
+                          <p:cTn fill="hold">
+                            <p:stCondLst>
+                              <p:cond delay="0"/>
+                            </p:stCondLst>
+                            <p:childTnLst>
+                              <p:par>
+                                <p:cTn fill="hold" nodeType="clickEffect" presetClass="entr" presetID="1" presetSubtype="0">
+                                  <p:stCondLst>
+                                    <p:cond delay="0"/>
+                                  </p:stCondLst>
+                                  <p:childTnLst>
+                                    <p:set>
+                                      <p:cBhvr>
+                                        <p:cTn dur="1" fill="hold">
+                                          <p:stCondLst>
+                                            <p:cond delay="0"/>
+                                          </p:stCondLst>
+                                        </p:cTn>
+                                        <p:tgtEl>
+                                          <p:spTgt spid="222"/>
+                                        </p:tgtEl>
+                                        <p:attrNameLst>
+                                          <p:attrName>style.visibility</p:attrName>
+                                        </p:attrNameLst>
+                                      </p:cBhvr>
+                                      <p:to>
+                                        <p:strVal val="visible"/>
+                                      </p:to>
+                                    </p:set>
+                                  </p:childTnLst>
+                                </p:cTn>
+                              </p:par>
+                            </p:childTnLst>
+                          </p:cTn>
+                        </p:par>
+                      </p:childTnLst>
+                    </p:cTn>
+                  </p:par>
+                  <p:par>
+                    <p:cTn fill="hold">
+                      <p:stCondLst>
+                        <p:cond delay="indefinite"/>
+                      </p:stCondLst>
+                      <p:childTnLst>
+                        <p:par>
+                          <p:cTn fill="hold">
+                            <p:stCondLst>
+                              <p:cond delay="0"/>
+                            </p:stCondLst>
+                            <p:childTnLst>
+                              <p:par>
+                                <p:cTn fill="hold" nodeType="clickEffect" presetClass="entr" presetID="1" presetSubtype="0">
+                                  <p:stCondLst>
+                                    <p:cond delay="0"/>
+                                  </p:stCondLst>
+                                  <p:childTnLst>
+                                    <p:set>
+                                      <p:cBhvr>
+                                        <p:cTn dur="1" fill="hold">
+                                          <p:stCondLst>
+                                            <p:cond delay="0"/>
+                                          </p:stCondLst>
+                                        </p:cTn>
+                                        <p:tgtEl>
+                                          <p:spTgt spid="221"/>
+                                        </p:tgtEl>
+                                        <p:attrNameLst>
+                                          <p:attrName>style.visibility</p:attrName>
+                                        </p:attrNameLst>
+                                      </p:cBhvr>
+                                      <p:to>
+                                        <p:strVal val="visible"/>
+                                      </p:to>
+                                    </p:set>
+                                  </p:childTnLst>
+                                </p:cTn>
+                              </p:par>
+                            </p:childTnLst>
+                          </p:cTn>
+                        </p:par>
+                      </p:childTnLst>
+                    </p:cTn>
+                  </p:par>
+                  <p:par>
+                    <p:cTn fill="hold">
+                      <p:stCondLst>
+                        <p:cond delay="indefinite"/>
+                      </p:stCondLst>
+                      <p:childTnLst>
+                        <p:par>
+                          <p:cTn fill="hold">
+                            <p:stCondLst>
+                              <p:cond delay="0"/>
+                            </p:stCondLst>
+                            <p:childTnLst>
+                              <p:par>
+                                <p:cTn fill="hold" nodeType="clickEffect" presetClass="entr" presetID="1" presetSubtype="0">
+                                  <p:stCondLst>
+                                    <p:cond delay="0"/>
+                                  </p:stCondLst>
+                                  <p:childTnLst>
+                                    <p:set>
+                                      <p:cBhvr>
+                                        <p:cTn dur="1" fill="hold">
+                                          <p:stCondLst>
+                                            <p:cond delay="0"/>
+                                          </p:stCondLst>
+                                        </p:cTn>
+                                        <p:tgtEl>
+                                          <p:spTgt spid="223"/>
+                                        </p:tgtEl>
+                                        <p:attrNameLst>
+                                          <p:attrName>style.visibility</p:attrName>
+                                        </p:attrNameLst>
+                                      </p:cBhvr>
+                                      <p:to>
+                                        <p:strVal val="visible"/>
+                                      </p:to>
+                                    </p:set>
+                                  </p:childTnLst>
+                                </p:cTn>
+                              </p:par>
+                            </p:childTnLst>
+                          </p:cTn>
+                        </p:par>
+                      </p:childTnLst>
+                    </p:cTn>
+                  </p:par>
+                  <p:par>
+                    <p:cTn fill="hold">
+                      <p:stCondLst>
+                        <p:cond delay="indefinite"/>
+                      </p:stCondLst>
+                      <p:childTnLst>
+                        <p:par>
+                          <p:cTn fill="hold">
+                            <p:stCondLst>
+                              <p:cond delay="0"/>
+                            </p:stCondLst>
+                            <p:childTnLst>
+                              <p:par>
+                                <p:cTn fill="hold" nodeType="clickEffect" presetClass="entr" presetID="1" presetSubtype="0">
+                                  <p:stCondLst>
+                                    <p:cond delay="0"/>
+                                  </p:stCondLst>
+                                  <p:childTnLst>
+                                    <p:set>
+                                      <p:cBhvr>
+                                        <p:cTn dur="1" fill="hold">
+                                          <p:stCondLst>
+                                            <p:cond delay="0"/>
+                                          </p:stCondLst>
+                                        </p:cTn>
+                                        <p:tgtEl>
+                                          <p:spTgt spid="224"/>
+                                        </p:tgtEl>
+                                        <p:attrNameLst>
+                                          <p:attrName>style.visibility</p:attrName>
+                                        </p:attrNameLst>
+                                      </p:cBhvr>
+                                      <p:to>
+                                        <p:strVal val="visible"/>
+                                      </p:to>
+                                    </p:set>
+                                  </p:childTnLst>
+                                </p:cTn>
+                              </p:par>
+                            </p:childTnLst>
+                          </p:cTn>
+                        </p:par>
+                      </p:childTnLst>
+                    </p:cTn>
+                  </p:par>
+                </p:childTnLst>
+              </p:cTn>
+              <p:prevCondLst>
+                <p:cond evt="onPrev">
+                  <p:tgtEl>
+                    <p:sldTgt/>
+                  </p:tgtEl>
+                </p:cond>
+              </p:prevCondLst>
+              <p:nextCondLst>
+                <p:cond evt="onNext">
+                  <p:tgtEl>
+                    <p:sldTgt/>
+                  </p:tgtEl>
+                </p:cond>
+              </p:nextCondLst>
+            </p:seq>
+          </p:childTnLst>
+        </p:cTn>
+      </p:par>
+    </p:tnLst>
+  </p:timing>
+</p:sld>
+</file>
+
+<file path=ppt/slides/slide4.xml><?xml version="1.0" encoding="utf-8"?>
+<p:sld xmlns:a="http://schemas.openxmlformats.org/drawingml/2006/main" xmlns:r="http://schemas.openxmlformats.org/officeDocument/2006/relationships" xmlns:mc="http://schemas.openxmlformats.org/markup-compatibility/2006" xmlns:mv="urn:schemas-microsoft-com:mac:vml" xmlns:p="http://schemas.openxmlformats.org/presentationml/2006/main" xmlns:c="http://schemas.openxmlformats.org/drawingml/2006/chart" xmlns:dgm="http://schemas.openxmlformats.org/drawingml/2006/diagram" xmlns:o="urn:schemas-microsoft-com:office:office" xmlns:v="urn:schemas-microsoft-com:vml" xmlns:pvml="urn:schemas-microsoft-com:office:powerpoint" xmlns:com="http://schemas.openxmlformats.org/drawingml/2006/compatibility" xmlns:p14="http://schemas.microsoft.com/office/powerpoint/2010/main" xmlns:p15="http://schemas.microsoft.com/office/powerpoint/2012/main" xmlns:ahyp="http://schemas.microsoft.com/office/drawing/2018/hyperlinkcolor">
+  <p:cSld>
+    <p:spTree>
+      <p:nvGrpSpPr>
+        <p:cNvPr id="228" name="Shape 228"/>
+        <p:cNvGrpSpPr/>
+        <p:nvPr/>
+      </p:nvGrpSpPr>
+      <p:grpSpPr>
+        <a:xfrm>
+          <a:off x="0" y="0"/>
+          <a:ext cx="0" cy="0"/>
+          <a:chOff x="0" y="0"/>
+          <a:chExt cx="0" cy="0"/>
+        </a:xfrm>
+      </p:grpSpPr>
+      <p:sp>
+        <p:nvSpPr>
+          <p:cNvPr id="229" name="Google Shape;229;p20"/>
+          <p:cNvSpPr txBox="1"/>
+          <p:nvPr>
             <p:ph type="title"/>
           </p:nvPr>
         </p:nvSpPr>
@@ -18002,7 +20231,7 @@
       </p:sp>
       <p:sp>
         <p:nvSpPr>
-          <p:cNvPr id="210" name="Google Shape;210;p19"/>
+          <p:cNvPr id="230" name="Google Shape;230;p20"/>
           <p:cNvSpPr txBox="1"/>
           <p:nvPr>
             <p:ph idx="1" type="body"/>
@@ -18056,23 +20285,6 @@
             </a:pPr>
             <a:r>
               <a:rPr lang="de"/>
-              <a:t>Einfach zu nutzen</a:t>
-            </a:r>
-            <a:endParaRPr/>
-          </a:p>
-          <a:p>
-            <a:pPr indent="-311150" lvl="0" marL="457200" rtl="0" algn="l">
-              <a:spcBef>
-                <a:spcPts val="0"/>
-              </a:spcBef>
-              <a:spcAft>
-                <a:spcPts val="0"/>
-              </a:spcAft>
-              <a:buSzPts val="1300"/>
-              <a:buChar char="-"/>
-            </a:pPr>
-            <a:r>
-              <a:rPr lang="de"/>
               <a:t>Enthält viele fertige Komponenten</a:t>
             </a:r>
             <a:endParaRPr/>
@@ -18132,7 +20344,7 @@
       </p:sp>
       <p:sp>
         <p:nvSpPr>
-          <p:cNvPr id="211" name="Google Shape;211;p19"/>
+          <p:cNvPr id="231" name="Google Shape;231;p20"/>
           <p:cNvSpPr txBox="1"/>
           <p:nvPr>
             <p:ph idx="12" type="sldNum"/>
@@ -18178,12 +20390,12 @@
 </p:sld>
 </file>
 
-<file path=ppt/slides/slide4.xml><?xml version="1.0" encoding="utf-8"?>
+<file path=ppt/slides/slide5.xml><?xml version="1.0" encoding="utf-8"?>
 <p:sld xmlns:a="http://schemas.openxmlformats.org/drawingml/2006/main" xmlns:r="http://schemas.openxmlformats.org/officeDocument/2006/relationships" xmlns:mc="http://schemas.openxmlformats.org/markup-compatibility/2006" xmlns:mv="urn:schemas-microsoft-com:mac:vml" xmlns:p="http://schemas.openxmlformats.org/presentationml/2006/main" xmlns:c="http://schemas.openxmlformats.org/drawingml/2006/chart" xmlns:dgm="http://schemas.openxmlformats.org/drawingml/2006/diagram" xmlns:o="urn:schemas-microsoft-com:office:office" xmlns:v="urn:schemas-microsoft-com:vml" xmlns:pvml="urn:schemas-microsoft-com:office:powerpoint" xmlns:com="http://schemas.openxmlformats.org/drawingml/2006/compatibility" xmlns:p14="http://schemas.microsoft.com/office/powerpoint/2010/main" xmlns:p15="http://schemas.microsoft.com/office/powerpoint/2012/main" xmlns:ahyp="http://schemas.microsoft.com/office/drawing/2018/hyperlinkcolor">
   <p:cSld>
     <p:spTree>
       <p:nvGrpSpPr>
-        <p:cNvPr id="215" name="Shape 215"/>
+        <p:cNvPr id="235" name="Shape 235"/>
         <p:cNvGrpSpPr/>
         <p:nvPr/>
       </p:nvGrpSpPr>
@@ -18197,7 +20409,7 @@
       </p:grpSpPr>
       <p:sp>
         <p:nvSpPr>
-          <p:cNvPr id="216" name="Google Shape;216;p20"/>
+          <p:cNvPr id="236" name="Google Shape;236;p21"/>
           <p:cNvSpPr txBox="1"/>
           <p:nvPr>
             <p:ph type="title"/>
@@ -18237,7 +20449,7 @@
       </p:sp>
       <p:graphicFrame>
         <p:nvGraphicFramePr>
-          <p:cNvPr id="217" name="Google Shape;217;p20"/>
+          <p:cNvPr id="237" name="Google Shape;237;p21"/>
           <p:cNvGraphicFramePr/>
           <p:nvPr/>
         </p:nvGraphicFramePr>
@@ -18250,7 +20462,7 @@
             <a:tbl>
               <a:tblPr>
                 <a:noFill/>
-                <a:tableStyleId>{B0AB99A5-633B-4F5F-B896-5B4FB00680B7}</a:tableStyleId>
+                <a:tableStyleId>{DCCAD22C-A005-473B-A30F-09C6423CAA51}</a:tableStyleId>
               </a:tblPr>
               <a:tblGrid>
                 <a:gridCol w="1809750"/>
@@ -18936,7 +21148,7 @@
       </p:graphicFrame>
       <p:sp>
         <p:nvSpPr>
-          <p:cNvPr id="218" name="Google Shape;218;p20"/>
+          <p:cNvPr id="238" name="Google Shape;238;p21"/>
           <p:cNvSpPr txBox="1"/>
           <p:nvPr>
             <p:ph idx="12" type="sldNum"/>
@@ -18982,12 +21194,12 @@
 </p:sld>
 </file>
 
-<file path=ppt/slides/slide5.xml><?xml version="1.0" encoding="utf-8"?>
+<file path=ppt/slides/slide6.xml><?xml version="1.0" encoding="utf-8"?>
 <p:sld xmlns:a="http://schemas.openxmlformats.org/drawingml/2006/main" xmlns:r="http://schemas.openxmlformats.org/officeDocument/2006/relationships" xmlns:mc="http://schemas.openxmlformats.org/markup-compatibility/2006" xmlns:mv="urn:schemas-microsoft-com:mac:vml" xmlns:p="http://schemas.openxmlformats.org/presentationml/2006/main" xmlns:c="http://schemas.openxmlformats.org/drawingml/2006/chart" xmlns:dgm="http://schemas.openxmlformats.org/drawingml/2006/diagram" xmlns:o="urn:schemas-microsoft-com:office:office" xmlns:v="urn:schemas-microsoft-com:vml" xmlns:pvml="urn:schemas-microsoft-com:office:powerpoint" xmlns:com="http://schemas.openxmlformats.org/drawingml/2006/compatibility" xmlns:p14="http://schemas.microsoft.com/office/powerpoint/2010/main" xmlns:p15="http://schemas.microsoft.com/office/powerpoint/2012/main" xmlns:ahyp="http://schemas.microsoft.com/office/drawing/2018/hyperlinkcolor">
   <p:cSld>
     <p:spTree>
       <p:nvGrpSpPr>
-        <p:cNvPr id="222" name="Shape 222"/>
+        <p:cNvPr id="242" name="Shape 242"/>
         <p:cNvGrpSpPr/>
         <p:nvPr/>
       </p:nvGrpSpPr>
@@ -19001,7 +21213,7 @@
       </p:grpSpPr>
       <p:sp>
         <p:nvSpPr>
-          <p:cNvPr id="223" name="Google Shape;223;p21"/>
+          <p:cNvPr id="243" name="Google Shape;243;p22"/>
           <p:cNvSpPr txBox="1"/>
           <p:nvPr>
             <p:ph type="title"/>
@@ -19041,7 +21253,7 @@
       </p:sp>
       <p:pic>
         <p:nvPicPr>
-          <p:cNvPr id="224" name="Google Shape;224;p21"/>
+          <p:cNvPr id="244" name="Google Shape;244;p22"/>
           <p:cNvPicPr preferRelativeResize="0"/>
           <p:nvPr/>
         </p:nvPicPr>
@@ -19069,7 +21281,7 @@
       </p:pic>
       <p:sp>
         <p:nvSpPr>
-          <p:cNvPr id="225" name="Google Shape;225;p21"/>
+          <p:cNvPr id="245" name="Google Shape;245;p22"/>
           <p:cNvSpPr txBox="1"/>
           <p:nvPr>
             <p:ph idx="12" type="sldNum"/>
@@ -19115,12 +21327,12 @@
 </p:sld>
 </file>
 
-<file path=ppt/slides/slide6.xml><?xml version="1.0" encoding="utf-8"?>
+<file path=ppt/slides/slide7.xml><?xml version="1.0" encoding="utf-8"?>
 <p:sld xmlns:a="http://schemas.openxmlformats.org/drawingml/2006/main" xmlns:r="http://schemas.openxmlformats.org/officeDocument/2006/relationships" xmlns:mc="http://schemas.openxmlformats.org/markup-compatibility/2006" xmlns:mv="urn:schemas-microsoft-com:mac:vml" xmlns:p="http://schemas.openxmlformats.org/presentationml/2006/main" xmlns:c="http://schemas.openxmlformats.org/drawingml/2006/chart" xmlns:dgm="http://schemas.openxmlformats.org/drawingml/2006/diagram" xmlns:o="urn:schemas-microsoft-com:office:office" xmlns:v="urn:schemas-microsoft-com:vml" xmlns:pvml="urn:schemas-microsoft-com:office:powerpoint" xmlns:com="http://schemas.openxmlformats.org/drawingml/2006/compatibility" xmlns:p14="http://schemas.microsoft.com/office/powerpoint/2010/main" xmlns:p15="http://schemas.microsoft.com/office/powerpoint/2012/main" xmlns:ahyp="http://schemas.microsoft.com/office/drawing/2018/hyperlinkcolor">
   <p:cSld>
     <p:spTree>
       <p:nvGrpSpPr>
-        <p:cNvPr id="229" name="Shape 229"/>
+        <p:cNvPr id="249" name="Shape 249"/>
         <p:cNvGrpSpPr/>
         <p:nvPr/>
       </p:nvGrpSpPr>
@@ -19134,7 +21346,7 @@
       </p:grpSpPr>
       <p:sp>
         <p:nvSpPr>
-          <p:cNvPr id="230" name="Google Shape;230;p22"/>
+          <p:cNvPr id="250" name="Google Shape;250;p23"/>
           <p:cNvSpPr txBox="1"/>
           <p:nvPr>
             <p:ph type="title"/>
@@ -19174,7 +21386,7 @@
       </p:sp>
       <p:sp>
         <p:nvSpPr>
-          <p:cNvPr id="231" name="Google Shape;231;p22"/>
+          <p:cNvPr id="251" name="Google Shape;251;p23"/>
           <p:cNvSpPr txBox="1"/>
           <p:nvPr>
             <p:ph idx="1" type="body"/>
@@ -19215,7 +21427,7 @@
       </p:sp>
       <p:pic>
         <p:nvPicPr>
-          <p:cNvPr id="232" name="Google Shape;232;p22"/>
+          <p:cNvPr id="252" name="Google Shape;252;p23"/>
           <p:cNvPicPr preferRelativeResize="0"/>
           <p:nvPr/>
         </p:nvPicPr>
@@ -19243,7 +21455,7 @@
       </p:pic>
       <p:pic>
         <p:nvPicPr>
-          <p:cNvPr id="233" name="Google Shape;233;p22"/>
+          <p:cNvPr id="253" name="Google Shape;253;p23"/>
           <p:cNvPicPr preferRelativeResize="0"/>
           <p:nvPr/>
         </p:nvPicPr>
@@ -19271,7 +21483,7 @@
       </p:pic>
       <p:pic>
         <p:nvPicPr>
-          <p:cNvPr id="234" name="Google Shape;234;p22"/>
+          <p:cNvPr id="254" name="Google Shape;254;p23"/>
           <p:cNvPicPr preferRelativeResize="0"/>
           <p:nvPr/>
         </p:nvPicPr>
@@ -19299,7 +21511,7 @@
       </p:pic>
       <p:sp>
         <p:nvSpPr>
-          <p:cNvPr id="235" name="Google Shape;235;p22"/>
+          <p:cNvPr id="255" name="Google Shape;255;p23"/>
           <p:cNvSpPr txBox="1"/>
           <p:nvPr/>
         </p:nvSpPr>
@@ -19357,7 +21569,7 @@
       </p:sp>
       <p:sp>
         <p:nvSpPr>
-          <p:cNvPr id="236" name="Google Shape;236;p22"/>
+          <p:cNvPr id="256" name="Google Shape;256;p23"/>
           <p:cNvSpPr txBox="1"/>
           <p:nvPr/>
         </p:nvSpPr>
@@ -19415,7 +21627,7 @@
       </p:sp>
       <p:sp>
         <p:nvSpPr>
-          <p:cNvPr id="237" name="Google Shape;237;p22"/>
+          <p:cNvPr id="257" name="Google Shape;257;p23"/>
           <p:cNvSpPr txBox="1"/>
           <p:nvPr/>
         </p:nvSpPr>
@@ -19473,7 +21685,7 @@
       </p:sp>
       <p:sp>
         <p:nvSpPr>
-          <p:cNvPr id="238" name="Google Shape;238;p22"/>
+          <p:cNvPr id="258" name="Google Shape;258;p23"/>
           <p:cNvSpPr txBox="1"/>
           <p:nvPr>
             <p:ph idx="12" type="sldNum"/>
@@ -19519,12 +21731,12 @@
 </p:sld>
 </file>
 
-<file path=ppt/slides/slide7.xml><?xml version="1.0" encoding="utf-8"?>
+<file path=ppt/slides/slide8.xml><?xml version="1.0" encoding="utf-8"?>
 <p:sld xmlns:a="http://schemas.openxmlformats.org/drawingml/2006/main" xmlns:r="http://schemas.openxmlformats.org/officeDocument/2006/relationships" xmlns:mc="http://schemas.openxmlformats.org/markup-compatibility/2006" xmlns:mv="urn:schemas-microsoft-com:mac:vml" xmlns:p="http://schemas.openxmlformats.org/presentationml/2006/main" xmlns:c="http://schemas.openxmlformats.org/drawingml/2006/chart" xmlns:dgm="http://schemas.openxmlformats.org/drawingml/2006/diagram" xmlns:o="urn:schemas-microsoft-com:office:office" xmlns:v="urn:schemas-microsoft-com:vml" xmlns:pvml="urn:schemas-microsoft-com:office:powerpoint" xmlns:com="http://schemas.openxmlformats.org/drawingml/2006/compatibility" xmlns:p14="http://schemas.microsoft.com/office/powerpoint/2010/main" xmlns:p15="http://schemas.microsoft.com/office/powerpoint/2012/main" xmlns:ahyp="http://schemas.microsoft.com/office/drawing/2018/hyperlinkcolor">
   <p:cSld>
     <p:spTree>
       <p:nvGrpSpPr>
-        <p:cNvPr id="242" name="Shape 242"/>
+        <p:cNvPr id="262" name="Shape 262"/>
         <p:cNvGrpSpPr/>
         <p:nvPr/>
       </p:nvGrpSpPr>
@@ -19538,7 +21750,7 @@
       </p:grpSpPr>
       <p:sp>
         <p:nvSpPr>
-          <p:cNvPr id="243" name="Google Shape;243;p23"/>
+          <p:cNvPr id="263" name="Google Shape;263;p24"/>
           <p:cNvSpPr txBox="1"/>
           <p:nvPr>
             <p:ph type="title"/>
@@ -19578,7 +21790,7 @@
       </p:sp>
       <p:sp>
         <p:nvSpPr>
-          <p:cNvPr id="244" name="Google Shape;244;p23"/>
+          <p:cNvPr id="264" name="Google Shape;264;p24"/>
           <p:cNvSpPr txBox="1"/>
           <p:nvPr>
             <p:ph idx="1" type="body"/>
@@ -19687,7 +21899,7 @@
       </p:sp>
       <p:pic>
         <p:nvPicPr>
-          <p:cNvPr id="245" name="Google Shape;245;p23"/>
+          <p:cNvPr id="265" name="Google Shape;265;p24"/>
           <p:cNvPicPr preferRelativeResize="0"/>
           <p:nvPr/>
         </p:nvPicPr>
@@ -19715,7 +21927,7 @@
       </p:pic>
       <p:sp>
         <p:nvSpPr>
-          <p:cNvPr id="246" name="Google Shape;246;p23"/>
+          <p:cNvPr id="266" name="Google Shape;266;p24"/>
           <p:cNvSpPr txBox="1"/>
           <p:nvPr>
             <p:ph idx="12" type="sldNum"/>
@@ -19755,7 +21967,7 @@
       </p:sp>
       <p:sp>
         <p:nvSpPr>
-          <p:cNvPr id="247" name="Google Shape;247;p23"/>
+          <p:cNvPr id="267" name="Google Shape;267;p24"/>
           <p:cNvSpPr txBox="1"/>
           <p:nvPr/>
         </p:nvSpPr>
@@ -19819,12 +22031,12 @@
 </p:sld>
 </file>
 
-<file path=ppt/slides/slide8.xml><?xml version="1.0" encoding="utf-8"?>
+<file path=ppt/slides/slide9.xml><?xml version="1.0" encoding="utf-8"?>
 <p:sld xmlns:a="http://schemas.openxmlformats.org/drawingml/2006/main" xmlns:r="http://schemas.openxmlformats.org/officeDocument/2006/relationships" xmlns:mc="http://schemas.openxmlformats.org/markup-compatibility/2006" xmlns:mv="urn:schemas-microsoft-com:mac:vml" xmlns:p="http://schemas.openxmlformats.org/presentationml/2006/main" xmlns:c="http://schemas.openxmlformats.org/drawingml/2006/chart" xmlns:dgm="http://schemas.openxmlformats.org/drawingml/2006/diagram" xmlns:o="urn:schemas-microsoft-com:office:office" xmlns:v="urn:schemas-microsoft-com:vml" xmlns:pvml="urn:schemas-microsoft-com:office:powerpoint" xmlns:com="http://schemas.openxmlformats.org/drawingml/2006/compatibility" xmlns:p14="http://schemas.microsoft.com/office/powerpoint/2010/main" xmlns:p15="http://schemas.microsoft.com/office/powerpoint/2012/main" xmlns:ahyp="http://schemas.microsoft.com/office/drawing/2018/hyperlinkcolor">
   <p:cSld>
     <p:spTree>
       <p:nvGrpSpPr>
-        <p:cNvPr id="251" name="Shape 251"/>
+        <p:cNvPr id="271" name="Shape 271"/>
         <p:cNvGrpSpPr/>
         <p:nvPr/>
       </p:nvGrpSpPr>
@@ -19838,7 +22050,7 @@
       </p:grpSpPr>
       <p:sp>
         <p:nvSpPr>
-          <p:cNvPr id="252" name="Google Shape;252;p24"/>
+          <p:cNvPr id="272" name="Google Shape;272;p25"/>
           <p:cNvSpPr txBox="1"/>
           <p:nvPr>
             <p:ph type="title"/>
@@ -19882,7 +22094,7 @@
       </p:sp>
       <p:sp>
         <p:nvSpPr>
-          <p:cNvPr id="253" name="Google Shape;253;p24"/>
+          <p:cNvPr id="273" name="Google Shape;273;p25"/>
           <p:cNvSpPr txBox="1"/>
           <p:nvPr>
             <p:ph idx="1" type="body"/>
@@ -20093,7 +22305,7 @@
       </p:sp>
       <p:sp>
         <p:nvSpPr>
-          <p:cNvPr id="254" name="Google Shape;254;p24"/>
+          <p:cNvPr id="274" name="Google Shape;274;p25"/>
           <p:cNvSpPr txBox="1"/>
           <p:nvPr>
             <p:ph idx="12" type="sldNum"/>
@@ -20139,144 +22351,286 @@
 </p:sld>
 </file>
 
-<file path=ppt/slides/slide9.xml><?xml version="1.0" encoding="utf-8"?>
-<p:sld xmlns:a="http://schemas.openxmlformats.org/drawingml/2006/main" xmlns:r="http://schemas.openxmlformats.org/officeDocument/2006/relationships" xmlns:mc="http://schemas.openxmlformats.org/markup-compatibility/2006" xmlns:mv="urn:schemas-microsoft-com:mac:vml" xmlns:p="http://schemas.openxmlformats.org/presentationml/2006/main" xmlns:c="http://schemas.openxmlformats.org/drawingml/2006/chart" xmlns:dgm="http://schemas.openxmlformats.org/drawingml/2006/diagram" xmlns:o="urn:schemas-microsoft-com:office:office" xmlns:v="urn:schemas-microsoft-com:vml" xmlns:pvml="urn:schemas-microsoft-com:office:powerpoint" xmlns:com="http://schemas.openxmlformats.org/drawingml/2006/compatibility" xmlns:p14="http://schemas.microsoft.com/office/powerpoint/2010/main" xmlns:p15="http://schemas.microsoft.com/office/powerpoint/2012/main" xmlns:ahyp="http://schemas.microsoft.com/office/drawing/2018/hyperlinkcolor">
-  <p:cSld>
-    <p:spTree>
-      <p:nvGrpSpPr>
-        <p:cNvPr id="258" name="Shape 258"/>
-        <p:cNvGrpSpPr/>
-        <p:nvPr/>
-      </p:nvGrpSpPr>
-      <p:grpSpPr>
-        <a:xfrm>
-          <a:off x="0" y="0"/>
-          <a:ext cx="0" cy="0"/>
-          <a:chOff x="0" y="0"/>
-          <a:chExt cx="0" cy="0"/>
-        </a:xfrm>
-      </p:grpSpPr>
-      <p:sp>
-        <p:nvSpPr>
-          <p:cNvPr id="259" name="Google Shape;259;p25"/>
-          <p:cNvSpPr txBox="1"/>
-          <p:nvPr>
-            <p:ph type="title"/>
-          </p:nvPr>
-        </p:nvSpPr>
-        <p:spPr>
-          <a:xfrm>
-            <a:off x="1297500" y="393750"/>
-            <a:ext cx="7038900" cy="914100"/>
-          </a:xfrm>
-          <a:prstGeom prst="rect">
-            <a:avLst/>
-          </a:prstGeom>
-        </p:spPr>
-        <p:txBody>
-          <a:bodyPr anchorCtr="0" anchor="t" bIns="91425" lIns="91425" spcFirstLastPara="1" rIns="91425" wrap="square" tIns="91425">
-            <a:normAutofit/>
-          </a:bodyPr>
-          <a:lstStyle/>
-          <a:p>
-            <a:pPr indent="0" lvl="0" marL="0" rtl="0" algn="l">
-              <a:spcBef>
-                <a:spcPts val="0"/>
-              </a:spcBef>
-              <a:spcAft>
-                <a:spcPts val="0"/>
-              </a:spcAft>
-              <a:buNone/>
-            </a:pPr>
-            <a:r>
-              <a:rPr lang="de"/>
-              <a:t>Visualization &amp; Interaction</a:t>
-            </a:r>
-            <a:r>
-              <a:rPr lang="de"/>
-              <a:t> - Map</a:t>
-            </a:r>
-            <a:endParaRPr/>
-          </a:p>
-        </p:txBody>
-      </p:sp>
-      <p:pic>
-        <p:nvPicPr>
-          <p:cNvPr id="260" name="Google Shape;260;p25"/>
-          <p:cNvPicPr preferRelativeResize="0"/>
-          <p:nvPr/>
-        </p:nvPicPr>
-        <p:blipFill>
-          <a:blip r:embed="rId3">
-            <a:alphaModFix/>
-          </a:blip>
-          <a:stretch>
-            <a:fillRect/>
-          </a:stretch>
-        </p:blipFill>
-        <p:spPr>
-          <a:xfrm>
-            <a:off x="1580013" y="1127150"/>
-            <a:ext cx="5983976" cy="3748300"/>
-          </a:xfrm>
-          <a:prstGeom prst="rect">
-            <a:avLst/>
-          </a:prstGeom>
-          <a:noFill/>
-          <a:ln>
-            <a:noFill/>
-          </a:ln>
-        </p:spPr>
-      </p:pic>
-      <p:sp>
-        <p:nvSpPr>
-          <p:cNvPr id="261" name="Google Shape;261;p25"/>
-          <p:cNvSpPr txBox="1"/>
-          <p:nvPr>
-            <p:ph idx="12" type="sldNum"/>
-          </p:nvPr>
-        </p:nvSpPr>
-        <p:spPr>
-          <a:xfrm>
-            <a:off x="8472458" y="4663217"/>
-            <a:ext cx="548700" cy="393600"/>
-          </a:xfrm>
-          <a:prstGeom prst="rect">
-            <a:avLst/>
-          </a:prstGeom>
-        </p:spPr>
-        <p:txBody>
-          <a:bodyPr anchorCtr="0" anchor="ctr" bIns="91425" lIns="91425" spcFirstLastPara="1" rIns="91425" wrap="square" tIns="91425">
-            <a:normAutofit/>
-          </a:bodyPr>
-          <a:lstStyle/>
-          <a:p>
-            <a:pPr indent="0" lvl="0" marL="0" rtl="0" algn="r">
-              <a:spcBef>
-                <a:spcPts val="0"/>
-              </a:spcBef>
-              <a:spcAft>
-                <a:spcPts val="0"/>
-              </a:spcAft>
-              <a:buNone/>
-            </a:pPr>
-            <a:fld id="{00000000-1234-1234-1234-123412341234}" type="slidenum">
-              <a:rPr lang="de"/>
-              <a:t>‹#›</a:t>
-            </a:fld>
-            <a:endParaRPr/>
-          </a:p>
-        </p:txBody>
-      </p:sp>
-    </p:spTree>
-  </p:cSld>
-  <p:clrMapOvr>
-    <a:masterClrMapping/>
-  </p:clrMapOvr>
-</p:sld>
+<file path=ppt/theme/theme1.xml><?xml version="1.0" encoding="utf-8"?>
+<a:theme xmlns:a="http://schemas.openxmlformats.org/drawingml/2006/main" xmlns:r="http://schemas.openxmlformats.org/officeDocument/2006/relationships">
+  <a:themeElements>
+    <a:clrScheme name="Default">
+      <a:dk1>
+        <a:srgbClr val="000000"/>
+      </a:dk1>
+      <a:lt1>
+        <a:srgbClr val="FFFFFF"/>
+      </a:lt1>
+      <a:dk2>
+        <a:srgbClr val="158158"/>
+      </a:dk2>
+      <a:lt2>
+        <a:srgbClr val="F3F3F3"/>
+      </a:lt2>
+      <a:accent1>
+        <a:srgbClr val="058DC7"/>
+      </a:accent1>
+      <a:accent2>
+        <a:srgbClr val="50B432"/>
+      </a:accent2>
+      <a:accent3>
+        <a:srgbClr val="ED561B"/>
+      </a:accent3>
+      <a:accent4>
+        <a:srgbClr val="EDEF00"/>
+      </a:accent4>
+      <a:accent5>
+        <a:srgbClr val="24CBE5"/>
+      </a:accent5>
+      <a:accent6>
+        <a:srgbClr val="64E572"/>
+      </a:accent6>
+      <a:hlink>
+        <a:srgbClr val="2200CC"/>
+      </a:hlink>
+      <a:folHlink>
+        <a:srgbClr val="551A8B"/>
+      </a:folHlink>
+    </a:clrScheme>
+    <a:fontScheme name="Office">
+      <a:majorFont>
+        <a:latin typeface="Arial"/>
+        <a:ea typeface=""/>
+        <a:cs typeface=""/>
+        <a:font script="Jpan" typeface="ＭＳ Ｐゴシック"/>
+        <a:font script="Hang" typeface="맑은 고딕"/>
+        <a:font script="Hans" typeface="宋体"/>
+        <a:font script="Hant" typeface="新細明體"/>
+        <a:font script="Arab" typeface="Times New Roman"/>
+        <a:font script="Hebr" typeface="Times New Roman"/>
+        <a:font script="Thai" typeface="Angsana New"/>
+        <a:font script="Ethi" typeface="Nyala"/>
+        <a:font script="Beng" typeface="Vrinda"/>
+        <a:font script="Gujr" typeface="Shruti"/>
+        <a:font script="Khmr" typeface="MoolBoran"/>
+        <a:font script="Knda" typeface="Tunga"/>
+        <a:font script="Guru" typeface="Raavi"/>
+        <a:font script="Cans" typeface="Euphemia"/>
+        <a:font script="Cher" typeface="Plantagenet Cherokee"/>
+        <a:font script="Yiii" typeface="Microsoft Yi Baiti"/>
+        <a:font script="Tibt" typeface="Microsoft Himalaya"/>
+        <a:font script="Thaa" typeface="MV Boli"/>
+        <a:font script="Deva" typeface="Mangal"/>
+        <a:font script="Telu" typeface="Gautami"/>
+        <a:font script="Taml" typeface="Latha"/>
+        <a:font script="Syrc" typeface="Estrangelo Edessa"/>
+        <a:font script="Orya" typeface="Kalinga"/>
+        <a:font script="Mlym" typeface="Kartika"/>
+        <a:font script="Laoo" typeface="DokChampa"/>
+        <a:font script="Sinh" typeface="Iskoola Pota"/>
+        <a:font script="Mong" typeface="Mongolian Baiti"/>
+        <a:font script="Viet" typeface="Times New Roman"/>
+        <a:font script="Uigh" typeface="Microsoft Uighur"/>
+        <a:font script="Geor" typeface="Sylfaen"/>
+      </a:majorFont>
+      <a:minorFont>
+        <a:latin typeface="Arial"/>
+        <a:ea typeface=""/>
+        <a:cs typeface=""/>
+        <a:font script="Jpan" typeface="ＭＳ Ｐゴシック"/>
+        <a:font script="Hang" typeface="맑은 고딕"/>
+        <a:font script="Hans" typeface="宋体"/>
+        <a:font script="Hant" typeface="新細明體"/>
+        <a:font script="Arab" typeface="Arial"/>
+        <a:font script="Hebr" typeface="Arial"/>
+        <a:font script="Thai" typeface="Cordia New"/>
+        <a:font script="Ethi" typeface="Nyala"/>
+        <a:font script="Beng" typeface="Vrinda"/>
+        <a:font script="Gujr" typeface="Shruti"/>
+        <a:font script="Khmr" typeface="DaunPenh"/>
+        <a:font script="Knda" typeface="Tunga"/>
+        <a:font script="Guru" typeface="Raavi"/>
+        <a:font script="Cans" typeface="Euphemia"/>
+        <a:font script="Cher" typeface="Plantagenet Cherokee"/>
+        <a:font script="Yiii" typeface="Microsoft Yi Baiti"/>
+        <a:font script="Tibt" typeface="Microsoft Himalaya"/>
+        <a:font script="Thaa" typeface="MV Boli"/>
+        <a:font script="Deva" typeface="Mangal"/>
+        <a:font script="Telu" typeface="Gautami"/>
+        <a:font script="Taml" typeface="Latha"/>
+        <a:font script="Syrc" typeface="Estrangelo Edessa"/>
+        <a:font script="Orya" typeface="Kalinga"/>
+        <a:font script="Mlym" typeface="Kartika"/>
+        <a:font script="Laoo" typeface="DokChampa"/>
+        <a:font script="Sinh" typeface="Iskoola Pota"/>
+        <a:font script="Mong" typeface="Mongolian Baiti"/>
+        <a:font script="Viet" typeface="Arial"/>
+        <a:font script="Uigh" typeface="Microsoft Uighur"/>
+        <a:font script="Geor" typeface="Sylfaen"/>
+      </a:minorFont>
+    </a:fontScheme>
+    <a:fmtScheme name="Office">
+      <a:fillStyleLst>
+        <a:solidFill>
+          <a:schemeClr val="phClr"/>
+        </a:solidFill>
+        <a:gradFill rotWithShape="1">
+          <a:gsLst>
+            <a:gs pos="0">
+              <a:schemeClr val="phClr">
+                <a:tint val="50000"/>
+                <a:satMod val="300000"/>
+              </a:schemeClr>
+            </a:gs>
+            <a:gs pos="35000">
+              <a:schemeClr val="phClr">
+                <a:tint val="37000"/>
+                <a:satMod val="300000"/>
+              </a:schemeClr>
+            </a:gs>
+            <a:gs pos="100000">
+              <a:schemeClr val="phClr">
+                <a:tint val="15000"/>
+                <a:satMod val="350000"/>
+              </a:schemeClr>
+            </a:gs>
+          </a:gsLst>
+          <a:lin ang="16200000" scaled="1"/>
+        </a:gradFill>
+        <a:gradFill rotWithShape="1">
+          <a:gsLst>
+            <a:gs pos="0">
+              <a:schemeClr val="phClr">
+                <a:tint val="100000"/>
+                <a:shade val="100000"/>
+                <a:satMod val="130000"/>
+              </a:schemeClr>
+            </a:gs>
+            <a:gs pos="100000">
+              <a:schemeClr val="phClr">
+                <a:tint val="50000"/>
+                <a:shade val="100000"/>
+                <a:satMod val="350000"/>
+              </a:schemeClr>
+            </a:gs>
+          </a:gsLst>
+          <a:lin ang="16200000" scaled="0"/>
+        </a:gradFill>
+      </a:fillStyleLst>
+      <a:lnStyleLst>
+        <a:ln w="9525" cap="flat" cmpd="sng" algn="ctr">
+          <a:solidFill>
+            <a:schemeClr val="phClr">
+              <a:shade val="95000"/>
+              <a:satMod val="105000"/>
+            </a:schemeClr>
+          </a:solidFill>
+          <a:prstDash val="solid"/>
+        </a:ln>
+        <a:ln w="25400" cap="flat" cmpd="sng" algn="ctr">
+          <a:solidFill>
+            <a:schemeClr val="phClr"/>
+          </a:solidFill>
+          <a:prstDash val="solid"/>
+        </a:ln>
+        <a:ln w="38100" cap="flat" cmpd="sng" algn="ctr">
+          <a:solidFill>
+            <a:schemeClr val="phClr"/>
+          </a:solidFill>
+          <a:prstDash val="solid"/>
+        </a:ln>
+      </a:lnStyleLst>
+      <a:effectStyleLst>
+        <a:effectStyle>
+          <a:effectLst>
+            <a:outerShdw blurRad="40000" dist="20000" dir="5400000" rotWithShape="0">
+              <a:srgbClr val="000000">
+                <a:alpha val="38000"/>
+              </a:srgbClr>
+            </a:outerShdw>
+          </a:effectLst>
+        </a:effectStyle>
+        <a:effectStyle>
+          <a:effectLst>
+            <a:outerShdw blurRad="40000" dist="23000" dir="5400000" rotWithShape="0">
+              <a:srgbClr val="000000">
+                <a:alpha val="35000"/>
+              </a:srgbClr>
+            </a:outerShdw>
+          </a:effectLst>
+        </a:effectStyle>
+        <a:effectStyle>
+          <a:effectLst>
+            <a:outerShdw blurRad="40000" dist="23000" dir="5400000" rotWithShape="0">
+              <a:srgbClr val="000000">
+                <a:alpha val="35000"/>
+              </a:srgbClr>
+            </a:outerShdw>
+          </a:effectLst>
+          <a:scene3d>
+            <a:camera prst="orthographicFront">
+              <a:rot lat="0" lon="0" rev="0"/>
+            </a:camera>
+            <a:lightRig rig="threePt" dir="t">
+              <a:rot lat="0" lon="0" rev="1200000"/>
+            </a:lightRig>
+          </a:scene3d>
+          <a:sp3d>
+            <a:bevelT w="63500" h="25400"/>
+          </a:sp3d>
+        </a:effectStyle>
+      </a:effectStyleLst>
+      <a:bgFillStyleLst>
+        <a:solidFill>
+          <a:schemeClr val="phClr"/>
+        </a:solidFill>
+        <a:gradFill rotWithShape="1">
+          <a:gsLst>
+            <a:gs pos="0">
+              <a:schemeClr val="phClr">
+                <a:tint val="40000"/>
+                <a:satMod val="350000"/>
+              </a:schemeClr>
+            </a:gs>
+            <a:gs pos="40000">
+              <a:schemeClr val="phClr">
+                <a:tint val="45000"/>
+                <a:shade val="99000"/>
+                <a:satMod val="350000"/>
+              </a:schemeClr>
+            </a:gs>
+            <a:gs pos="100000">
+              <a:schemeClr val="phClr">
+                <a:shade val="20000"/>
+                <a:satMod val="255000"/>
+              </a:schemeClr>
+            </a:gs>
+          </a:gsLst>
+          <a:path path="circle">
+            <a:fillToRect l="50000" t="-80000" r="50000" b="180000"/>
+          </a:path>
+        </a:gradFill>
+        <a:gradFill rotWithShape="1">
+          <a:gsLst>
+            <a:gs pos="0">
+              <a:schemeClr val="phClr">
+                <a:tint val="80000"/>
+                <a:satMod val="300000"/>
+              </a:schemeClr>
+            </a:gs>
+            <a:gs pos="100000">
+              <a:schemeClr val="phClr">
+                <a:shade val="30000"/>
+                <a:satMod val="200000"/>
+              </a:schemeClr>
+            </a:gs>
+          </a:gsLst>
+          <a:path path="circle">
+            <a:fillToRect l="50000" t="50000" r="50000" b="50000"/>
+          </a:path>
+        </a:gradFill>
+      </a:bgFillStyleLst>
+    </a:fmtScheme>
+  </a:themeElements>
+</a:theme>
 </file>
 
-<file path=ppt/theme/theme1.xml><?xml version="1.0" encoding="utf-8"?>
+<file path=ppt/theme/theme2.xml><?xml version="1.0" encoding="utf-8"?>
 <a:theme xmlns:a="http://schemas.openxmlformats.org/drawingml/2006/main" xmlns:r="http://schemas.openxmlformats.org/officeDocument/2006/relationships" name="Focus">
   <a:themeElements>
     <a:clrScheme name="Focus">
@@ -20553,283 +22907,4 @@
     </a:fmtScheme>
   </a:themeElements>
 </a:theme>
-</file>
-
-<file path=ppt/theme/theme2.xml><?xml version="1.0" encoding="utf-8"?>
-<a:theme xmlns:a="http://schemas.openxmlformats.org/drawingml/2006/main" xmlns:r="http://schemas.openxmlformats.org/officeDocument/2006/relationships">
-  <a:themeElements>
-    <a:clrScheme name="Default">
-      <a:dk1>
-        <a:srgbClr val="000000"/>
-      </a:dk1>
-      <a:lt1>
-        <a:srgbClr val="FFFFFF"/>
-      </a:lt1>
-      <a:dk2>
-        <a:srgbClr val="158158"/>
-      </a:dk2>
-      <a:lt2>
-        <a:srgbClr val="F3F3F3"/>
-      </a:lt2>
-      <a:accent1>
-        <a:srgbClr val="058DC7"/>
-      </a:accent1>
-      <a:accent2>
-        <a:srgbClr val="50B432"/>
-      </a:accent2>
-      <a:accent3>
-        <a:srgbClr val="ED561B"/>
-      </a:accent3>
-      <a:accent4>
-        <a:srgbClr val="EDEF00"/>
-      </a:accent4>
-      <a:accent5>
-        <a:srgbClr val="24CBE5"/>
-      </a:accent5>
-      <a:accent6>
-        <a:srgbClr val="64E572"/>
-      </a:accent6>
-      <a:hlink>
-        <a:srgbClr val="2200CC"/>
-      </a:hlink>
-      <a:folHlink>
-        <a:srgbClr val="551A8B"/>
-      </a:folHlink>
-    </a:clrScheme>
-    <a:fontScheme name="Office">
-      <a:majorFont>
-        <a:latin typeface="Arial"/>
-        <a:ea typeface=""/>
-        <a:cs typeface=""/>
-        <a:font script="Jpan" typeface="ＭＳ Ｐゴシック"/>
-        <a:font script="Hang" typeface="맑은 고딕"/>
-        <a:font script="Hans" typeface="宋体"/>
-        <a:font script="Hant" typeface="新細明體"/>
-        <a:font script="Arab" typeface="Times New Roman"/>
-        <a:font script="Hebr" typeface="Times New Roman"/>
-        <a:font script="Thai" typeface="Angsana New"/>
-        <a:font script="Ethi" typeface="Nyala"/>
-        <a:font script="Beng" typeface="Vrinda"/>
-        <a:font script="Gujr" typeface="Shruti"/>
-        <a:font script="Khmr" typeface="MoolBoran"/>
-        <a:font script="Knda" typeface="Tunga"/>
-        <a:font script="Guru" typeface="Raavi"/>
-        <a:font script="Cans" typeface="Euphemia"/>
-        <a:font script="Cher" typeface="Plantagenet Cherokee"/>
-        <a:font script="Yiii" typeface="Microsoft Yi Baiti"/>
-        <a:font script="Tibt" typeface="Microsoft Himalaya"/>
-        <a:font script="Thaa" typeface="MV Boli"/>
-        <a:font script="Deva" typeface="Mangal"/>
-        <a:font script="Telu" typeface="Gautami"/>
-        <a:font script="Taml" typeface="Latha"/>
-        <a:font script="Syrc" typeface="Estrangelo Edessa"/>
-        <a:font script="Orya" typeface="Kalinga"/>
-        <a:font script="Mlym" typeface="Kartika"/>
-        <a:font script="Laoo" typeface="DokChampa"/>
-        <a:font script="Sinh" typeface="Iskoola Pota"/>
-        <a:font script="Mong" typeface="Mongolian Baiti"/>
-        <a:font script="Viet" typeface="Times New Roman"/>
-        <a:font script="Uigh" typeface="Microsoft Uighur"/>
-        <a:font script="Geor" typeface="Sylfaen"/>
-      </a:majorFont>
-      <a:minorFont>
-        <a:latin typeface="Arial"/>
-        <a:ea typeface=""/>
-        <a:cs typeface=""/>
-        <a:font script="Jpan" typeface="ＭＳ Ｐゴシック"/>
-        <a:font script="Hang" typeface="맑은 고딕"/>
-        <a:font script="Hans" typeface="宋体"/>
-        <a:font script="Hant" typeface="新細明體"/>
-        <a:font script="Arab" typeface="Arial"/>
-        <a:font script="Hebr" typeface="Arial"/>
-        <a:font script="Thai" typeface="Cordia New"/>
-        <a:font script="Ethi" typeface="Nyala"/>
-        <a:font script="Beng" typeface="Vrinda"/>
-        <a:font script="Gujr" typeface="Shruti"/>
-        <a:font script="Khmr" typeface="DaunPenh"/>
-        <a:font script="Knda" typeface="Tunga"/>
-        <a:font script="Guru" typeface="Raavi"/>
-        <a:font script="Cans" typeface="Euphemia"/>
-        <a:font script="Cher" typeface="Plantagenet Cherokee"/>
-        <a:font script="Yiii" typeface="Microsoft Yi Baiti"/>
-        <a:font script="Tibt" typeface="Microsoft Himalaya"/>
-        <a:font script="Thaa" typeface="MV Boli"/>
-        <a:font script="Deva" typeface="Mangal"/>
-        <a:font script="Telu" typeface="Gautami"/>
-        <a:font script="Taml" typeface="Latha"/>
-        <a:font script="Syrc" typeface="Estrangelo Edessa"/>
-        <a:font script="Orya" typeface="Kalinga"/>
-        <a:font script="Mlym" typeface="Kartika"/>
-        <a:font script="Laoo" typeface="DokChampa"/>
-        <a:font script="Sinh" typeface="Iskoola Pota"/>
-        <a:font script="Mong" typeface="Mongolian Baiti"/>
-        <a:font script="Viet" typeface="Arial"/>
-        <a:font script="Uigh" typeface="Microsoft Uighur"/>
-        <a:font script="Geor" typeface="Sylfaen"/>
-      </a:minorFont>
-    </a:fontScheme>
-    <a:fmtScheme name="Office">
-      <a:fillStyleLst>
-        <a:solidFill>
-          <a:schemeClr val="phClr"/>
-        </a:solidFill>
-        <a:gradFill rotWithShape="1">
-          <a:gsLst>
-            <a:gs pos="0">
-              <a:schemeClr val="phClr">
-                <a:tint val="50000"/>
-                <a:satMod val="300000"/>
-              </a:schemeClr>
-            </a:gs>
-            <a:gs pos="35000">
-              <a:schemeClr val="phClr">
-                <a:tint val="37000"/>
-                <a:satMod val="300000"/>
-              </a:schemeClr>
-            </a:gs>
-            <a:gs pos="100000">
-              <a:schemeClr val="phClr">
-                <a:tint val="15000"/>
-                <a:satMod val="350000"/>
-              </a:schemeClr>
-            </a:gs>
-          </a:gsLst>
-          <a:lin ang="16200000" scaled="1"/>
-        </a:gradFill>
-        <a:gradFill rotWithShape="1">
-          <a:gsLst>
-            <a:gs pos="0">
-              <a:schemeClr val="phClr">
-                <a:tint val="100000"/>
-                <a:shade val="100000"/>
-                <a:satMod val="130000"/>
-              </a:schemeClr>
-            </a:gs>
-            <a:gs pos="100000">
-              <a:schemeClr val="phClr">
-                <a:tint val="50000"/>
-                <a:shade val="100000"/>
-                <a:satMod val="350000"/>
-              </a:schemeClr>
-            </a:gs>
-          </a:gsLst>
-          <a:lin ang="16200000" scaled="0"/>
-        </a:gradFill>
-      </a:fillStyleLst>
-      <a:lnStyleLst>
-        <a:ln w="9525" cap="flat" cmpd="sng" algn="ctr">
-          <a:solidFill>
-            <a:schemeClr val="phClr">
-              <a:shade val="95000"/>
-              <a:satMod val="105000"/>
-            </a:schemeClr>
-          </a:solidFill>
-          <a:prstDash val="solid"/>
-        </a:ln>
-        <a:ln w="25400" cap="flat" cmpd="sng" algn="ctr">
-          <a:solidFill>
-            <a:schemeClr val="phClr"/>
-          </a:solidFill>
-          <a:prstDash val="solid"/>
-        </a:ln>
-        <a:ln w="38100" cap="flat" cmpd="sng" algn="ctr">
-          <a:solidFill>
-            <a:schemeClr val="phClr"/>
-          </a:solidFill>
-          <a:prstDash val="solid"/>
-        </a:ln>
-      </a:lnStyleLst>
-      <a:effectStyleLst>
-        <a:effectStyle>
-          <a:effectLst>
-            <a:outerShdw blurRad="40000" dist="20000" dir="5400000" rotWithShape="0">
-              <a:srgbClr val="000000">
-                <a:alpha val="38000"/>
-              </a:srgbClr>
-            </a:outerShdw>
-          </a:effectLst>
-        </a:effectStyle>
-        <a:effectStyle>
-          <a:effectLst>
-            <a:outerShdw blurRad="40000" dist="23000" dir="5400000" rotWithShape="0">
-              <a:srgbClr val="000000">
-                <a:alpha val="35000"/>
-              </a:srgbClr>
-            </a:outerShdw>
-          </a:effectLst>
-        </a:effectStyle>
-        <a:effectStyle>
-          <a:effectLst>
-            <a:outerShdw blurRad="40000" dist="23000" dir="5400000" rotWithShape="0">
-              <a:srgbClr val="000000">
-                <a:alpha val="35000"/>
-              </a:srgbClr>
-            </a:outerShdw>
-          </a:effectLst>
-          <a:scene3d>
-            <a:camera prst="orthographicFront">
-              <a:rot lat="0" lon="0" rev="0"/>
-            </a:camera>
-            <a:lightRig rig="threePt" dir="t">
-              <a:rot lat="0" lon="0" rev="1200000"/>
-            </a:lightRig>
-          </a:scene3d>
-          <a:sp3d>
-            <a:bevelT w="63500" h="25400"/>
-          </a:sp3d>
-        </a:effectStyle>
-      </a:effectStyleLst>
-      <a:bgFillStyleLst>
-        <a:solidFill>
-          <a:schemeClr val="phClr"/>
-        </a:solidFill>
-        <a:gradFill rotWithShape="1">
-          <a:gsLst>
-            <a:gs pos="0">
-              <a:schemeClr val="phClr">
-                <a:tint val="40000"/>
-                <a:satMod val="350000"/>
-              </a:schemeClr>
-            </a:gs>
-            <a:gs pos="40000">
-              <a:schemeClr val="phClr">
-                <a:tint val="45000"/>
-                <a:shade val="99000"/>
-                <a:satMod val="350000"/>
-              </a:schemeClr>
-            </a:gs>
-            <a:gs pos="100000">
-              <a:schemeClr val="phClr">
-                <a:shade val="20000"/>
-                <a:satMod val="255000"/>
-              </a:schemeClr>
-            </a:gs>
-          </a:gsLst>
-          <a:path path="circle">
-            <a:fillToRect l="50000" t="-80000" r="50000" b="180000"/>
-          </a:path>
-        </a:gradFill>
-        <a:gradFill rotWithShape="1">
-          <a:gsLst>
-            <a:gs pos="0">
-              <a:schemeClr val="phClr">
-                <a:tint val="80000"/>
-                <a:satMod val="300000"/>
-              </a:schemeClr>
-            </a:gs>
-            <a:gs pos="100000">
-              <a:schemeClr val="phClr">
-                <a:shade val="30000"/>
-                <a:satMod val="200000"/>
-              </a:schemeClr>
-            </a:gs>
-          </a:gsLst>
-          <a:path path="circle">
-            <a:fillToRect l="50000" t="50000" r="50000" b="50000"/>
-          </a:path>
-        </a:gradFill>
-      </a:bgFillStyleLst>
-    </a:fmtScheme>
-  </a:themeElements>
-</a:theme>
 </file>
--- a/Vaadin.pptx
+++ b/Vaadin.pptx
@@ -16718,7 +16718,7 @@
             <a:tbl>
               <a:tblPr>
                 <a:noFill/>
-                <a:tableStyleId>{DCCAD22C-A005-473B-A30F-09C6423CAA51}</a:tableStyleId>
+                <a:tableStyleId>{12D756E0-0261-49DA-8494-F3E57122D0BD}</a:tableStyleId>
               </a:tblPr>
               <a:tblGrid>
                 <a:gridCol w="3654025"/>
@@ -20462,7 +20462,7 @@
             <a:tbl>
               <a:tblPr>
                 <a:noFill/>
-                <a:tableStyleId>{DCCAD22C-A005-473B-A30F-09C6423CAA51}</a:tableStyleId>
+                <a:tableStyleId>{12D756E0-0261-49DA-8494-F3E57122D0BD}</a:tableStyleId>
               </a:tblPr>
               <a:tblGrid>
                 <a:gridCol w="1809750"/>
@@ -21891,7 +21891,7 @@
             </a:pPr>
             <a:r>
               <a:rPr lang="de"/>
-              <a:t>Richt Text Editor*</a:t>
+              <a:t>Rich Text Editor*</a:t>
             </a:r>
             <a:endParaRPr/>
           </a:p>

--- a/Vaadin.pptx
+++ b/Vaadin.pptx
@@ -16718,7 +16718,7 @@
             <a:tbl>
               <a:tblPr>
                 <a:noFill/>
-                <a:tableStyleId>{12D756E0-0261-49DA-8494-F3E57122D0BD}</a:tableStyleId>
+                <a:tableStyleId>{D732619D-AE1A-42C5-B16B-6EAE2028BA19}</a:tableStyleId>
               </a:tblPr>
               <a:tblGrid>
                 <a:gridCol w="3654025"/>
@@ -18084,7 +18084,7 @@
                   <a:schemeClr val="lt1"/>
                 </a:solidFill>
               </a:rPr>
-              <a:t>├── src/main/</a:t>
+              <a:t>├── src/</a:t>
             </a:r>
             <a:endParaRPr>
               <a:solidFill>
@@ -18589,7 +18589,7 @@
         </p:spPr>
         <p:txBody>
           <a:bodyPr anchorCtr="0" anchor="t" bIns="91425" lIns="91425" spcFirstLastPara="1" rIns="91425" wrap="square" tIns="91425">
-            <a:normAutofit/>
+            <a:normAutofit lnSpcReduction="20000"/>
           </a:bodyPr>
           <a:lstStyle/>
           <a:p>
@@ -18789,6 +18789,50 @@
                 <a:hlinkClick r:id="rId10"/>
               </a:rPr>
               <a:t>Django</a:t>
+            </a:r>
+            <a:endParaRPr/>
+          </a:p>
+          <a:p>
+            <a:pPr indent="-311150" lvl="0" marL="457200" rtl="0" algn="l">
+              <a:spcBef>
+                <a:spcPts val="0"/>
+              </a:spcBef>
+              <a:spcAft>
+                <a:spcPts val="0"/>
+              </a:spcAft>
+              <a:buSzPts val="1300"/>
+              <a:buChar char="-"/>
+            </a:pPr>
+            <a:r>
+              <a:rPr lang="de" u="sng">
+                <a:solidFill>
+                  <a:schemeClr val="hlink"/>
+                </a:solidFill>
+                <a:hlinkClick r:id="rId11"/>
+              </a:rPr>
+              <a:t>Hilla</a:t>
+            </a:r>
+            <a:endParaRPr/>
+          </a:p>
+          <a:p>
+            <a:pPr indent="-311150" lvl="0" marL="457200" rtl="0" algn="l">
+              <a:spcBef>
+                <a:spcPts val="0"/>
+              </a:spcBef>
+              <a:spcAft>
+                <a:spcPts val="0"/>
+              </a:spcAft>
+              <a:buSzPts val="1300"/>
+              <a:buChar char="-"/>
+            </a:pPr>
+            <a:r>
+              <a:rPr lang="de" u="sng">
+                <a:solidFill>
+                  <a:schemeClr val="hlink"/>
+                </a:solidFill>
+                <a:hlinkClick r:id="rId12"/>
+              </a:rPr>
+              <a:t>Vaadin</a:t>
             </a:r>
             <a:endParaRPr/>
           </a:p>
@@ -20462,7 +20506,7 @@
             <a:tbl>
               <a:tblPr>
                 <a:noFill/>
-                <a:tableStyleId>{12D756E0-0261-49DA-8494-F3E57122D0BD}</a:tableStyleId>
+                <a:tableStyleId>{D732619D-AE1A-42C5-B16B-6EAE2028BA19}</a:tableStyleId>
               </a:tblPr>
               <a:tblGrid>
                 <a:gridCol w="1809750"/>
@@ -22352,6 +22396,285 @@
 </file>
 
 <file path=ppt/theme/theme1.xml><?xml version="1.0" encoding="utf-8"?>
+<a:theme xmlns:a="http://schemas.openxmlformats.org/drawingml/2006/main" xmlns:r="http://schemas.openxmlformats.org/officeDocument/2006/relationships" name="Focus">
+  <a:themeElements>
+    <a:clrScheme name="Focus">
+      <a:dk1>
+        <a:srgbClr val="1B212C"/>
+      </a:dk1>
+      <a:lt1>
+        <a:srgbClr val="FFFFFF"/>
+      </a:lt1>
+      <a:dk2>
+        <a:srgbClr val="D9D9D9"/>
+      </a:dk2>
+      <a:lt2>
+        <a:srgbClr val="82C7A5"/>
+      </a:lt2>
+      <a:accent1>
+        <a:srgbClr val="0145AC"/>
+      </a:accent1>
+      <a:accent2>
+        <a:srgbClr val="EECE1A"/>
+      </a:accent2>
+      <a:accent3>
+        <a:srgbClr val="4E5567"/>
+      </a:accent3>
+      <a:accent4>
+        <a:srgbClr val="F4D6AD"/>
+      </a:accent4>
+      <a:accent5>
+        <a:srgbClr val="7890CD"/>
+      </a:accent5>
+      <a:accent6>
+        <a:srgbClr val="F15E22"/>
+      </a:accent6>
+      <a:hlink>
+        <a:srgbClr val="7890CD"/>
+      </a:hlink>
+      <a:folHlink>
+        <a:srgbClr val="7890CD"/>
+      </a:folHlink>
+    </a:clrScheme>
+    <a:fontScheme name="Office">
+      <a:majorFont>
+        <a:latin typeface="Arial"/>
+        <a:ea typeface=""/>
+        <a:cs typeface=""/>
+        <a:font script="Jpan" typeface="ＭＳ Ｐゴシック"/>
+        <a:font script="Hang" typeface="맑은 고딕"/>
+        <a:font script="Hans" typeface="宋体"/>
+        <a:font script="Hant" typeface="新細明體"/>
+        <a:font script="Arab" typeface="Times New Roman"/>
+        <a:font script="Hebr" typeface="Times New Roman"/>
+        <a:font script="Thai" typeface="Angsana New"/>
+        <a:font script="Ethi" typeface="Nyala"/>
+        <a:font script="Beng" typeface="Vrinda"/>
+        <a:font script="Gujr" typeface="Shruti"/>
+        <a:font script="Khmr" typeface="MoolBoran"/>
+        <a:font script="Knda" typeface="Tunga"/>
+        <a:font script="Guru" typeface="Raavi"/>
+        <a:font script="Cans" typeface="Euphemia"/>
+        <a:font script="Cher" typeface="Plantagenet Cherokee"/>
+        <a:font script="Yiii" typeface="Microsoft Yi Baiti"/>
+        <a:font script="Tibt" typeface="Microsoft Himalaya"/>
+        <a:font script="Thaa" typeface="MV Boli"/>
+        <a:font script="Deva" typeface="Mangal"/>
+        <a:font script="Telu" typeface="Gautami"/>
+        <a:font script="Taml" typeface="Latha"/>
+        <a:font script="Syrc" typeface="Estrangelo Edessa"/>
+        <a:font script="Orya" typeface="Kalinga"/>
+        <a:font script="Mlym" typeface="Kartika"/>
+        <a:font script="Laoo" typeface="DokChampa"/>
+        <a:font script="Sinh" typeface="Iskoola Pota"/>
+        <a:font script="Mong" typeface="Mongolian Baiti"/>
+        <a:font script="Viet" typeface="Times New Roman"/>
+        <a:font script="Uigh" typeface="Microsoft Uighur"/>
+        <a:font script="Geor" typeface="Sylfaen"/>
+      </a:majorFont>
+      <a:minorFont>
+        <a:latin typeface="Arial"/>
+        <a:ea typeface=""/>
+        <a:cs typeface=""/>
+        <a:font script="Jpan" typeface="ＭＳ Ｐゴシック"/>
+        <a:font script="Hang" typeface="맑은 고딕"/>
+        <a:font script="Hans" typeface="宋体"/>
+        <a:font script="Hant" typeface="新細明體"/>
+        <a:font script="Arab" typeface="Arial"/>
+        <a:font script="Hebr" typeface="Arial"/>
+        <a:font script="Thai" typeface="Cordia New"/>
+        <a:font script="Ethi" typeface="Nyala"/>
+        <a:font script="Beng" typeface="Vrinda"/>
+        <a:font script="Gujr" typeface="Shruti"/>
+        <a:font script="Khmr" typeface="DaunPenh"/>
+        <a:font script="Knda" typeface="Tunga"/>
+        <a:font script="Guru" typeface="Raavi"/>
+        <a:font script="Cans" typeface="Euphemia"/>
+        <a:font script="Cher" typeface="Plantagenet Cherokee"/>
+        <a:font script="Yiii" typeface="Microsoft Yi Baiti"/>
+        <a:font script="Tibt" typeface="Microsoft Himalaya"/>
+        <a:font script="Thaa" typeface="MV Boli"/>
+        <a:font script="Deva" typeface="Mangal"/>
+        <a:font script="Telu" typeface="Gautami"/>
+        <a:font script="Taml" typeface="Latha"/>
+        <a:font script="Syrc" typeface="Estrangelo Edessa"/>
+        <a:font script="Orya" typeface="Kalinga"/>
+        <a:font script="Mlym" typeface="Kartika"/>
+        <a:font script="Laoo" typeface="DokChampa"/>
+        <a:font script="Sinh" typeface="Iskoola Pota"/>
+        <a:font script="Mong" typeface="Mongolian Baiti"/>
+        <a:font script="Viet" typeface="Arial"/>
+        <a:font script="Uigh" typeface="Microsoft Uighur"/>
+        <a:font script="Geor" typeface="Sylfaen"/>
+      </a:minorFont>
+    </a:fontScheme>
+    <a:fmtScheme name="Office">
+      <a:fillStyleLst>
+        <a:solidFill>
+          <a:schemeClr val="phClr"/>
+        </a:solidFill>
+        <a:gradFill rotWithShape="1">
+          <a:gsLst>
+            <a:gs pos="0">
+              <a:schemeClr val="phClr">
+                <a:tint val="50000"/>
+                <a:satMod val="300000"/>
+              </a:schemeClr>
+            </a:gs>
+            <a:gs pos="35000">
+              <a:schemeClr val="phClr">
+                <a:tint val="37000"/>
+                <a:satMod val="300000"/>
+              </a:schemeClr>
+            </a:gs>
+            <a:gs pos="100000">
+              <a:schemeClr val="phClr">
+                <a:tint val="15000"/>
+                <a:satMod val="350000"/>
+              </a:schemeClr>
+            </a:gs>
+          </a:gsLst>
+          <a:lin ang="16200000" scaled="1"/>
+        </a:gradFill>
+        <a:gradFill rotWithShape="1">
+          <a:gsLst>
+            <a:gs pos="0">
+              <a:schemeClr val="phClr">
+                <a:tint val="100000"/>
+                <a:shade val="100000"/>
+                <a:satMod val="130000"/>
+              </a:schemeClr>
+            </a:gs>
+            <a:gs pos="100000">
+              <a:schemeClr val="phClr">
+                <a:tint val="50000"/>
+                <a:shade val="100000"/>
+                <a:satMod val="350000"/>
+              </a:schemeClr>
+            </a:gs>
+          </a:gsLst>
+          <a:lin ang="16200000" scaled="0"/>
+        </a:gradFill>
+      </a:fillStyleLst>
+      <a:lnStyleLst>
+        <a:ln w="9525" cap="flat" cmpd="sng" algn="ctr">
+          <a:solidFill>
+            <a:schemeClr val="phClr">
+              <a:shade val="95000"/>
+              <a:satMod val="105000"/>
+            </a:schemeClr>
+          </a:solidFill>
+          <a:prstDash val="solid"/>
+        </a:ln>
+        <a:ln w="25400" cap="flat" cmpd="sng" algn="ctr">
+          <a:solidFill>
+            <a:schemeClr val="phClr"/>
+          </a:solidFill>
+          <a:prstDash val="solid"/>
+        </a:ln>
+        <a:ln w="38100" cap="flat" cmpd="sng" algn="ctr">
+          <a:solidFill>
+            <a:schemeClr val="phClr"/>
+          </a:solidFill>
+          <a:prstDash val="solid"/>
+        </a:ln>
+      </a:lnStyleLst>
+      <a:effectStyleLst>
+        <a:effectStyle>
+          <a:effectLst>
+            <a:outerShdw blurRad="40000" dist="20000" dir="5400000" rotWithShape="0">
+              <a:srgbClr val="000000">
+                <a:alpha val="38000"/>
+              </a:srgbClr>
+            </a:outerShdw>
+          </a:effectLst>
+        </a:effectStyle>
+        <a:effectStyle>
+          <a:effectLst>
+            <a:outerShdw blurRad="40000" dist="23000" dir="5400000" rotWithShape="0">
+              <a:srgbClr val="000000">
+                <a:alpha val="35000"/>
+              </a:srgbClr>
+            </a:outerShdw>
+          </a:effectLst>
+        </a:effectStyle>
+        <a:effectStyle>
+          <a:effectLst>
+            <a:outerShdw blurRad="40000" dist="23000" dir="5400000" rotWithShape="0">
+              <a:srgbClr val="000000">
+                <a:alpha val="35000"/>
+              </a:srgbClr>
+            </a:outerShdw>
+          </a:effectLst>
+          <a:scene3d>
+            <a:camera prst="orthographicFront">
+              <a:rot lat="0" lon="0" rev="0"/>
+            </a:camera>
+            <a:lightRig rig="threePt" dir="t">
+              <a:rot lat="0" lon="0" rev="1200000"/>
+            </a:lightRig>
+          </a:scene3d>
+          <a:sp3d>
+            <a:bevelT w="63500" h="25400"/>
+          </a:sp3d>
+        </a:effectStyle>
+      </a:effectStyleLst>
+      <a:bgFillStyleLst>
+        <a:solidFill>
+          <a:schemeClr val="phClr"/>
+        </a:solidFill>
+        <a:gradFill rotWithShape="1">
+          <a:gsLst>
+            <a:gs pos="0">
+              <a:schemeClr val="phClr">
+                <a:tint val="40000"/>
+                <a:satMod val="350000"/>
+              </a:schemeClr>
+            </a:gs>
+            <a:gs pos="40000">
+              <a:schemeClr val="phClr">
+                <a:tint val="45000"/>
+                <a:shade val="99000"/>
+                <a:satMod val="350000"/>
+              </a:schemeClr>
+            </a:gs>
+            <a:gs pos="100000">
+              <a:schemeClr val="phClr">
+                <a:shade val="20000"/>
+                <a:satMod val="255000"/>
+              </a:schemeClr>
+            </a:gs>
+          </a:gsLst>
+          <a:path path="circle">
+            <a:fillToRect l="50000" t="-80000" r="50000" b="180000"/>
+          </a:path>
+        </a:gradFill>
+        <a:gradFill rotWithShape="1">
+          <a:gsLst>
+            <a:gs pos="0">
+              <a:schemeClr val="phClr">
+                <a:tint val="80000"/>
+                <a:satMod val="300000"/>
+              </a:schemeClr>
+            </a:gs>
+            <a:gs pos="100000">
+              <a:schemeClr val="phClr">
+                <a:shade val="30000"/>
+                <a:satMod val="200000"/>
+              </a:schemeClr>
+            </a:gs>
+          </a:gsLst>
+          <a:path path="circle">
+            <a:fillToRect l="50000" t="50000" r="50000" b="50000"/>
+          </a:path>
+        </a:gradFill>
+      </a:bgFillStyleLst>
+    </a:fmtScheme>
+  </a:themeElements>
+</a:theme>
+</file>
+
+<file path=ppt/theme/theme2.xml><?xml version="1.0" encoding="utf-8"?>
 <a:theme xmlns:a="http://schemas.openxmlformats.org/drawingml/2006/main" xmlns:r="http://schemas.openxmlformats.org/officeDocument/2006/relationships">
   <a:themeElements>
     <a:clrScheme name="Default">
@@ -22628,283 +22951,4 @@
     </a:fmtScheme>
   </a:themeElements>
 </a:theme>
-</file>
-
-<file path=ppt/theme/theme2.xml><?xml version="1.0" encoding="utf-8"?>
-<a:theme xmlns:a="http://schemas.openxmlformats.org/drawingml/2006/main" xmlns:r="http://schemas.openxmlformats.org/officeDocument/2006/relationships" name="Focus">
-  <a:themeElements>
-    <a:clrScheme name="Focus">
-      <a:dk1>
-        <a:srgbClr val="1B212C"/>
-      </a:dk1>
-      <a:lt1>
-        <a:srgbClr val="FFFFFF"/>
-      </a:lt1>
-      <a:dk2>
-        <a:srgbClr val="D9D9D9"/>
-      </a:dk2>
-      <a:lt2>
-        <a:srgbClr val="82C7A5"/>
-      </a:lt2>
-      <a:accent1>
-        <a:srgbClr val="0145AC"/>
-      </a:accent1>
-      <a:accent2>
-        <a:srgbClr val="EECE1A"/>
-      </a:accent2>
-      <a:accent3>
-        <a:srgbClr val="4E5567"/>
-      </a:accent3>
-      <a:accent4>
-        <a:srgbClr val="F4D6AD"/>
-      </a:accent4>
-      <a:accent5>
-        <a:srgbClr val="7890CD"/>
-      </a:accent5>
-      <a:accent6>
-        <a:srgbClr val="F15E22"/>
-      </a:accent6>
-      <a:hlink>
-        <a:srgbClr val="7890CD"/>
-      </a:hlink>
-      <a:folHlink>
-        <a:srgbClr val="7890CD"/>
-      </a:folHlink>
-    </a:clrScheme>
-    <a:fontScheme name="Office">
-      <a:majorFont>
-        <a:latin typeface="Arial"/>
-        <a:ea typeface=""/>
-        <a:cs typeface=""/>
-        <a:font script="Jpan" typeface="ＭＳ Ｐゴシック"/>
-        <a:font script="Hang" typeface="맑은 고딕"/>
-        <a:font script="Hans" typeface="宋体"/>
-        <a:font script="Hant" typeface="新細明體"/>
-        <a:font script="Arab" typeface="Times New Roman"/>
-        <a:font script="Hebr" typeface="Times New Roman"/>
-        <a:font script="Thai" typeface="Angsana New"/>
-        <a:font script="Ethi" typeface="Nyala"/>
-        <a:font script="Beng" typeface="Vrinda"/>
-        <a:font script="Gujr" typeface="Shruti"/>
-        <a:font script="Khmr" typeface="MoolBoran"/>
-        <a:font script="Knda" typeface="Tunga"/>
-        <a:font script="Guru" typeface="Raavi"/>
-        <a:font script="Cans" typeface="Euphemia"/>
-        <a:font script="Cher" typeface="Plantagenet Cherokee"/>
-        <a:font script="Yiii" typeface="Microsoft Yi Baiti"/>
-        <a:font script="Tibt" typeface="Microsoft Himalaya"/>
-        <a:font script="Thaa" typeface="MV Boli"/>
-        <a:font script="Deva" typeface="Mangal"/>
-        <a:font script="Telu" typeface="Gautami"/>
-        <a:font script="Taml" typeface="Latha"/>
-        <a:font script="Syrc" typeface="Estrangelo Edessa"/>
-        <a:font script="Orya" typeface="Kalinga"/>
-        <a:font script="Mlym" typeface="Kartika"/>
-        <a:font script="Laoo" typeface="DokChampa"/>
-        <a:font script="Sinh" typeface="Iskoola Pota"/>
-        <a:font script="Mong" typeface="Mongolian Baiti"/>
-        <a:font script="Viet" typeface="Times New Roman"/>
-        <a:font script="Uigh" typeface="Microsoft Uighur"/>
-        <a:font script="Geor" typeface="Sylfaen"/>
-      </a:majorFont>
-      <a:minorFont>
-        <a:latin typeface="Arial"/>
-        <a:ea typeface=""/>
-        <a:cs typeface=""/>
-        <a:font script="Jpan" typeface="ＭＳ Ｐゴシック"/>
-        <a:font script="Hang" typeface="맑은 고딕"/>
-        <a:font script="Hans" typeface="宋体"/>
-        <a:font script="Hant" typeface="新細明體"/>
-        <a:font script="Arab" typeface="Arial"/>
-        <a:font script="Hebr" typeface="Arial"/>
-        <a:font script="Thai" typeface="Cordia New"/>
-        <a:font script="Ethi" typeface="Nyala"/>
-        <a:font script="Beng" typeface="Vrinda"/>
-        <a:font script="Gujr" typeface="Shruti"/>
-        <a:font script="Khmr" typeface="DaunPenh"/>
-        <a:font script="Knda" typeface="Tunga"/>
-        <a:font script="Guru" typeface="Raavi"/>
-        <a:font script="Cans" typeface="Euphemia"/>
-        <a:font script="Cher" typeface="Plantagenet Cherokee"/>
-        <a:font script="Yiii" typeface="Microsoft Yi Baiti"/>
-        <a:font script="Tibt" typeface="Microsoft Himalaya"/>
-        <a:font script="Thaa" typeface="MV Boli"/>
-        <a:font script="Deva" typeface="Mangal"/>
-        <a:font script="Telu" typeface="Gautami"/>
-        <a:font script="Taml" typeface="Latha"/>
-        <a:font script="Syrc" typeface="Estrangelo Edessa"/>
-        <a:font script="Orya" typeface="Kalinga"/>
-        <a:font script="Mlym" typeface="Kartika"/>
-        <a:font script="Laoo" typeface="DokChampa"/>
-        <a:font script="Sinh" typeface="Iskoola Pota"/>
-        <a:font script="Mong" typeface="Mongolian Baiti"/>
-        <a:font script="Viet" typeface="Arial"/>
-        <a:font script="Uigh" typeface="Microsoft Uighur"/>
-        <a:font script="Geor" typeface="Sylfaen"/>
-      </a:minorFont>
-    </a:fontScheme>
-    <a:fmtScheme name="Office">
-      <a:fillStyleLst>
-        <a:solidFill>
-          <a:schemeClr val="phClr"/>
-        </a:solidFill>
-        <a:gradFill rotWithShape="1">
-          <a:gsLst>
-            <a:gs pos="0">
-              <a:schemeClr val="phClr">
-                <a:tint val="50000"/>
-                <a:satMod val="300000"/>
-              </a:schemeClr>
-            </a:gs>
-            <a:gs pos="35000">
-              <a:schemeClr val="phClr">
-                <a:tint val="37000"/>
-                <a:satMod val="300000"/>
-              </a:schemeClr>
-            </a:gs>
-            <a:gs pos="100000">
-              <a:schemeClr val="phClr">
-                <a:tint val="15000"/>
-                <a:satMod val="350000"/>
-              </a:schemeClr>
-            </a:gs>
-          </a:gsLst>
-          <a:lin ang="16200000" scaled="1"/>
-        </a:gradFill>
-        <a:gradFill rotWithShape="1">
-          <a:gsLst>
-            <a:gs pos="0">
-              <a:schemeClr val="phClr">
-                <a:tint val="100000"/>
-                <a:shade val="100000"/>
-                <a:satMod val="130000"/>
-              </a:schemeClr>
-            </a:gs>
-            <a:gs pos="100000">
-              <a:schemeClr val="phClr">
-                <a:tint val="50000"/>
-                <a:shade val="100000"/>
-                <a:satMod val="350000"/>
-              </a:schemeClr>
-            </a:gs>
-          </a:gsLst>
-          <a:lin ang="16200000" scaled="0"/>
-        </a:gradFill>
-      </a:fillStyleLst>
-      <a:lnStyleLst>
-        <a:ln w="9525" cap="flat" cmpd="sng" algn="ctr">
-          <a:solidFill>
-            <a:schemeClr val="phClr">
-              <a:shade val="95000"/>
-              <a:satMod val="105000"/>
-            </a:schemeClr>
-          </a:solidFill>
-          <a:prstDash val="solid"/>
-        </a:ln>
-        <a:ln w="25400" cap="flat" cmpd="sng" algn="ctr">
-          <a:solidFill>
-            <a:schemeClr val="phClr"/>
-          </a:solidFill>
-          <a:prstDash val="solid"/>
-        </a:ln>
-        <a:ln w="38100" cap="flat" cmpd="sng" algn="ctr">
-          <a:solidFill>
-            <a:schemeClr val="phClr"/>
-          </a:solidFill>
-          <a:prstDash val="solid"/>
-        </a:ln>
-      </a:lnStyleLst>
-      <a:effectStyleLst>
-        <a:effectStyle>
-          <a:effectLst>
-            <a:outerShdw blurRad="40000" dist="20000" dir="5400000" rotWithShape="0">
-              <a:srgbClr val="000000">
-                <a:alpha val="38000"/>
-              </a:srgbClr>
-            </a:outerShdw>
-          </a:effectLst>
-        </a:effectStyle>
-        <a:effectStyle>
-          <a:effectLst>
-            <a:outerShdw blurRad="40000" dist="23000" dir="5400000" rotWithShape="0">
-              <a:srgbClr val="000000">
-                <a:alpha val="35000"/>
-              </a:srgbClr>
-            </a:outerShdw>
-          </a:effectLst>
-        </a:effectStyle>
-        <a:effectStyle>
-          <a:effectLst>
-            <a:outerShdw blurRad="40000" dist="23000" dir="5400000" rotWithShape="0">
-              <a:srgbClr val="000000">
-                <a:alpha val="35000"/>
-              </a:srgbClr>
-            </a:outerShdw>
-          </a:effectLst>
-          <a:scene3d>
-            <a:camera prst="orthographicFront">
-              <a:rot lat="0" lon="0" rev="0"/>
-            </a:camera>
-            <a:lightRig rig="threePt" dir="t">
-              <a:rot lat="0" lon="0" rev="1200000"/>
-            </a:lightRig>
-          </a:scene3d>
-          <a:sp3d>
-            <a:bevelT w="63500" h="25400"/>
-          </a:sp3d>
-        </a:effectStyle>
-      </a:effectStyleLst>
-      <a:bgFillStyleLst>
-        <a:solidFill>
-          <a:schemeClr val="phClr"/>
-        </a:solidFill>
-        <a:gradFill rotWithShape="1">
-          <a:gsLst>
-            <a:gs pos="0">
-              <a:schemeClr val="phClr">
-                <a:tint val="40000"/>
-                <a:satMod val="350000"/>
-              </a:schemeClr>
-            </a:gs>
-            <a:gs pos="40000">
-              <a:schemeClr val="phClr">
-                <a:tint val="45000"/>
-                <a:shade val="99000"/>
-                <a:satMod val="350000"/>
-              </a:schemeClr>
-            </a:gs>
-            <a:gs pos="100000">
-              <a:schemeClr val="phClr">
-                <a:shade val="20000"/>
-                <a:satMod val="255000"/>
-              </a:schemeClr>
-            </a:gs>
-          </a:gsLst>
-          <a:path path="circle">
-            <a:fillToRect l="50000" t="-80000" r="50000" b="180000"/>
-          </a:path>
-        </a:gradFill>
-        <a:gradFill rotWithShape="1">
-          <a:gsLst>
-            <a:gs pos="0">
-              <a:schemeClr val="phClr">
-                <a:tint val="80000"/>
-                <a:satMod val="300000"/>
-              </a:schemeClr>
-            </a:gs>
-            <a:gs pos="100000">
-              <a:schemeClr val="phClr">
-                <a:shade val="30000"/>
-                <a:satMod val="200000"/>
-              </a:schemeClr>
-            </a:gs>
-          </a:gsLst>
-          <a:path path="circle">
-            <a:fillToRect l="50000" t="50000" r="50000" b="50000"/>
-          </a:path>
-        </a:gradFill>
-      </a:bgFillStyleLst>
-    </a:fmtScheme>
-  </a:themeElements>
-</a:theme>
 </file>